--- a/Presentation/project.pptx
+++ b/Presentation/project.pptx
@@ -5,10 +5,13 @@
     <p:sldMasterId id="2147483648" r:id="rId1"/>
   </p:sldMasterIdLst>
   <p:sldIdLst>
-    <p:sldId id="256" r:id="rId2"/>
-    <p:sldId id="257" r:id="rId3"/>
-    <p:sldId id="258" r:id="rId4"/>
-    <p:sldId id="259" r:id="rId5"/>
+    <p:sldId id="257" r:id="rId2"/>
+    <p:sldId id="258" r:id="rId3"/>
+    <p:sldId id="259" r:id="rId4"/>
+    <p:sldId id="261" r:id="rId5"/>
+    <p:sldId id="260" r:id="rId6"/>
+    <p:sldId id="263" r:id="rId7"/>
+    <p:sldId id="262" r:id="rId8"/>
   </p:sldIdLst>
   <p:sldSz cx="12192000" cy="6858000"/>
   <p:notesSz cx="6858000" cy="9144000"/>
@@ -107,11 +110,6 @@
       </a:defRPr>
     </a:lvl9pPr>
   </p:defaultTextStyle>
-  <p:extLst>
-    <p:ext uri="{EFAFB233-063F-42B5-8137-9DF3F51BA10A}">
-      <p15:sldGuideLst xmlns:p15="http://schemas.microsoft.com/office/powerpoint/2012/main"/>
-    </p:ext>
-  </p:extLst>
 </p:presentation>
 </file>
 
@@ -137,7 +135,7 @@
           <p:cNvPr id="2" name="Заголовок 1">
             <a:extLst>
               <a:ext uri="{FF2B5EF4-FFF2-40B4-BE49-F238E27FC236}">
-                <a16:creationId xmlns:a16="http://schemas.microsoft.com/office/drawing/2014/main" id="{D301F450-0C91-496F-BC9B-446C8EB4A4CE}"/>
+                <a16:creationId xmlns:a16="http://schemas.microsoft.com/office/drawing/2014/main" id="{74C5568E-CF85-4291-99B3-22CF9395589C}"/>
               </a:ext>
             </a:extLst>
           </p:cNvPr>
@@ -174,7 +172,7 @@
           <p:cNvPr id="3" name="Подзаголовок 2">
             <a:extLst>
               <a:ext uri="{FF2B5EF4-FFF2-40B4-BE49-F238E27FC236}">
-                <a16:creationId xmlns:a16="http://schemas.microsoft.com/office/drawing/2014/main" id="{16B2F0C7-54FC-474C-AEE8-23E20C174C38}"/>
+                <a16:creationId xmlns:a16="http://schemas.microsoft.com/office/drawing/2014/main" id="{F59448AD-0332-4CA5-8633-706739124927}"/>
               </a:ext>
             </a:extLst>
           </p:cNvPr>
@@ -244,7 +242,7 @@
           <p:cNvPr id="4" name="Дата 3">
             <a:extLst>
               <a:ext uri="{FF2B5EF4-FFF2-40B4-BE49-F238E27FC236}">
-                <a16:creationId xmlns:a16="http://schemas.microsoft.com/office/drawing/2014/main" id="{C1957E12-49CA-4BA5-9EF1-BC848F6B73ED}"/>
+                <a16:creationId xmlns:a16="http://schemas.microsoft.com/office/drawing/2014/main" id="{DB93BF6E-869B-45AB-B5AD-1AEBBE9A731A}"/>
               </a:ext>
             </a:extLst>
           </p:cNvPr>
@@ -260,9 +258,9 @@
           <a:bodyPr/>
           <a:lstStyle/>
           <a:p>
-            <a:fld id="{37B90F8C-4A4C-4192-85BF-69BE0A857C14}" type="datetimeFigureOut">
+            <a:fld id="{8BFCE69A-EC94-4499-AE48-2E1ED71A5221}" type="datetimeFigureOut">
               <a:rPr lang="ru-RU" smtClean="0"/>
-              <a:t>23.09.2022</a:t>
+              <a:t>21.10.2022</a:t>
             </a:fld>
             <a:endParaRPr lang="ru-RU"/>
           </a:p>
@@ -273,7 +271,7 @@
           <p:cNvPr id="5" name="Нижний колонтитул 4">
             <a:extLst>
               <a:ext uri="{FF2B5EF4-FFF2-40B4-BE49-F238E27FC236}">
-                <a16:creationId xmlns:a16="http://schemas.microsoft.com/office/drawing/2014/main" id="{90481237-8BBB-45CC-8FAE-57BFDAECB8F3}"/>
+                <a16:creationId xmlns:a16="http://schemas.microsoft.com/office/drawing/2014/main" id="{FBB715FD-DBCA-4970-9B8D-48100098FA22}"/>
               </a:ext>
             </a:extLst>
           </p:cNvPr>
@@ -298,7 +296,7 @@
           <p:cNvPr id="6" name="Номер слайда 5">
             <a:extLst>
               <a:ext uri="{FF2B5EF4-FFF2-40B4-BE49-F238E27FC236}">
-                <a16:creationId xmlns:a16="http://schemas.microsoft.com/office/drawing/2014/main" id="{B3C11442-22C4-4A33-8F35-B1600BDBDAFA}"/>
+                <a16:creationId xmlns:a16="http://schemas.microsoft.com/office/drawing/2014/main" id="{727233DB-D224-4ACC-AA88-F940B195DA24}"/>
               </a:ext>
             </a:extLst>
           </p:cNvPr>
@@ -314,7 +312,7 @@
           <a:bodyPr/>
           <a:lstStyle/>
           <a:p>
-            <a:fld id="{075E0561-0BA0-4D14-B2D0-A42B37E85481}" type="slidenum">
+            <a:fld id="{9F337424-A987-43CA-BB45-632743A8DB4E}" type="slidenum">
               <a:rPr lang="ru-RU" smtClean="0"/>
               <a:t>‹#›</a:t>
             </a:fld>
@@ -325,7 +323,7 @@
     </p:spTree>
     <p:extLst>
       <p:ext uri="{BB962C8B-B14F-4D97-AF65-F5344CB8AC3E}">
-        <p14:creationId xmlns:p14="http://schemas.microsoft.com/office/powerpoint/2010/main" val="651085953"/>
+        <p14:creationId xmlns:p14="http://schemas.microsoft.com/office/powerpoint/2010/main" val="2053675490"/>
       </p:ext>
     </p:extLst>
   </p:cSld>
@@ -357,7 +355,7 @@
           <p:cNvPr id="2" name="Заголовок 1">
             <a:extLst>
               <a:ext uri="{FF2B5EF4-FFF2-40B4-BE49-F238E27FC236}">
-                <a16:creationId xmlns:a16="http://schemas.microsoft.com/office/drawing/2014/main" id="{0720CD07-078D-4538-87C3-015794DEC5C1}"/>
+                <a16:creationId xmlns:a16="http://schemas.microsoft.com/office/drawing/2014/main" id="{A4C0D44E-270F-4EE5-934D-A57CA0975454}"/>
               </a:ext>
             </a:extLst>
           </p:cNvPr>
@@ -385,7 +383,7 @@
           <p:cNvPr id="3" name="Вертикальный текст 2">
             <a:extLst>
               <a:ext uri="{FF2B5EF4-FFF2-40B4-BE49-F238E27FC236}">
-                <a16:creationId xmlns:a16="http://schemas.microsoft.com/office/drawing/2014/main" id="{F732A5C6-D5FC-4F0C-BD43-84FCD85ECD6E}"/>
+                <a16:creationId xmlns:a16="http://schemas.microsoft.com/office/drawing/2014/main" id="{5EA9FDCA-D540-4A7A-866C-A74B71439479}"/>
               </a:ext>
             </a:extLst>
           </p:cNvPr>
@@ -442,7 +440,7 @@
           <p:cNvPr id="4" name="Дата 3">
             <a:extLst>
               <a:ext uri="{FF2B5EF4-FFF2-40B4-BE49-F238E27FC236}">
-                <a16:creationId xmlns:a16="http://schemas.microsoft.com/office/drawing/2014/main" id="{700EBE83-FF11-4685-B518-D84F309AE5A6}"/>
+                <a16:creationId xmlns:a16="http://schemas.microsoft.com/office/drawing/2014/main" id="{ADAD5117-F16E-466F-AB1E-D725B579FE79}"/>
               </a:ext>
             </a:extLst>
           </p:cNvPr>
@@ -458,9 +456,9 @@
           <a:bodyPr/>
           <a:lstStyle/>
           <a:p>
-            <a:fld id="{37B90F8C-4A4C-4192-85BF-69BE0A857C14}" type="datetimeFigureOut">
+            <a:fld id="{8BFCE69A-EC94-4499-AE48-2E1ED71A5221}" type="datetimeFigureOut">
               <a:rPr lang="ru-RU" smtClean="0"/>
-              <a:t>23.09.2022</a:t>
+              <a:t>21.10.2022</a:t>
             </a:fld>
             <a:endParaRPr lang="ru-RU"/>
           </a:p>
@@ -471,7 +469,7 @@
           <p:cNvPr id="5" name="Нижний колонтитул 4">
             <a:extLst>
               <a:ext uri="{FF2B5EF4-FFF2-40B4-BE49-F238E27FC236}">
-                <a16:creationId xmlns:a16="http://schemas.microsoft.com/office/drawing/2014/main" id="{2F29FEA7-9600-4630-BCD3-FE4BA2CF3414}"/>
+                <a16:creationId xmlns:a16="http://schemas.microsoft.com/office/drawing/2014/main" id="{98EECD0F-7498-4C13-A61F-631D59786520}"/>
               </a:ext>
             </a:extLst>
           </p:cNvPr>
@@ -496,7 +494,7 @@
           <p:cNvPr id="6" name="Номер слайда 5">
             <a:extLst>
               <a:ext uri="{FF2B5EF4-FFF2-40B4-BE49-F238E27FC236}">
-                <a16:creationId xmlns:a16="http://schemas.microsoft.com/office/drawing/2014/main" id="{2C8C9934-B610-4F9B-BA27-AA3614975F15}"/>
+                <a16:creationId xmlns:a16="http://schemas.microsoft.com/office/drawing/2014/main" id="{C0129749-F267-4835-8747-1BE0B6BBA674}"/>
               </a:ext>
             </a:extLst>
           </p:cNvPr>
@@ -512,7 +510,7 @@
           <a:bodyPr/>
           <a:lstStyle/>
           <a:p>
-            <a:fld id="{075E0561-0BA0-4D14-B2D0-A42B37E85481}" type="slidenum">
+            <a:fld id="{9F337424-A987-43CA-BB45-632743A8DB4E}" type="slidenum">
               <a:rPr lang="ru-RU" smtClean="0"/>
               <a:t>‹#›</a:t>
             </a:fld>
@@ -523,7 +521,7 @@
     </p:spTree>
     <p:extLst>
       <p:ext uri="{BB962C8B-B14F-4D97-AF65-F5344CB8AC3E}">
-        <p14:creationId xmlns:p14="http://schemas.microsoft.com/office/powerpoint/2010/main" val="4177536593"/>
+        <p14:creationId xmlns:p14="http://schemas.microsoft.com/office/powerpoint/2010/main" val="479746516"/>
       </p:ext>
     </p:extLst>
   </p:cSld>
@@ -555,7 +553,7 @@
           <p:cNvPr id="2" name="Вертикальный заголовок 1">
             <a:extLst>
               <a:ext uri="{FF2B5EF4-FFF2-40B4-BE49-F238E27FC236}">
-                <a16:creationId xmlns:a16="http://schemas.microsoft.com/office/drawing/2014/main" id="{0C6552D6-F8FB-4E21-BF08-D86EBB66AB43}"/>
+                <a16:creationId xmlns:a16="http://schemas.microsoft.com/office/drawing/2014/main" id="{0B7FA3C7-5C90-4031-AF9D-DA637E077366}"/>
               </a:ext>
             </a:extLst>
           </p:cNvPr>
@@ -588,7 +586,7 @@
           <p:cNvPr id="3" name="Вертикальный текст 2">
             <a:extLst>
               <a:ext uri="{FF2B5EF4-FFF2-40B4-BE49-F238E27FC236}">
-                <a16:creationId xmlns:a16="http://schemas.microsoft.com/office/drawing/2014/main" id="{49B13E5A-30F2-458B-84AA-7DB8CACED0BE}"/>
+                <a16:creationId xmlns:a16="http://schemas.microsoft.com/office/drawing/2014/main" id="{959018FB-CB07-44D0-8CC4-23B983C49085}"/>
               </a:ext>
             </a:extLst>
           </p:cNvPr>
@@ -650,7 +648,7 @@
           <p:cNvPr id="4" name="Дата 3">
             <a:extLst>
               <a:ext uri="{FF2B5EF4-FFF2-40B4-BE49-F238E27FC236}">
-                <a16:creationId xmlns:a16="http://schemas.microsoft.com/office/drawing/2014/main" id="{C4BBD6BC-FAF0-4A01-BC35-6A4ACE4B052C}"/>
+                <a16:creationId xmlns:a16="http://schemas.microsoft.com/office/drawing/2014/main" id="{1A63C427-786F-4B9D-9F77-4A1D921D9F25}"/>
               </a:ext>
             </a:extLst>
           </p:cNvPr>
@@ -666,9 +664,9 @@
           <a:bodyPr/>
           <a:lstStyle/>
           <a:p>
-            <a:fld id="{37B90F8C-4A4C-4192-85BF-69BE0A857C14}" type="datetimeFigureOut">
+            <a:fld id="{8BFCE69A-EC94-4499-AE48-2E1ED71A5221}" type="datetimeFigureOut">
               <a:rPr lang="ru-RU" smtClean="0"/>
-              <a:t>23.09.2022</a:t>
+              <a:t>21.10.2022</a:t>
             </a:fld>
             <a:endParaRPr lang="ru-RU"/>
           </a:p>
@@ -679,7 +677,7 @@
           <p:cNvPr id="5" name="Нижний колонтитул 4">
             <a:extLst>
               <a:ext uri="{FF2B5EF4-FFF2-40B4-BE49-F238E27FC236}">
-                <a16:creationId xmlns:a16="http://schemas.microsoft.com/office/drawing/2014/main" id="{4B8DEF04-2650-42EB-BE1E-2CA380A5A0AC}"/>
+                <a16:creationId xmlns:a16="http://schemas.microsoft.com/office/drawing/2014/main" id="{512B4071-BD97-4A28-A3C1-20F7E41CD4B5}"/>
               </a:ext>
             </a:extLst>
           </p:cNvPr>
@@ -704,7 +702,7 @@
           <p:cNvPr id="6" name="Номер слайда 5">
             <a:extLst>
               <a:ext uri="{FF2B5EF4-FFF2-40B4-BE49-F238E27FC236}">
-                <a16:creationId xmlns:a16="http://schemas.microsoft.com/office/drawing/2014/main" id="{3299208B-55A1-46E4-A6C8-9718151F8D4C}"/>
+                <a16:creationId xmlns:a16="http://schemas.microsoft.com/office/drawing/2014/main" id="{C9B1C672-3BA7-4CDA-B7C6-4016CBD4058C}"/>
               </a:ext>
             </a:extLst>
           </p:cNvPr>
@@ -720,7 +718,7 @@
           <a:bodyPr/>
           <a:lstStyle/>
           <a:p>
-            <a:fld id="{075E0561-0BA0-4D14-B2D0-A42B37E85481}" type="slidenum">
+            <a:fld id="{9F337424-A987-43CA-BB45-632743A8DB4E}" type="slidenum">
               <a:rPr lang="ru-RU" smtClean="0"/>
               <a:t>‹#›</a:t>
             </a:fld>
@@ -731,7 +729,7 @@
     </p:spTree>
     <p:extLst>
       <p:ext uri="{BB962C8B-B14F-4D97-AF65-F5344CB8AC3E}">
-        <p14:creationId xmlns:p14="http://schemas.microsoft.com/office/powerpoint/2010/main" val="3300907159"/>
+        <p14:creationId xmlns:p14="http://schemas.microsoft.com/office/powerpoint/2010/main" val="3184490135"/>
       </p:ext>
     </p:extLst>
   </p:cSld>
@@ -763,7 +761,7 @@
           <p:cNvPr id="2" name="Заголовок 1">
             <a:extLst>
               <a:ext uri="{FF2B5EF4-FFF2-40B4-BE49-F238E27FC236}">
-                <a16:creationId xmlns:a16="http://schemas.microsoft.com/office/drawing/2014/main" id="{2F400D75-EE1B-456D-9F36-B25CB7E77E9F}"/>
+                <a16:creationId xmlns:a16="http://schemas.microsoft.com/office/drawing/2014/main" id="{74788539-85A0-4D0D-B12B-090B5F804E3C}"/>
               </a:ext>
             </a:extLst>
           </p:cNvPr>
@@ -791,7 +789,7 @@
           <p:cNvPr id="3" name="Объект 2">
             <a:extLst>
               <a:ext uri="{FF2B5EF4-FFF2-40B4-BE49-F238E27FC236}">
-                <a16:creationId xmlns:a16="http://schemas.microsoft.com/office/drawing/2014/main" id="{9165AA10-CEA2-4A36-BA2A-70DDEDF411CA}"/>
+                <a16:creationId xmlns:a16="http://schemas.microsoft.com/office/drawing/2014/main" id="{4B12BCA3-C436-49DC-AD18-41E74390F53C}"/>
               </a:ext>
             </a:extLst>
           </p:cNvPr>
@@ -848,7 +846,7 @@
           <p:cNvPr id="4" name="Дата 3">
             <a:extLst>
               <a:ext uri="{FF2B5EF4-FFF2-40B4-BE49-F238E27FC236}">
-                <a16:creationId xmlns:a16="http://schemas.microsoft.com/office/drawing/2014/main" id="{205B05EA-0E01-4DD9-B98E-71DC32B32C91}"/>
+                <a16:creationId xmlns:a16="http://schemas.microsoft.com/office/drawing/2014/main" id="{B4C4A8B8-DD76-4E9E-90D2-000C1319702F}"/>
               </a:ext>
             </a:extLst>
           </p:cNvPr>
@@ -864,9 +862,9 @@
           <a:bodyPr/>
           <a:lstStyle/>
           <a:p>
-            <a:fld id="{37B90F8C-4A4C-4192-85BF-69BE0A857C14}" type="datetimeFigureOut">
+            <a:fld id="{8BFCE69A-EC94-4499-AE48-2E1ED71A5221}" type="datetimeFigureOut">
               <a:rPr lang="ru-RU" smtClean="0"/>
-              <a:t>23.09.2022</a:t>
+              <a:t>21.10.2022</a:t>
             </a:fld>
             <a:endParaRPr lang="ru-RU"/>
           </a:p>
@@ -877,7 +875,7 @@
           <p:cNvPr id="5" name="Нижний колонтитул 4">
             <a:extLst>
               <a:ext uri="{FF2B5EF4-FFF2-40B4-BE49-F238E27FC236}">
-                <a16:creationId xmlns:a16="http://schemas.microsoft.com/office/drawing/2014/main" id="{DB03675D-214C-48E7-A31A-8A8DBD643F13}"/>
+                <a16:creationId xmlns:a16="http://schemas.microsoft.com/office/drawing/2014/main" id="{DC880493-41B6-4C7E-9C21-C19CF2738293}"/>
               </a:ext>
             </a:extLst>
           </p:cNvPr>
@@ -902,7 +900,7 @@
           <p:cNvPr id="6" name="Номер слайда 5">
             <a:extLst>
               <a:ext uri="{FF2B5EF4-FFF2-40B4-BE49-F238E27FC236}">
-                <a16:creationId xmlns:a16="http://schemas.microsoft.com/office/drawing/2014/main" id="{8B75166D-CAD2-4D60-9CAB-0C5699308692}"/>
+                <a16:creationId xmlns:a16="http://schemas.microsoft.com/office/drawing/2014/main" id="{25B061F8-2543-4975-82F6-A20F24A1EEC1}"/>
               </a:ext>
             </a:extLst>
           </p:cNvPr>
@@ -918,7 +916,7 @@
           <a:bodyPr/>
           <a:lstStyle/>
           <a:p>
-            <a:fld id="{075E0561-0BA0-4D14-B2D0-A42B37E85481}" type="slidenum">
+            <a:fld id="{9F337424-A987-43CA-BB45-632743A8DB4E}" type="slidenum">
               <a:rPr lang="ru-RU" smtClean="0"/>
               <a:t>‹#›</a:t>
             </a:fld>
@@ -929,7 +927,7 @@
     </p:spTree>
     <p:extLst>
       <p:ext uri="{BB962C8B-B14F-4D97-AF65-F5344CB8AC3E}">
-        <p14:creationId xmlns:p14="http://schemas.microsoft.com/office/powerpoint/2010/main" val="2219256949"/>
+        <p14:creationId xmlns:p14="http://schemas.microsoft.com/office/powerpoint/2010/main" val="3104724339"/>
       </p:ext>
     </p:extLst>
   </p:cSld>
@@ -961,7 +959,7 @@
           <p:cNvPr id="2" name="Заголовок 1">
             <a:extLst>
               <a:ext uri="{FF2B5EF4-FFF2-40B4-BE49-F238E27FC236}">
-                <a16:creationId xmlns:a16="http://schemas.microsoft.com/office/drawing/2014/main" id="{4D373E97-02F0-4791-867A-F498745BD478}"/>
+                <a16:creationId xmlns:a16="http://schemas.microsoft.com/office/drawing/2014/main" id="{46717A85-B7EC-4D7E-950F-7E043DD83759}"/>
               </a:ext>
             </a:extLst>
           </p:cNvPr>
@@ -998,7 +996,7 @@
           <p:cNvPr id="3" name="Текст 2">
             <a:extLst>
               <a:ext uri="{FF2B5EF4-FFF2-40B4-BE49-F238E27FC236}">
-                <a16:creationId xmlns:a16="http://schemas.microsoft.com/office/drawing/2014/main" id="{92E60EFC-C997-41E0-96DF-9F60FC50C7BB}"/>
+                <a16:creationId xmlns:a16="http://schemas.microsoft.com/office/drawing/2014/main" id="{18CA156B-0181-41A9-AA0B-DAB05745C82E}"/>
               </a:ext>
             </a:extLst>
           </p:cNvPr>
@@ -1123,7 +1121,7 @@
           <p:cNvPr id="4" name="Дата 3">
             <a:extLst>
               <a:ext uri="{FF2B5EF4-FFF2-40B4-BE49-F238E27FC236}">
-                <a16:creationId xmlns:a16="http://schemas.microsoft.com/office/drawing/2014/main" id="{598A49C8-DC98-413F-AAB6-84C8BC3A8B7B}"/>
+                <a16:creationId xmlns:a16="http://schemas.microsoft.com/office/drawing/2014/main" id="{F555AA30-8133-4459-A570-2E0887C934E3}"/>
               </a:ext>
             </a:extLst>
           </p:cNvPr>
@@ -1139,9 +1137,9 @@
           <a:bodyPr/>
           <a:lstStyle/>
           <a:p>
-            <a:fld id="{37B90F8C-4A4C-4192-85BF-69BE0A857C14}" type="datetimeFigureOut">
+            <a:fld id="{8BFCE69A-EC94-4499-AE48-2E1ED71A5221}" type="datetimeFigureOut">
               <a:rPr lang="ru-RU" smtClean="0"/>
-              <a:t>23.09.2022</a:t>
+              <a:t>21.10.2022</a:t>
             </a:fld>
             <a:endParaRPr lang="ru-RU"/>
           </a:p>
@@ -1152,7 +1150,7 @@
           <p:cNvPr id="5" name="Нижний колонтитул 4">
             <a:extLst>
               <a:ext uri="{FF2B5EF4-FFF2-40B4-BE49-F238E27FC236}">
-                <a16:creationId xmlns:a16="http://schemas.microsoft.com/office/drawing/2014/main" id="{2D3B3C6C-0A91-4161-AC1F-900539DDB723}"/>
+                <a16:creationId xmlns:a16="http://schemas.microsoft.com/office/drawing/2014/main" id="{7F59675C-D702-43EE-8E60-30CBDE39ABFB}"/>
               </a:ext>
             </a:extLst>
           </p:cNvPr>
@@ -1177,7 +1175,7 @@
           <p:cNvPr id="6" name="Номер слайда 5">
             <a:extLst>
               <a:ext uri="{FF2B5EF4-FFF2-40B4-BE49-F238E27FC236}">
-                <a16:creationId xmlns:a16="http://schemas.microsoft.com/office/drawing/2014/main" id="{D093E019-5AEE-4A8C-8795-70D712E490B3}"/>
+                <a16:creationId xmlns:a16="http://schemas.microsoft.com/office/drawing/2014/main" id="{F548FC50-9808-46AB-8079-E9830C0011B9}"/>
               </a:ext>
             </a:extLst>
           </p:cNvPr>
@@ -1193,7 +1191,7 @@
           <a:bodyPr/>
           <a:lstStyle/>
           <a:p>
-            <a:fld id="{075E0561-0BA0-4D14-B2D0-A42B37E85481}" type="slidenum">
+            <a:fld id="{9F337424-A987-43CA-BB45-632743A8DB4E}" type="slidenum">
               <a:rPr lang="ru-RU" smtClean="0"/>
               <a:t>‹#›</a:t>
             </a:fld>
@@ -1204,7 +1202,7 @@
     </p:spTree>
     <p:extLst>
       <p:ext uri="{BB962C8B-B14F-4D97-AF65-F5344CB8AC3E}">
-        <p14:creationId xmlns:p14="http://schemas.microsoft.com/office/powerpoint/2010/main" val="2254747305"/>
+        <p14:creationId xmlns:p14="http://schemas.microsoft.com/office/powerpoint/2010/main" val="2512824991"/>
       </p:ext>
     </p:extLst>
   </p:cSld>
@@ -1236,7 +1234,7 @@
           <p:cNvPr id="2" name="Заголовок 1">
             <a:extLst>
               <a:ext uri="{FF2B5EF4-FFF2-40B4-BE49-F238E27FC236}">
-                <a16:creationId xmlns:a16="http://schemas.microsoft.com/office/drawing/2014/main" id="{3264383E-83D7-40ED-9B09-51BD92EEA7BC}"/>
+                <a16:creationId xmlns:a16="http://schemas.microsoft.com/office/drawing/2014/main" id="{91BF83AD-8304-4925-A5EB-16E124A0856D}"/>
               </a:ext>
             </a:extLst>
           </p:cNvPr>
@@ -1264,7 +1262,7 @@
           <p:cNvPr id="3" name="Объект 2">
             <a:extLst>
               <a:ext uri="{FF2B5EF4-FFF2-40B4-BE49-F238E27FC236}">
-                <a16:creationId xmlns:a16="http://schemas.microsoft.com/office/drawing/2014/main" id="{034BD507-ABE9-4445-B116-0CEA6F9AD561}"/>
+                <a16:creationId xmlns:a16="http://schemas.microsoft.com/office/drawing/2014/main" id="{7134CB13-E313-4892-B3D0-799FA6F087B3}"/>
               </a:ext>
             </a:extLst>
           </p:cNvPr>
@@ -1326,7 +1324,7 @@
           <p:cNvPr id="4" name="Объект 3">
             <a:extLst>
               <a:ext uri="{FF2B5EF4-FFF2-40B4-BE49-F238E27FC236}">
-                <a16:creationId xmlns:a16="http://schemas.microsoft.com/office/drawing/2014/main" id="{6449014C-82B7-4130-B031-A345227B2CA5}"/>
+                <a16:creationId xmlns:a16="http://schemas.microsoft.com/office/drawing/2014/main" id="{9156EB49-6299-44F5-865C-A384314067C5}"/>
               </a:ext>
             </a:extLst>
           </p:cNvPr>
@@ -1388,7 +1386,7 @@
           <p:cNvPr id="5" name="Дата 4">
             <a:extLst>
               <a:ext uri="{FF2B5EF4-FFF2-40B4-BE49-F238E27FC236}">
-                <a16:creationId xmlns:a16="http://schemas.microsoft.com/office/drawing/2014/main" id="{1E4F304E-797A-4A5C-8C39-22862A31E5EB}"/>
+                <a16:creationId xmlns:a16="http://schemas.microsoft.com/office/drawing/2014/main" id="{FA886BB2-0E0C-42C5-B2DC-892DD4578DC7}"/>
               </a:ext>
             </a:extLst>
           </p:cNvPr>
@@ -1404,9 +1402,9 @@
           <a:bodyPr/>
           <a:lstStyle/>
           <a:p>
-            <a:fld id="{37B90F8C-4A4C-4192-85BF-69BE0A857C14}" type="datetimeFigureOut">
+            <a:fld id="{8BFCE69A-EC94-4499-AE48-2E1ED71A5221}" type="datetimeFigureOut">
               <a:rPr lang="ru-RU" smtClean="0"/>
-              <a:t>23.09.2022</a:t>
+              <a:t>21.10.2022</a:t>
             </a:fld>
             <a:endParaRPr lang="ru-RU"/>
           </a:p>
@@ -1417,7 +1415,7 @@
           <p:cNvPr id="6" name="Нижний колонтитул 5">
             <a:extLst>
               <a:ext uri="{FF2B5EF4-FFF2-40B4-BE49-F238E27FC236}">
-                <a16:creationId xmlns:a16="http://schemas.microsoft.com/office/drawing/2014/main" id="{B02A5604-825F-4DA1-A87D-F77B28C24975}"/>
+                <a16:creationId xmlns:a16="http://schemas.microsoft.com/office/drawing/2014/main" id="{37113FFE-BAEB-41EF-BEEA-933D7ABDAFEE}"/>
               </a:ext>
             </a:extLst>
           </p:cNvPr>
@@ -1442,7 +1440,7 @@
           <p:cNvPr id="7" name="Номер слайда 6">
             <a:extLst>
               <a:ext uri="{FF2B5EF4-FFF2-40B4-BE49-F238E27FC236}">
-                <a16:creationId xmlns:a16="http://schemas.microsoft.com/office/drawing/2014/main" id="{35FA8150-4116-412E-9DB2-1958137CFFCB}"/>
+                <a16:creationId xmlns:a16="http://schemas.microsoft.com/office/drawing/2014/main" id="{20A84321-264D-40E9-8E4A-BA58C6CFD5B7}"/>
               </a:ext>
             </a:extLst>
           </p:cNvPr>
@@ -1458,7 +1456,7 @@
           <a:bodyPr/>
           <a:lstStyle/>
           <a:p>
-            <a:fld id="{075E0561-0BA0-4D14-B2D0-A42B37E85481}" type="slidenum">
+            <a:fld id="{9F337424-A987-43CA-BB45-632743A8DB4E}" type="slidenum">
               <a:rPr lang="ru-RU" smtClean="0"/>
               <a:t>‹#›</a:t>
             </a:fld>
@@ -1469,7 +1467,7 @@
     </p:spTree>
     <p:extLst>
       <p:ext uri="{BB962C8B-B14F-4D97-AF65-F5344CB8AC3E}">
-        <p14:creationId xmlns:p14="http://schemas.microsoft.com/office/powerpoint/2010/main" val="1199385427"/>
+        <p14:creationId xmlns:p14="http://schemas.microsoft.com/office/powerpoint/2010/main" val="1841021407"/>
       </p:ext>
     </p:extLst>
   </p:cSld>
@@ -1501,7 +1499,7 @@
           <p:cNvPr id="2" name="Заголовок 1">
             <a:extLst>
               <a:ext uri="{FF2B5EF4-FFF2-40B4-BE49-F238E27FC236}">
-                <a16:creationId xmlns:a16="http://schemas.microsoft.com/office/drawing/2014/main" id="{22FAE14E-3FC3-44E5-84A3-091EB701D3A2}"/>
+                <a16:creationId xmlns:a16="http://schemas.microsoft.com/office/drawing/2014/main" id="{2A4EF31C-C660-4572-9AB3-73C138BCD673}"/>
               </a:ext>
             </a:extLst>
           </p:cNvPr>
@@ -1534,7 +1532,7 @@
           <p:cNvPr id="3" name="Текст 2">
             <a:extLst>
               <a:ext uri="{FF2B5EF4-FFF2-40B4-BE49-F238E27FC236}">
-                <a16:creationId xmlns:a16="http://schemas.microsoft.com/office/drawing/2014/main" id="{33BCFD80-0F88-4D99-9641-91C5D8837624}"/>
+                <a16:creationId xmlns:a16="http://schemas.microsoft.com/office/drawing/2014/main" id="{74806C87-CC87-4821-B31D-03F9B7C4D6DD}"/>
               </a:ext>
             </a:extLst>
           </p:cNvPr>
@@ -1605,7 +1603,7 @@
           <p:cNvPr id="4" name="Объект 3">
             <a:extLst>
               <a:ext uri="{FF2B5EF4-FFF2-40B4-BE49-F238E27FC236}">
-                <a16:creationId xmlns:a16="http://schemas.microsoft.com/office/drawing/2014/main" id="{1C2E1064-6099-4472-9A91-03E35DABBC2E}"/>
+                <a16:creationId xmlns:a16="http://schemas.microsoft.com/office/drawing/2014/main" id="{7D066B3D-A4A3-40C3-AB96-3CDA5F4C39DA}"/>
               </a:ext>
             </a:extLst>
           </p:cNvPr>
@@ -1667,7 +1665,7 @@
           <p:cNvPr id="5" name="Текст 4">
             <a:extLst>
               <a:ext uri="{FF2B5EF4-FFF2-40B4-BE49-F238E27FC236}">
-                <a16:creationId xmlns:a16="http://schemas.microsoft.com/office/drawing/2014/main" id="{74C2D712-3B26-4B9E-BD37-F1D932B8E431}"/>
+                <a16:creationId xmlns:a16="http://schemas.microsoft.com/office/drawing/2014/main" id="{3CADC3E2-CFF8-4A83-B90A-12B1DE84C778}"/>
               </a:ext>
             </a:extLst>
           </p:cNvPr>
@@ -1738,7 +1736,7 @@
           <p:cNvPr id="6" name="Объект 5">
             <a:extLst>
               <a:ext uri="{FF2B5EF4-FFF2-40B4-BE49-F238E27FC236}">
-                <a16:creationId xmlns:a16="http://schemas.microsoft.com/office/drawing/2014/main" id="{B1E7FD96-838D-4AD0-8BFE-94DFF384630B}"/>
+                <a16:creationId xmlns:a16="http://schemas.microsoft.com/office/drawing/2014/main" id="{0973F680-8B9E-4E94-82B1-9CC4EE7DD75F}"/>
               </a:ext>
             </a:extLst>
           </p:cNvPr>
@@ -1800,7 +1798,7 @@
           <p:cNvPr id="7" name="Дата 6">
             <a:extLst>
               <a:ext uri="{FF2B5EF4-FFF2-40B4-BE49-F238E27FC236}">
-                <a16:creationId xmlns:a16="http://schemas.microsoft.com/office/drawing/2014/main" id="{AFDCCB37-DB8D-447D-B85C-3D345B53D871}"/>
+                <a16:creationId xmlns:a16="http://schemas.microsoft.com/office/drawing/2014/main" id="{B2A14625-EF0B-405D-912B-AB5245D7E557}"/>
               </a:ext>
             </a:extLst>
           </p:cNvPr>
@@ -1816,9 +1814,9 @@
           <a:bodyPr/>
           <a:lstStyle/>
           <a:p>
-            <a:fld id="{37B90F8C-4A4C-4192-85BF-69BE0A857C14}" type="datetimeFigureOut">
+            <a:fld id="{8BFCE69A-EC94-4499-AE48-2E1ED71A5221}" type="datetimeFigureOut">
               <a:rPr lang="ru-RU" smtClean="0"/>
-              <a:t>23.09.2022</a:t>
+              <a:t>21.10.2022</a:t>
             </a:fld>
             <a:endParaRPr lang="ru-RU"/>
           </a:p>
@@ -1829,7 +1827,7 @@
           <p:cNvPr id="8" name="Нижний колонтитул 7">
             <a:extLst>
               <a:ext uri="{FF2B5EF4-FFF2-40B4-BE49-F238E27FC236}">
-                <a16:creationId xmlns:a16="http://schemas.microsoft.com/office/drawing/2014/main" id="{810B1604-A06E-4B4C-8C46-83978B9AE29B}"/>
+                <a16:creationId xmlns:a16="http://schemas.microsoft.com/office/drawing/2014/main" id="{1F1222CF-5560-4413-8311-E0FAEBC8586E}"/>
               </a:ext>
             </a:extLst>
           </p:cNvPr>
@@ -1854,7 +1852,7 @@
           <p:cNvPr id="9" name="Номер слайда 8">
             <a:extLst>
               <a:ext uri="{FF2B5EF4-FFF2-40B4-BE49-F238E27FC236}">
-                <a16:creationId xmlns:a16="http://schemas.microsoft.com/office/drawing/2014/main" id="{2D933EB2-AFF6-45FF-BD78-A09039943A2A}"/>
+                <a16:creationId xmlns:a16="http://schemas.microsoft.com/office/drawing/2014/main" id="{2FC0A553-B584-4BF9-A665-6FD2738B95A5}"/>
               </a:ext>
             </a:extLst>
           </p:cNvPr>
@@ -1870,7 +1868,7 @@
           <a:bodyPr/>
           <a:lstStyle/>
           <a:p>
-            <a:fld id="{075E0561-0BA0-4D14-B2D0-A42B37E85481}" type="slidenum">
+            <a:fld id="{9F337424-A987-43CA-BB45-632743A8DB4E}" type="slidenum">
               <a:rPr lang="ru-RU" smtClean="0"/>
               <a:t>‹#›</a:t>
             </a:fld>
@@ -1881,7 +1879,7 @@
     </p:spTree>
     <p:extLst>
       <p:ext uri="{BB962C8B-B14F-4D97-AF65-F5344CB8AC3E}">
-        <p14:creationId xmlns:p14="http://schemas.microsoft.com/office/powerpoint/2010/main" val="1834619274"/>
+        <p14:creationId xmlns:p14="http://schemas.microsoft.com/office/powerpoint/2010/main" val="3338721849"/>
       </p:ext>
     </p:extLst>
   </p:cSld>
@@ -1913,7 +1911,7 @@
           <p:cNvPr id="2" name="Заголовок 1">
             <a:extLst>
               <a:ext uri="{FF2B5EF4-FFF2-40B4-BE49-F238E27FC236}">
-                <a16:creationId xmlns:a16="http://schemas.microsoft.com/office/drawing/2014/main" id="{2DEB0942-F962-4CFF-A811-974F0A17EF5F}"/>
+                <a16:creationId xmlns:a16="http://schemas.microsoft.com/office/drawing/2014/main" id="{5261754E-1972-46E6-A21A-916E60902D1B}"/>
               </a:ext>
             </a:extLst>
           </p:cNvPr>
@@ -1941,7 +1939,7 @@
           <p:cNvPr id="3" name="Дата 2">
             <a:extLst>
               <a:ext uri="{FF2B5EF4-FFF2-40B4-BE49-F238E27FC236}">
-                <a16:creationId xmlns:a16="http://schemas.microsoft.com/office/drawing/2014/main" id="{CB9EEA74-78F2-46BD-AFD9-ADB8BE3E93C1}"/>
+                <a16:creationId xmlns:a16="http://schemas.microsoft.com/office/drawing/2014/main" id="{514651A4-56F6-453E-8CCE-763224760D90}"/>
               </a:ext>
             </a:extLst>
           </p:cNvPr>
@@ -1957,9 +1955,9 @@
           <a:bodyPr/>
           <a:lstStyle/>
           <a:p>
-            <a:fld id="{37B90F8C-4A4C-4192-85BF-69BE0A857C14}" type="datetimeFigureOut">
+            <a:fld id="{8BFCE69A-EC94-4499-AE48-2E1ED71A5221}" type="datetimeFigureOut">
               <a:rPr lang="ru-RU" smtClean="0"/>
-              <a:t>23.09.2022</a:t>
+              <a:t>21.10.2022</a:t>
             </a:fld>
             <a:endParaRPr lang="ru-RU"/>
           </a:p>
@@ -1970,7 +1968,7 @@
           <p:cNvPr id="4" name="Нижний колонтитул 3">
             <a:extLst>
               <a:ext uri="{FF2B5EF4-FFF2-40B4-BE49-F238E27FC236}">
-                <a16:creationId xmlns:a16="http://schemas.microsoft.com/office/drawing/2014/main" id="{BAE19EFC-529E-4D0F-8750-76454EED147E}"/>
+                <a16:creationId xmlns:a16="http://schemas.microsoft.com/office/drawing/2014/main" id="{37890170-A393-4634-85D0-F66D4AAE5F7E}"/>
               </a:ext>
             </a:extLst>
           </p:cNvPr>
@@ -1995,7 +1993,7 @@
           <p:cNvPr id="5" name="Номер слайда 4">
             <a:extLst>
               <a:ext uri="{FF2B5EF4-FFF2-40B4-BE49-F238E27FC236}">
-                <a16:creationId xmlns:a16="http://schemas.microsoft.com/office/drawing/2014/main" id="{DF42BCF4-89DC-4C69-82B3-9736AB5157D8}"/>
+                <a16:creationId xmlns:a16="http://schemas.microsoft.com/office/drawing/2014/main" id="{17D49025-5A4E-47CE-940F-614895589EA0}"/>
               </a:ext>
             </a:extLst>
           </p:cNvPr>
@@ -2011,7 +2009,7 @@
           <a:bodyPr/>
           <a:lstStyle/>
           <a:p>
-            <a:fld id="{075E0561-0BA0-4D14-B2D0-A42B37E85481}" type="slidenum">
+            <a:fld id="{9F337424-A987-43CA-BB45-632743A8DB4E}" type="slidenum">
               <a:rPr lang="ru-RU" smtClean="0"/>
               <a:t>‹#›</a:t>
             </a:fld>
@@ -2022,7 +2020,7 @@
     </p:spTree>
     <p:extLst>
       <p:ext uri="{BB962C8B-B14F-4D97-AF65-F5344CB8AC3E}">
-        <p14:creationId xmlns:p14="http://schemas.microsoft.com/office/powerpoint/2010/main" val="1884632313"/>
+        <p14:creationId xmlns:p14="http://schemas.microsoft.com/office/powerpoint/2010/main" val="3302581486"/>
       </p:ext>
     </p:extLst>
   </p:cSld>
@@ -2054,7 +2052,7 @@
           <p:cNvPr id="2" name="Дата 1">
             <a:extLst>
               <a:ext uri="{FF2B5EF4-FFF2-40B4-BE49-F238E27FC236}">
-                <a16:creationId xmlns:a16="http://schemas.microsoft.com/office/drawing/2014/main" id="{18278DA5-5920-4AE4-8FEE-5D26035F666D}"/>
+                <a16:creationId xmlns:a16="http://schemas.microsoft.com/office/drawing/2014/main" id="{72867C38-211A-4659-8232-98D70C87DDF1}"/>
               </a:ext>
             </a:extLst>
           </p:cNvPr>
@@ -2070,9 +2068,9 @@
           <a:bodyPr/>
           <a:lstStyle/>
           <a:p>
-            <a:fld id="{37B90F8C-4A4C-4192-85BF-69BE0A857C14}" type="datetimeFigureOut">
+            <a:fld id="{8BFCE69A-EC94-4499-AE48-2E1ED71A5221}" type="datetimeFigureOut">
               <a:rPr lang="ru-RU" smtClean="0"/>
-              <a:t>23.09.2022</a:t>
+              <a:t>21.10.2022</a:t>
             </a:fld>
             <a:endParaRPr lang="ru-RU"/>
           </a:p>
@@ -2083,7 +2081,7 @@
           <p:cNvPr id="3" name="Нижний колонтитул 2">
             <a:extLst>
               <a:ext uri="{FF2B5EF4-FFF2-40B4-BE49-F238E27FC236}">
-                <a16:creationId xmlns:a16="http://schemas.microsoft.com/office/drawing/2014/main" id="{F8C78970-78A0-4ECF-A448-8D265C48D4DA}"/>
+                <a16:creationId xmlns:a16="http://schemas.microsoft.com/office/drawing/2014/main" id="{EBEB2E47-4718-4F13-BC78-4258A601BCC2}"/>
               </a:ext>
             </a:extLst>
           </p:cNvPr>
@@ -2108,7 +2106,7 @@
           <p:cNvPr id="4" name="Номер слайда 3">
             <a:extLst>
               <a:ext uri="{FF2B5EF4-FFF2-40B4-BE49-F238E27FC236}">
-                <a16:creationId xmlns:a16="http://schemas.microsoft.com/office/drawing/2014/main" id="{A3BE9A4C-CEA5-476D-8FC1-1FB5DF432C27}"/>
+                <a16:creationId xmlns:a16="http://schemas.microsoft.com/office/drawing/2014/main" id="{D15F858B-7A29-4770-91A0-9B0104A9CD65}"/>
               </a:ext>
             </a:extLst>
           </p:cNvPr>
@@ -2124,7 +2122,7 @@
           <a:bodyPr/>
           <a:lstStyle/>
           <a:p>
-            <a:fld id="{075E0561-0BA0-4D14-B2D0-A42B37E85481}" type="slidenum">
+            <a:fld id="{9F337424-A987-43CA-BB45-632743A8DB4E}" type="slidenum">
               <a:rPr lang="ru-RU" smtClean="0"/>
               <a:t>‹#›</a:t>
             </a:fld>
@@ -2135,7 +2133,7 @@
     </p:spTree>
     <p:extLst>
       <p:ext uri="{BB962C8B-B14F-4D97-AF65-F5344CB8AC3E}">
-        <p14:creationId xmlns:p14="http://schemas.microsoft.com/office/powerpoint/2010/main" val="328486770"/>
+        <p14:creationId xmlns:p14="http://schemas.microsoft.com/office/powerpoint/2010/main" val="3737225500"/>
       </p:ext>
     </p:extLst>
   </p:cSld>
@@ -2167,7 +2165,7 @@
           <p:cNvPr id="2" name="Заголовок 1">
             <a:extLst>
               <a:ext uri="{FF2B5EF4-FFF2-40B4-BE49-F238E27FC236}">
-                <a16:creationId xmlns:a16="http://schemas.microsoft.com/office/drawing/2014/main" id="{27CA357D-8809-4ADC-A281-5499FF407D7A}"/>
+                <a16:creationId xmlns:a16="http://schemas.microsoft.com/office/drawing/2014/main" id="{5F7031A4-8D50-490B-9BA0-17D98022E67F}"/>
               </a:ext>
             </a:extLst>
           </p:cNvPr>
@@ -2204,7 +2202,7 @@
           <p:cNvPr id="3" name="Объект 2">
             <a:extLst>
               <a:ext uri="{FF2B5EF4-FFF2-40B4-BE49-F238E27FC236}">
-                <a16:creationId xmlns:a16="http://schemas.microsoft.com/office/drawing/2014/main" id="{19384EDF-F4C1-483F-BF5A-DB0E5307200C}"/>
+                <a16:creationId xmlns:a16="http://schemas.microsoft.com/office/drawing/2014/main" id="{07150A2B-857E-4F60-81C1-59EF47646A58}"/>
               </a:ext>
             </a:extLst>
           </p:cNvPr>
@@ -2294,7 +2292,7 @@
           <p:cNvPr id="4" name="Текст 3">
             <a:extLst>
               <a:ext uri="{FF2B5EF4-FFF2-40B4-BE49-F238E27FC236}">
-                <a16:creationId xmlns:a16="http://schemas.microsoft.com/office/drawing/2014/main" id="{1742AFFB-5FA0-4690-BCAB-9A033C8C6D33}"/>
+                <a16:creationId xmlns:a16="http://schemas.microsoft.com/office/drawing/2014/main" id="{B81A10E3-DB0D-4DF8-B6A4-BA1BC28A0FD1}"/>
               </a:ext>
             </a:extLst>
           </p:cNvPr>
@@ -2365,7 +2363,7 @@
           <p:cNvPr id="5" name="Дата 4">
             <a:extLst>
               <a:ext uri="{FF2B5EF4-FFF2-40B4-BE49-F238E27FC236}">
-                <a16:creationId xmlns:a16="http://schemas.microsoft.com/office/drawing/2014/main" id="{9FC29242-8A3F-40E4-A5A8-6AA5A5602E06}"/>
+                <a16:creationId xmlns:a16="http://schemas.microsoft.com/office/drawing/2014/main" id="{F4CFD1BA-87C2-4BDE-8864-439162EEB221}"/>
               </a:ext>
             </a:extLst>
           </p:cNvPr>
@@ -2381,9 +2379,9 @@
           <a:bodyPr/>
           <a:lstStyle/>
           <a:p>
-            <a:fld id="{37B90F8C-4A4C-4192-85BF-69BE0A857C14}" type="datetimeFigureOut">
+            <a:fld id="{8BFCE69A-EC94-4499-AE48-2E1ED71A5221}" type="datetimeFigureOut">
               <a:rPr lang="ru-RU" smtClean="0"/>
-              <a:t>23.09.2022</a:t>
+              <a:t>21.10.2022</a:t>
             </a:fld>
             <a:endParaRPr lang="ru-RU"/>
           </a:p>
@@ -2394,7 +2392,7 @@
           <p:cNvPr id="6" name="Нижний колонтитул 5">
             <a:extLst>
               <a:ext uri="{FF2B5EF4-FFF2-40B4-BE49-F238E27FC236}">
-                <a16:creationId xmlns:a16="http://schemas.microsoft.com/office/drawing/2014/main" id="{1FF6EF27-0F38-4C30-B71F-ECD22B039830}"/>
+                <a16:creationId xmlns:a16="http://schemas.microsoft.com/office/drawing/2014/main" id="{C9C0D5D6-577E-42C5-940B-B6D4EF3912D2}"/>
               </a:ext>
             </a:extLst>
           </p:cNvPr>
@@ -2419,7 +2417,7 @@
           <p:cNvPr id="7" name="Номер слайда 6">
             <a:extLst>
               <a:ext uri="{FF2B5EF4-FFF2-40B4-BE49-F238E27FC236}">
-                <a16:creationId xmlns:a16="http://schemas.microsoft.com/office/drawing/2014/main" id="{D1450D68-35CC-4625-B80F-4085638B2B2B}"/>
+                <a16:creationId xmlns:a16="http://schemas.microsoft.com/office/drawing/2014/main" id="{3237539A-0CEB-4890-BDDC-849A6542EFB1}"/>
               </a:ext>
             </a:extLst>
           </p:cNvPr>
@@ -2435,7 +2433,7 @@
           <a:bodyPr/>
           <a:lstStyle/>
           <a:p>
-            <a:fld id="{075E0561-0BA0-4D14-B2D0-A42B37E85481}" type="slidenum">
+            <a:fld id="{9F337424-A987-43CA-BB45-632743A8DB4E}" type="slidenum">
               <a:rPr lang="ru-RU" smtClean="0"/>
               <a:t>‹#›</a:t>
             </a:fld>
@@ -2446,7 +2444,7 @@
     </p:spTree>
     <p:extLst>
       <p:ext uri="{BB962C8B-B14F-4D97-AF65-F5344CB8AC3E}">
-        <p14:creationId xmlns:p14="http://schemas.microsoft.com/office/powerpoint/2010/main" val="2530801904"/>
+        <p14:creationId xmlns:p14="http://schemas.microsoft.com/office/powerpoint/2010/main" val="3663341841"/>
       </p:ext>
     </p:extLst>
   </p:cSld>
@@ -2478,7 +2476,7 @@
           <p:cNvPr id="2" name="Заголовок 1">
             <a:extLst>
               <a:ext uri="{FF2B5EF4-FFF2-40B4-BE49-F238E27FC236}">
-                <a16:creationId xmlns:a16="http://schemas.microsoft.com/office/drawing/2014/main" id="{DC159508-D831-4057-B3FE-FB9C881DE26D}"/>
+                <a16:creationId xmlns:a16="http://schemas.microsoft.com/office/drawing/2014/main" id="{8FBB93DA-011D-44C0-8BDE-A2BCB78E1494}"/>
               </a:ext>
             </a:extLst>
           </p:cNvPr>
@@ -2515,7 +2513,7 @@
           <p:cNvPr id="3" name="Рисунок 2">
             <a:extLst>
               <a:ext uri="{FF2B5EF4-FFF2-40B4-BE49-F238E27FC236}">
-                <a16:creationId xmlns:a16="http://schemas.microsoft.com/office/drawing/2014/main" id="{72B3D9EA-3B6B-48B0-B04C-4D93F553101D}"/>
+                <a16:creationId xmlns:a16="http://schemas.microsoft.com/office/drawing/2014/main" id="{51A4B31A-1ADE-4C14-B47D-20B0B6EC4674}"/>
               </a:ext>
             </a:extLst>
           </p:cNvPr>
@@ -2582,7 +2580,7 @@
           <p:cNvPr id="4" name="Текст 3">
             <a:extLst>
               <a:ext uri="{FF2B5EF4-FFF2-40B4-BE49-F238E27FC236}">
-                <a16:creationId xmlns:a16="http://schemas.microsoft.com/office/drawing/2014/main" id="{53F546B2-CE6A-4FCB-9FF9-428C9E18579F}"/>
+                <a16:creationId xmlns:a16="http://schemas.microsoft.com/office/drawing/2014/main" id="{F98A4A25-D9A3-4340-8A02-C2D29C12C967}"/>
               </a:ext>
             </a:extLst>
           </p:cNvPr>
@@ -2653,7 +2651,7 @@
           <p:cNvPr id="5" name="Дата 4">
             <a:extLst>
               <a:ext uri="{FF2B5EF4-FFF2-40B4-BE49-F238E27FC236}">
-                <a16:creationId xmlns:a16="http://schemas.microsoft.com/office/drawing/2014/main" id="{6CECB23D-E640-46DC-B088-276A4C865A98}"/>
+                <a16:creationId xmlns:a16="http://schemas.microsoft.com/office/drawing/2014/main" id="{EB6DEFDF-4696-4EB4-B77E-65EDBEF72258}"/>
               </a:ext>
             </a:extLst>
           </p:cNvPr>
@@ -2669,9 +2667,9 @@
           <a:bodyPr/>
           <a:lstStyle/>
           <a:p>
-            <a:fld id="{37B90F8C-4A4C-4192-85BF-69BE0A857C14}" type="datetimeFigureOut">
+            <a:fld id="{8BFCE69A-EC94-4499-AE48-2E1ED71A5221}" type="datetimeFigureOut">
               <a:rPr lang="ru-RU" smtClean="0"/>
-              <a:t>23.09.2022</a:t>
+              <a:t>21.10.2022</a:t>
             </a:fld>
             <a:endParaRPr lang="ru-RU"/>
           </a:p>
@@ -2682,7 +2680,7 @@
           <p:cNvPr id="6" name="Нижний колонтитул 5">
             <a:extLst>
               <a:ext uri="{FF2B5EF4-FFF2-40B4-BE49-F238E27FC236}">
-                <a16:creationId xmlns:a16="http://schemas.microsoft.com/office/drawing/2014/main" id="{0A193A04-E79C-4308-9FFE-7E9BF2DF58F6}"/>
+                <a16:creationId xmlns:a16="http://schemas.microsoft.com/office/drawing/2014/main" id="{BBBC867D-2230-469F-929F-731B33F59875}"/>
               </a:ext>
             </a:extLst>
           </p:cNvPr>
@@ -2707,7 +2705,7 @@
           <p:cNvPr id="7" name="Номер слайда 6">
             <a:extLst>
               <a:ext uri="{FF2B5EF4-FFF2-40B4-BE49-F238E27FC236}">
-                <a16:creationId xmlns:a16="http://schemas.microsoft.com/office/drawing/2014/main" id="{16573218-0170-44D9-BD3A-6FF2910A6AAA}"/>
+                <a16:creationId xmlns:a16="http://schemas.microsoft.com/office/drawing/2014/main" id="{3C261067-6CDC-420A-B7BE-5CA2C3EFA0BB}"/>
               </a:ext>
             </a:extLst>
           </p:cNvPr>
@@ -2723,7 +2721,7 @@
           <a:bodyPr/>
           <a:lstStyle/>
           <a:p>
-            <a:fld id="{075E0561-0BA0-4D14-B2D0-A42B37E85481}" type="slidenum">
+            <a:fld id="{9F337424-A987-43CA-BB45-632743A8DB4E}" type="slidenum">
               <a:rPr lang="ru-RU" smtClean="0"/>
               <a:t>‹#›</a:t>
             </a:fld>
@@ -2734,7 +2732,7 @@
     </p:spTree>
     <p:extLst>
       <p:ext uri="{BB962C8B-B14F-4D97-AF65-F5344CB8AC3E}">
-        <p14:creationId xmlns:p14="http://schemas.microsoft.com/office/powerpoint/2010/main" val="1313482548"/>
+        <p14:creationId xmlns:p14="http://schemas.microsoft.com/office/powerpoint/2010/main" val="4109952102"/>
       </p:ext>
     </p:extLst>
   </p:cSld>
@@ -2771,7 +2769,7 @@
           <p:cNvPr id="2" name="Заголовок 1">
             <a:extLst>
               <a:ext uri="{FF2B5EF4-FFF2-40B4-BE49-F238E27FC236}">
-                <a16:creationId xmlns:a16="http://schemas.microsoft.com/office/drawing/2014/main" id="{7A370019-411F-406E-BF54-731B9AC099B4}"/>
+                <a16:creationId xmlns:a16="http://schemas.microsoft.com/office/drawing/2014/main" id="{F9261C1E-37E6-42A0-A845-221331E877DE}"/>
               </a:ext>
             </a:extLst>
           </p:cNvPr>
@@ -2809,7 +2807,7 @@
           <p:cNvPr id="3" name="Текст 2">
             <a:extLst>
               <a:ext uri="{FF2B5EF4-FFF2-40B4-BE49-F238E27FC236}">
-                <a16:creationId xmlns:a16="http://schemas.microsoft.com/office/drawing/2014/main" id="{7299F9B4-E7A5-4475-B533-B68A2FF9650C}"/>
+                <a16:creationId xmlns:a16="http://schemas.microsoft.com/office/drawing/2014/main" id="{7C4FBF90-D227-497C-94B2-A6AF0EEB331E}"/>
               </a:ext>
             </a:extLst>
           </p:cNvPr>
@@ -2876,7 +2874,7 @@
           <p:cNvPr id="4" name="Дата 3">
             <a:extLst>
               <a:ext uri="{FF2B5EF4-FFF2-40B4-BE49-F238E27FC236}">
-                <a16:creationId xmlns:a16="http://schemas.microsoft.com/office/drawing/2014/main" id="{2450BAE2-03C2-4678-BCE8-BF359D60B7A2}"/>
+                <a16:creationId xmlns:a16="http://schemas.microsoft.com/office/drawing/2014/main" id="{4C19463B-AE68-4D2F-99EF-34DEA38B3EAA}"/>
               </a:ext>
             </a:extLst>
           </p:cNvPr>
@@ -2910,9 +2908,9 @@
             </a:lvl1pPr>
           </a:lstStyle>
           <a:p>
-            <a:fld id="{37B90F8C-4A4C-4192-85BF-69BE0A857C14}" type="datetimeFigureOut">
+            <a:fld id="{8BFCE69A-EC94-4499-AE48-2E1ED71A5221}" type="datetimeFigureOut">
               <a:rPr lang="ru-RU" smtClean="0"/>
-              <a:t>23.09.2022</a:t>
+              <a:t>21.10.2022</a:t>
             </a:fld>
             <a:endParaRPr lang="ru-RU"/>
           </a:p>
@@ -2923,7 +2921,7 @@
           <p:cNvPr id="5" name="Нижний колонтитул 4">
             <a:extLst>
               <a:ext uri="{FF2B5EF4-FFF2-40B4-BE49-F238E27FC236}">
-                <a16:creationId xmlns:a16="http://schemas.microsoft.com/office/drawing/2014/main" id="{61F6568D-1E95-4A75-B572-2A5653DE22D1}"/>
+                <a16:creationId xmlns:a16="http://schemas.microsoft.com/office/drawing/2014/main" id="{42A5259E-71C8-4B12-AF82-0E589A2E77B4}"/>
               </a:ext>
             </a:extLst>
           </p:cNvPr>
@@ -2966,7 +2964,7 @@
           <p:cNvPr id="6" name="Номер слайда 5">
             <a:extLst>
               <a:ext uri="{FF2B5EF4-FFF2-40B4-BE49-F238E27FC236}">
-                <a16:creationId xmlns:a16="http://schemas.microsoft.com/office/drawing/2014/main" id="{5D41103B-E82E-4C53-BE2B-0AC513073F1A}"/>
+                <a16:creationId xmlns:a16="http://schemas.microsoft.com/office/drawing/2014/main" id="{C5E098C1-7982-4B46-B258-2EE204D38067}"/>
               </a:ext>
             </a:extLst>
           </p:cNvPr>
@@ -3000,7 +2998,7 @@
             </a:lvl1pPr>
           </a:lstStyle>
           <a:p>
-            <a:fld id="{075E0561-0BA0-4D14-B2D0-A42B37E85481}" type="slidenum">
+            <a:fld id="{9F337424-A987-43CA-BB45-632743A8DB4E}" type="slidenum">
               <a:rPr lang="ru-RU" smtClean="0"/>
               <a:t>‹#›</a:t>
             </a:fld>
@@ -3011,7 +3009,7 @@
     </p:spTree>
     <p:extLst>
       <p:ext uri="{BB962C8B-B14F-4D97-AF65-F5344CB8AC3E}">
-        <p14:creationId xmlns:p14="http://schemas.microsoft.com/office/powerpoint/2010/main" val="1227038433"/>
+        <p14:creationId xmlns:p14="http://schemas.microsoft.com/office/powerpoint/2010/main" val="2966176542"/>
       </p:ext>
     </p:extLst>
   </p:cSld>
@@ -3315,20 +3313,6 @@
 <file path=ppt/slides/slide1.xml><?xml version="1.0" encoding="utf-8"?>
 <p:sld xmlns:a="http://schemas.openxmlformats.org/drawingml/2006/main" xmlns:r="http://schemas.openxmlformats.org/officeDocument/2006/relationships" xmlns:p="http://schemas.openxmlformats.org/presentationml/2006/main">
   <p:cSld>
-    <p:bg>
-      <p:bgPr>
-        <a:blipFill dpi="0" rotWithShape="1">
-          <a:blip r:embed="rId2">
-            <a:lum/>
-          </a:blip>
-          <a:srcRect/>
-          <a:stretch>
-            <a:fillRect/>
-          </a:stretch>
-        </a:blipFill>
-        <a:effectLst/>
-      </p:bgPr>
-    </p:bg>
     <p:spTree>
       <p:nvGrpSpPr>
         <p:cNvPr id="1" name=""/>
@@ -3343,12 +3327,42 @@
           <a:chExt cx="0" cy="0"/>
         </a:xfrm>
       </p:grpSpPr>
-      <p:sp>
-        <p:nvSpPr>
-          <p:cNvPr id="2" name="TextBox 1">
-            <a:extLst>
-              <a:ext uri="{FF2B5EF4-FFF2-40B4-BE49-F238E27FC236}">
-                <a16:creationId xmlns:a16="http://schemas.microsoft.com/office/drawing/2014/main" id="{5D8A30EA-8CCA-4FF8-A5C8-B35F4547C8D8}"/>
+      <p:pic>
+        <p:nvPicPr>
+          <p:cNvPr id="2" name="Рисунок 1">
+            <a:extLst>
+              <a:ext uri="{FF2B5EF4-FFF2-40B4-BE49-F238E27FC236}">
+                <a16:creationId xmlns:a16="http://schemas.microsoft.com/office/drawing/2014/main" id="{2C6131C6-9C36-4E12-B5FD-3C219AC2BB92}"/>
+              </a:ext>
+            </a:extLst>
+          </p:cNvPr>
+          <p:cNvPicPr>
+            <a:picLocks noChangeAspect="1"/>
+          </p:cNvPicPr>
+          <p:nvPr/>
+        </p:nvPicPr>
+        <p:blipFill>
+          <a:blip r:embed="rId2"/>
+          <a:stretch>
+            <a:fillRect/>
+          </a:stretch>
+        </p:blipFill>
+        <p:spPr>
+          <a:xfrm>
+            <a:off x="0" y="1317064"/>
+            <a:ext cx="12192000" cy="5044965"/>
+          </a:xfrm>
+          <a:prstGeom prst="rect">
+            <a:avLst/>
+          </a:prstGeom>
+        </p:spPr>
+      </p:pic>
+      <p:sp>
+        <p:nvSpPr>
+          <p:cNvPr id="3" name="TextBox 2">
+            <a:extLst>
+              <a:ext uri="{FF2B5EF4-FFF2-40B4-BE49-F238E27FC236}">
+                <a16:creationId xmlns:a16="http://schemas.microsoft.com/office/drawing/2014/main" id="{D9F22257-7CE1-4E2F-B15D-50E9889AA758}"/>
               </a:ext>
             </a:extLst>
           </p:cNvPr>
@@ -3357,8 +3371,8 @@
         </p:nvSpPr>
         <p:spPr>
           <a:xfrm>
-            <a:off x="3900719" y="1222634"/>
-            <a:ext cx="4390562" cy="1015663"/>
+            <a:off x="1996751" y="410547"/>
+            <a:ext cx="7529804" cy="707886"/>
           </a:xfrm>
           <a:prstGeom prst="rect">
             <a:avLst/>
@@ -3371,829 +3385,15 @@
           </a:bodyPr>
           <a:lstStyle/>
           <a:p>
-            <a:r>
-              <a:rPr lang="en-US" sz="6000" dirty="0">
-                <a:solidFill>
-                  <a:schemeClr val="bg1"/>
-                </a:solidFill>
-                <a:latin typeface="Bahnschrift SemiBold Condensed" panose="020B0502040204020203" pitchFamily="34" charset="0"/>
+            <a:pPr algn="ctr"/>
+            <a:r>
+              <a:rPr lang="en-US" sz="4000" b="1" dirty="0">
+                <a:latin typeface="Bahnschrift SemiBold SemiConden" panose="020B0502040204020203" pitchFamily="34" charset="0"/>
               </a:rPr>
-              <a:t>Analyze of News</a:t>
-            </a:r>
-            <a:endParaRPr lang="ru-RU" sz="6000" dirty="0">
-              <a:solidFill>
-                <a:schemeClr val="bg1"/>
-              </a:solidFill>
-              <a:latin typeface="Bahnschrift SemiBold Condensed" panose="020B0502040204020203" pitchFamily="34" charset="0"/>
-            </a:endParaRPr>
-          </a:p>
-        </p:txBody>
-      </p:sp>
-      <p:sp>
-        <p:nvSpPr>
-          <p:cNvPr id="3" name="Прямоугольник 2">
-            <a:extLst>
-              <a:ext uri="{FF2B5EF4-FFF2-40B4-BE49-F238E27FC236}">
-                <a16:creationId xmlns:a16="http://schemas.microsoft.com/office/drawing/2014/main" id="{F02860D3-9A0A-48F1-AE10-EE6043BB8708}"/>
-              </a:ext>
-            </a:extLst>
-          </p:cNvPr>
-          <p:cNvSpPr/>
-          <p:nvPr/>
-        </p:nvSpPr>
-        <p:spPr>
-          <a:xfrm>
-            <a:off x="275996" y="2473744"/>
-            <a:ext cx="8858064" cy="4031873"/>
-          </a:xfrm>
-          <a:prstGeom prst="rect">
-            <a:avLst/>
-          </a:prstGeom>
-        </p:spPr>
-        <p:txBody>
-          <a:bodyPr wrap="square">
-            <a:spAutoFit/>
-          </a:bodyPr>
-          <a:lstStyle/>
-          <a:p>
-            <a:pPr marL="457200" lvl="0" indent="-457200" eaLnBrk="0" fontAlgn="base" hangingPunct="0">
-              <a:spcBef>
-                <a:spcPct val="0"/>
-              </a:spcBef>
-              <a:spcAft>
-                <a:spcPct val="0"/>
-              </a:spcAft>
-              <a:buFont typeface="Wingdings" panose="05000000000000000000" pitchFamily="2" charset="2"/>
-              <a:buChar char="§"/>
-            </a:pPr>
-            <a:r>
-              <a:rPr lang="en-US" altLang="ru-RU" sz="3200" dirty="0">
-                <a:solidFill>
-                  <a:schemeClr val="bg1"/>
-                </a:solidFill>
-                <a:latin typeface="Bahnschrift SemiBold Condensed" panose="020B0502040204020203" pitchFamily="34" charset="0"/>
-              </a:rPr>
-              <a:t>W</a:t>
-            </a:r>
-            <a:r>
-              <a:rPr lang="ru-RU" altLang="ru-RU" sz="3200" dirty="0" err="1">
-                <a:solidFill>
-                  <a:schemeClr val="bg1"/>
-                </a:solidFill>
-                <a:latin typeface="Bahnschrift SemiBold Condensed" panose="020B0502040204020203" pitchFamily="34" charset="0"/>
-              </a:rPr>
-              <a:t>hat</a:t>
-            </a:r>
-            <a:r>
-              <a:rPr lang="ru-RU" altLang="ru-RU" sz="3200" dirty="0">
-                <a:solidFill>
-                  <a:schemeClr val="bg1"/>
-                </a:solidFill>
-                <a:latin typeface="Bahnschrift SemiBold Condensed" panose="020B0502040204020203" pitchFamily="34" charset="0"/>
-              </a:rPr>
-              <a:t> </a:t>
-            </a:r>
-            <a:r>
-              <a:rPr lang="ru-RU" altLang="ru-RU" sz="3200" dirty="0" err="1">
-                <a:solidFill>
-                  <a:schemeClr val="bg1"/>
-                </a:solidFill>
-                <a:latin typeface="Bahnschrift SemiBold Condensed" panose="020B0502040204020203" pitchFamily="34" charset="0"/>
-              </a:rPr>
-              <a:t>kind</a:t>
-            </a:r>
-            <a:r>
-              <a:rPr lang="ru-RU" altLang="ru-RU" sz="3200" dirty="0">
-                <a:solidFill>
-                  <a:schemeClr val="bg1"/>
-                </a:solidFill>
-                <a:latin typeface="Bahnschrift SemiBold Condensed" panose="020B0502040204020203" pitchFamily="34" charset="0"/>
-              </a:rPr>
-              <a:t> </a:t>
-            </a:r>
-            <a:r>
-              <a:rPr lang="ru-RU" altLang="ru-RU" sz="3200" dirty="0" err="1">
-                <a:solidFill>
-                  <a:schemeClr val="bg1"/>
-                </a:solidFill>
-                <a:latin typeface="Bahnschrift SemiBold Condensed" panose="020B0502040204020203" pitchFamily="34" charset="0"/>
-              </a:rPr>
-              <a:t>of</a:t>
-            </a:r>
-            <a:r>
-              <a:rPr lang="ru-RU" altLang="ru-RU" sz="3200" dirty="0">
-                <a:solidFill>
-                  <a:schemeClr val="bg1"/>
-                </a:solidFill>
-                <a:latin typeface="Bahnschrift SemiBold Condensed" panose="020B0502040204020203" pitchFamily="34" charset="0"/>
-              </a:rPr>
-              <a:t> </a:t>
-            </a:r>
-            <a:r>
-              <a:rPr lang="ru-RU" altLang="ru-RU" sz="3200" dirty="0" err="1">
-                <a:solidFill>
-                  <a:schemeClr val="bg1"/>
-                </a:solidFill>
-                <a:latin typeface="Bahnschrift SemiBold Condensed" panose="020B0502040204020203" pitchFamily="34" charset="0"/>
-              </a:rPr>
-              <a:t>news</a:t>
-            </a:r>
-            <a:r>
-              <a:rPr lang="ru-RU" altLang="ru-RU" sz="3200" dirty="0">
-                <a:solidFill>
-                  <a:schemeClr val="bg1"/>
-                </a:solidFill>
-                <a:latin typeface="Bahnschrift SemiBold Condensed" panose="020B0502040204020203" pitchFamily="34" charset="0"/>
-              </a:rPr>
-              <a:t> </a:t>
-            </a:r>
-            <a:r>
-              <a:rPr lang="ru-RU" altLang="ru-RU" sz="3200" dirty="0" err="1">
-                <a:solidFill>
-                  <a:schemeClr val="bg1"/>
-                </a:solidFill>
-                <a:latin typeface="Bahnschrift SemiBold Condensed" panose="020B0502040204020203" pitchFamily="34" charset="0"/>
-              </a:rPr>
-              <a:t>do</a:t>
-            </a:r>
-            <a:r>
-              <a:rPr lang="ru-RU" altLang="ru-RU" sz="3200" dirty="0">
-                <a:solidFill>
-                  <a:schemeClr val="bg1"/>
-                </a:solidFill>
-                <a:latin typeface="Bahnschrift SemiBold Condensed" panose="020B0502040204020203" pitchFamily="34" charset="0"/>
-              </a:rPr>
-              <a:t> </a:t>
-            </a:r>
-            <a:r>
-              <a:rPr lang="ru-RU" altLang="ru-RU" sz="3200" dirty="0" err="1">
-                <a:solidFill>
-                  <a:schemeClr val="bg1"/>
-                </a:solidFill>
-                <a:latin typeface="Bahnschrift SemiBold Condensed" panose="020B0502040204020203" pitchFamily="34" charset="0"/>
-              </a:rPr>
-              <a:t>Kazakhstanis</a:t>
-            </a:r>
-            <a:r>
-              <a:rPr lang="ru-RU" altLang="ru-RU" sz="3200" dirty="0">
-                <a:solidFill>
-                  <a:schemeClr val="bg1"/>
-                </a:solidFill>
-                <a:latin typeface="Bahnschrift SemiBold Condensed" panose="020B0502040204020203" pitchFamily="34" charset="0"/>
-              </a:rPr>
-              <a:t> </a:t>
-            </a:r>
-            <a:r>
-              <a:rPr lang="ru-RU" altLang="ru-RU" sz="3200" dirty="0" err="1">
-                <a:solidFill>
-                  <a:schemeClr val="bg1"/>
-                </a:solidFill>
-                <a:latin typeface="Bahnschrift SemiBold Condensed" panose="020B0502040204020203" pitchFamily="34" charset="0"/>
-              </a:rPr>
-              <a:t>read</a:t>
-            </a:r>
-            <a:r>
-              <a:rPr lang="ru-RU" altLang="ru-RU" sz="3200" dirty="0">
-                <a:solidFill>
-                  <a:schemeClr val="bg1"/>
-                </a:solidFill>
-                <a:latin typeface="Bahnschrift SemiBold Condensed" panose="020B0502040204020203" pitchFamily="34" charset="0"/>
-              </a:rPr>
-              <a:t>? </a:t>
-            </a:r>
-          </a:p>
-          <a:p>
-            <a:pPr marL="457200" indent="-457200" eaLnBrk="0" fontAlgn="base" hangingPunct="0">
-              <a:spcBef>
-                <a:spcPct val="0"/>
-              </a:spcBef>
-              <a:spcAft>
-                <a:spcPct val="0"/>
-              </a:spcAft>
-              <a:buFont typeface="Wingdings" panose="05000000000000000000" pitchFamily="2" charset="2"/>
-              <a:buChar char="§"/>
-            </a:pPr>
-            <a:r>
-              <a:rPr lang="ru-RU" altLang="ru-RU" sz="3200" dirty="0" err="1">
-                <a:solidFill>
-                  <a:schemeClr val="bg1"/>
-                </a:solidFill>
-                <a:latin typeface="Bahnschrift SemiBold Condensed" panose="020B0502040204020203" pitchFamily="34" charset="0"/>
-              </a:rPr>
-              <a:t>What</a:t>
-            </a:r>
-            <a:r>
-              <a:rPr lang="ru-RU" altLang="ru-RU" sz="3200" dirty="0">
-                <a:solidFill>
-                  <a:schemeClr val="bg1"/>
-                </a:solidFill>
-                <a:latin typeface="Bahnschrift SemiBold Condensed" panose="020B0502040204020203" pitchFamily="34" charset="0"/>
-              </a:rPr>
-              <a:t> </a:t>
-            </a:r>
-            <a:r>
-              <a:rPr lang="ru-RU" altLang="ru-RU" sz="3200" dirty="0" err="1">
-                <a:solidFill>
-                  <a:schemeClr val="bg1"/>
-                </a:solidFill>
-                <a:latin typeface="Bahnschrift SemiBold Condensed" panose="020B0502040204020203" pitchFamily="34" charset="0"/>
-              </a:rPr>
-              <a:t>are</a:t>
-            </a:r>
-            <a:r>
-              <a:rPr lang="ru-RU" altLang="ru-RU" sz="3200" dirty="0">
-                <a:solidFill>
-                  <a:schemeClr val="bg1"/>
-                </a:solidFill>
-                <a:latin typeface="Bahnschrift SemiBold Condensed" panose="020B0502040204020203" pitchFamily="34" charset="0"/>
-              </a:rPr>
-              <a:t> </a:t>
-            </a:r>
-            <a:r>
-              <a:rPr lang="ru-RU" altLang="ru-RU" sz="3200" dirty="0" err="1">
-                <a:solidFill>
-                  <a:schemeClr val="bg1"/>
-                </a:solidFill>
-                <a:latin typeface="Bahnschrift SemiBold Condensed" panose="020B0502040204020203" pitchFamily="34" charset="0"/>
-              </a:rPr>
-              <a:t>they</a:t>
-            </a:r>
-            <a:r>
-              <a:rPr lang="ru-RU" altLang="ru-RU" sz="3200" dirty="0">
-                <a:solidFill>
-                  <a:schemeClr val="bg1"/>
-                </a:solidFill>
-                <a:latin typeface="Bahnschrift SemiBold Condensed" panose="020B0502040204020203" pitchFamily="34" charset="0"/>
-              </a:rPr>
-              <a:t> </a:t>
-            </a:r>
-            <a:r>
-              <a:rPr lang="ru-RU" altLang="ru-RU" sz="3200" dirty="0" err="1">
-                <a:solidFill>
-                  <a:schemeClr val="bg1"/>
-                </a:solidFill>
-                <a:latin typeface="Bahnschrift SemiBold Condensed" panose="020B0502040204020203" pitchFamily="34" charset="0"/>
-              </a:rPr>
-              <a:t>more</a:t>
-            </a:r>
-            <a:r>
-              <a:rPr lang="ru-RU" altLang="ru-RU" sz="3200" dirty="0">
-                <a:solidFill>
-                  <a:schemeClr val="bg1"/>
-                </a:solidFill>
-                <a:latin typeface="Bahnschrift SemiBold Condensed" panose="020B0502040204020203" pitchFamily="34" charset="0"/>
-              </a:rPr>
-              <a:t> </a:t>
-            </a:r>
-            <a:r>
-              <a:rPr lang="ru-RU" altLang="ru-RU" sz="3200" dirty="0" err="1">
-                <a:solidFill>
-                  <a:schemeClr val="bg1"/>
-                </a:solidFill>
-                <a:latin typeface="Bahnschrift SemiBold Condensed" panose="020B0502040204020203" pitchFamily="34" charset="0"/>
-              </a:rPr>
-              <a:t>interested</a:t>
-            </a:r>
-            <a:r>
-              <a:rPr lang="ru-RU" altLang="ru-RU" sz="3200" dirty="0">
-                <a:solidFill>
-                  <a:schemeClr val="bg1"/>
-                </a:solidFill>
-                <a:latin typeface="Bahnschrift SemiBold Condensed" panose="020B0502040204020203" pitchFamily="34" charset="0"/>
-              </a:rPr>
-              <a:t> </a:t>
-            </a:r>
-            <a:r>
-              <a:rPr lang="ru-RU" altLang="ru-RU" sz="3200" dirty="0" err="1">
-                <a:solidFill>
-                  <a:schemeClr val="bg1"/>
-                </a:solidFill>
-                <a:latin typeface="Bahnschrift SemiBold Condensed" panose="020B0502040204020203" pitchFamily="34" charset="0"/>
-              </a:rPr>
-              <a:t>in</a:t>
-            </a:r>
-            <a:r>
-              <a:rPr lang="ru-RU" altLang="ru-RU" sz="3200" dirty="0">
-                <a:solidFill>
-                  <a:schemeClr val="bg1"/>
-                </a:solidFill>
-                <a:latin typeface="Bahnschrift SemiBold Condensed" panose="020B0502040204020203" pitchFamily="34" charset="0"/>
-              </a:rPr>
-              <a:t>? </a:t>
-            </a:r>
-          </a:p>
-          <a:p>
-            <a:pPr marL="457200" indent="-457200" eaLnBrk="0" fontAlgn="base" hangingPunct="0">
-              <a:spcBef>
-                <a:spcPct val="0"/>
-              </a:spcBef>
-              <a:spcAft>
-                <a:spcPct val="0"/>
-              </a:spcAft>
-              <a:buFont typeface="Wingdings" panose="05000000000000000000" pitchFamily="2" charset="2"/>
-              <a:buChar char="§"/>
-            </a:pPr>
-            <a:r>
-              <a:rPr lang="ru-RU" altLang="ru-RU" sz="3200" dirty="0" err="1">
-                <a:solidFill>
-                  <a:schemeClr val="bg1"/>
-                </a:solidFill>
-                <a:latin typeface="Bahnschrift SemiBold Condensed" panose="020B0502040204020203" pitchFamily="34" charset="0"/>
-              </a:rPr>
-              <a:t>How</a:t>
-            </a:r>
-            <a:r>
-              <a:rPr lang="ru-RU" altLang="ru-RU" sz="3200" dirty="0">
-                <a:solidFill>
-                  <a:schemeClr val="bg1"/>
-                </a:solidFill>
-                <a:latin typeface="Bahnschrift SemiBold Condensed" panose="020B0502040204020203" pitchFamily="34" charset="0"/>
-              </a:rPr>
-              <a:t> </a:t>
-            </a:r>
-            <a:r>
-              <a:rPr lang="ru-RU" altLang="ru-RU" sz="3200" dirty="0" err="1">
-                <a:solidFill>
-                  <a:schemeClr val="bg1"/>
-                </a:solidFill>
-                <a:latin typeface="Bahnschrift SemiBold Condensed" panose="020B0502040204020203" pitchFamily="34" charset="0"/>
-              </a:rPr>
-              <a:t>many</a:t>
-            </a:r>
-            <a:r>
-              <a:rPr lang="ru-RU" altLang="ru-RU" sz="3200" dirty="0">
-                <a:solidFill>
-                  <a:schemeClr val="bg1"/>
-                </a:solidFill>
-                <a:latin typeface="Bahnschrift SemiBold Condensed" panose="020B0502040204020203" pitchFamily="34" charset="0"/>
-              </a:rPr>
-              <a:t> </a:t>
-            </a:r>
-            <a:r>
-              <a:rPr lang="ru-RU" altLang="ru-RU" sz="3200" dirty="0" err="1">
-                <a:solidFill>
-                  <a:schemeClr val="bg1"/>
-                </a:solidFill>
-                <a:latin typeface="Bahnschrift SemiBold Condensed" panose="020B0502040204020203" pitchFamily="34" charset="0"/>
-              </a:rPr>
-              <a:t>people</a:t>
-            </a:r>
-            <a:r>
-              <a:rPr lang="ru-RU" altLang="ru-RU" sz="3200" dirty="0">
-                <a:solidFill>
-                  <a:schemeClr val="bg1"/>
-                </a:solidFill>
-                <a:latin typeface="Bahnschrift SemiBold Condensed" panose="020B0502040204020203" pitchFamily="34" charset="0"/>
-              </a:rPr>
-              <a:t> </a:t>
-            </a:r>
-            <a:r>
-              <a:rPr lang="ru-RU" altLang="ru-RU" sz="3200" dirty="0" err="1">
-                <a:solidFill>
-                  <a:schemeClr val="bg1"/>
-                </a:solidFill>
-                <a:latin typeface="Bahnschrift SemiBold Condensed" panose="020B0502040204020203" pitchFamily="34" charset="0"/>
-              </a:rPr>
-              <a:t>read</a:t>
-            </a:r>
-            <a:r>
-              <a:rPr lang="ru-RU" altLang="ru-RU" sz="3200" dirty="0">
-                <a:solidFill>
-                  <a:schemeClr val="bg1"/>
-                </a:solidFill>
-                <a:latin typeface="Bahnschrift SemiBold Condensed" panose="020B0502040204020203" pitchFamily="34" charset="0"/>
-              </a:rPr>
-              <a:t> </a:t>
-            </a:r>
-            <a:r>
-              <a:rPr lang="ru-RU" altLang="ru-RU" sz="3200" dirty="0" err="1">
-                <a:solidFill>
-                  <a:schemeClr val="bg1"/>
-                </a:solidFill>
-                <a:latin typeface="Bahnschrift SemiBold Condensed" panose="020B0502040204020203" pitchFamily="34" charset="0"/>
-              </a:rPr>
-              <a:t>the</a:t>
-            </a:r>
-            <a:r>
-              <a:rPr lang="ru-RU" altLang="ru-RU" sz="3200" dirty="0">
-                <a:solidFill>
-                  <a:schemeClr val="bg1"/>
-                </a:solidFill>
-                <a:latin typeface="Bahnschrift SemiBold Condensed" panose="020B0502040204020203" pitchFamily="34" charset="0"/>
-              </a:rPr>
-              <a:t> </a:t>
-            </a:r>
-            <a:r>
-              <a:rPr lang="ru-RU" altLang="ru-RU" sz="3200" dirty="0" err="1">
-                <a:solidFill>
-                  <a:schemeClr val="bg1"/>
-                </a:solidFill>
-                <a:latin typeface="Bahnschrift SemiBold Condensed" panose="020B0502040204020203" pitchFamily="34" charset="0"/>
-              </a:rPr>
-              <a:t>news</a:t>
-            </a:r>
-            <a:r>
-              <a:rPr lang="ru-RU" altLang="ru-RU" sz="3200" dirty="0">
-                <a:solidFill>
-                  <a:schemeClr val="bg1"/>
-                </a:solidFill>
-                <a:latin typeface="Bahnschrift SemiBold Condensed" panose="020B0502040204020203" pitchFamily="34" charset="0"/>
-              </a:rPr>
-              <a:t>? </a:t>
-            </a:r>
-          </a:p>
-          <a:p>
-            <a:pPr marL="457200" indent="-457200" eaLnBrk="0" fontAlgn="base" hangingPunct="0">
-              <a:spcBef>
-                <a:spcPct val="0"/>
-              </a:spcBef>
-              <a:spcAft>
-                <a:spcPct val="0"/>
-              </a:spcAft>
-              <a:buFont typeface="Wingdings" panose="05000000000000000000" pitchFamily="2" charset="2"/>
-              <a:buChar char="§"/>
-            </a:pPr>
-            <a:r>
-              <a:rPr lang="ru-RU" altLang="ru-RU" sz="3200" dirty="0" err="1">
-                <a:solidFill>
-                  <a:schemeClr val="bg1"/>
-                </a:solidFill>
-                <a:latin typeface="Bahnschrift SemiBold Condensed" panose="020B0502040204020203" pitchFamily="34" charset="0"/>
-              </a:rPr>
-              <a:t>How</a:t>
-            </a:r>
-            <a:r>
-              <a:rPr lang="ru-RU" altLang="ru-RU" sz="3200" dirty="0">
-                <a:solidFill>
-                  <a:schemeClr val="bg1"/>
-                </a:solidFill>
-                <a:latin typeface="Bahnschrift SemiBold Condensed" panose="020B0502040204020203" pitchFamily="34" charset="0"/>
-              </a:rPr>
-              <a:t> </a:t>
-            </a:r>
-            <a:r>
-              <a:rPr lang="ru-RU" altLang="ru-RU" sz="3200" dirty="0" err="1">
-                <a:solidFill>
-                  <a:schemeClr val="bg1"/>
-                </a:solidFill>
-                <a:latin typeface="Bahnschrift SemiBold Condensed" panose="020B0502040204020203" pitchFamily="34" charset="0"/>
-              </a:rPr>
-              <a:t>much</a:t>
-            </a:r>
-            <a:r>
-              <a:rPr lang="ru-RU" altLang="ru-RU" sz="3200" dirty="0">
-                <a:solidFill>
-                  <a:schemeClr val="bg1"/>
-                </a:solidFill>
-                <a:latin typeface="Bahnschrift SemiBold Condensed" panose="020B0502040204020203" pitchFamily="34" charset="0"/>
-              </a:rPr>
-              <a:t> </a:t>
-            </a:r>
-            <a:r>
-              <a:rPr lang="ru-RU" altLang="ru-RU" sz="3200" dirty="0" err="1">
-                <a:solidFill>
-                  <a:schemeClr val="bg1"/>
-                </a:solidFill>
-                <a:latin typeface="Bahnschrift SemiBold Condensed" panose="020B0502040204020203" pitchFamily="34" charset="0"/>
-              </a:rPr>
-              <a:t>time</a:t>
-            </a:r>
-            <a:r>
-              <a:rPr lang="ru-RU" altLang="ru-RU" sz="3200" dirty="0">
-                <a:solidFill>
-                  <a:schemeClr val="bg1"/>
-                </a:solidFill>
-                <a:latin typeface="Bahnschrift SemiBold Condensed" panose="020B0502040204020203" pitchFamily="34" charset="0"/>
-              </a:rPr>
-              <a:t> </a:t>
-            </a:r>
-            <a:r>
-              <a:rPr lang="ru-RU" altLang="ru-RU" sz="3200" dirty="0" err="1">
-                <a:solidFill>
-                  <a:schemeClr val="bg1"/>
-                </a:solidFill>
-                <a:latin typeface="Bahnschrift SemiBold Condensed" panose="020B0502040204020203" pitchFamily="34" charset="0"/>
-              </a:rPr>
-              <a:t>do</a:t>
-            </a:r>
-            <a:r>
-              <a:rPr lang="ru-RU" altLang="ru-RU" sz="3200" dirty="0">
-                <a:solidFill>
-                  <a:schemeClr val="bg1"/>
-                </a:solidFill>
-                <a:latin typeface="Bahnschrift SemiBold Condensed" panose="020B0502040204020203" pitchFamily="34" charset="0"/>
-              </a:rPr>
-              <a:t> </a:t>
-            </a:r>
-            <a:r>
-              <a:rPr lang="ru-RU" altLang="ru-RU" sz="3200" dirty="0" err="1">
-                <a:solidFill>
-                  <a:schemeClr val="bg1"/>
-                </a:solidFill>
-                <a:latin typeface="Bahnschrift SemiBold Condensed" panose="020B0502040204020203" pitchFamily="34" charset="0"/>
-              </a:rPr>
-              <a:t>Kazakhstanis</a:t>
-            </a:r>
-            <a:r>
-              <a:rPr lang="ru-RU" altLang="ru-RU" sz="3200" dirty="0">
-                <a:solidFill>
-                  <a:schemeClr val="bg1"/>
-                </a:solidFill>
-                <a:latin typeface="Bahnschrift SemiBold Condensed" panose="020B0502040204020203" pitchFamily="34" charset="0"/>
-              </a:rPr>
-              <a:t> </a:t>
-            </a:r>
-            <a:r>
-              <a:rPr lang="ru-RU" altLang="ru-RU" sz="3200" dirty="0" err="1">
-                <a:solidFill>
-                  <a:schemeClr val="bg1"/>
-                </a:solidFill>
-                <a:latin typeface="Bahnschrift SemiBold Condensed" panose="020B0502040204020203" pitchFamily="34" charset="0"/>
-              </a:rPr>
-              <a:t>spend</a:t>
-            </a:r>
-            <a:r>
-              <a:rPr lang="ru-RU" altLang="ru-RU" sz="3200" dirty="0">
-                <a:solidFill>
-                  <a:schemeClr val="bg1"/>
-                </a:solidFill>
-                <a:latin typeface="Bahnschrift SemiBold Condensed" panose="020B0502040204020203" pitchFamily="34" charset="0"/>
-              </a:rPr>
-              <a:t> </a:t>
-            </a:r>
-            <a:r>
-              <a:rPr lang="ru-RU" altLang="ru-RU" sz="3200" dirty="0" err="1">
-                <a:solidFill>
-                  <a:schemeClr val="bg1"/>
-                </a:solidFill>
-                <a:latin typeface="Bahnschrift SemiBold Condensed" panose="020B0502040204020203" pitchFamily="34" charset="0"/>
-              </a:rPr>
-              <a:t>on</a:t>
-            </a:r>
-            <a:r>
-              <a:rPr lang="ru-RU" altLang="ru-RU" sz="3200" dirty="0">
-                <a:solidFill>
-                  <a:schemeClr val="bg1"/>
-                </a:solidFill>
-                <a:latin typeface="Bahnschrift SemiBold Condensed" panose="020B0502040204020203" pitchFamily="34" charset="0"/>
-              </a:rPr>
-              <a:t> </a:t>
-            </a:r>
-            <a:r>
-              <a:rPr lang="ru-RU" altLang="ru-RU" sz="3200" dirty="0" err="1">
-                <a:solidFill>
-                  <a:schemeClr val="bg1"/>
-                </a:solidFill>
-                <a:latin typeface="Bahnschrift SemiBold Condensed" panose="020B0502040204020203" pitchFamily="34" charset="0"/>
-              </a:rPr>
-              <a:t>reading</a:t>
-            </a:r>
-            <a:r>
-              <a:rPr lang="ru-RU" altLang="ru-RU" sz="3200" dirty="0">
-                <a:solidFill>
-                  <a:schemeClr val="bg1"/>
-                </a:solidFill>
-                <a:latin typeface="Bahnschrift SemiBold Condensed" panose="020B0502040204020203" pitchFamily="34" charset="0"/>
-              </a:rPr>
-              <a:t> </a:t>
-            </a:r>
-            <a:r>
-              <a:rPr lang="ru-RU" altLang="ru-RU" sz="3200" dirty="0" err="1">
-                <a:solidFill>
-                  <a:schemeClr val="bg1"/>
-                </a:solidFill>
-                <a:latin typeface="Bahnschrift SemiBold Condensed" panose="020B0502040204020203" pitchFamily="34" charset="0"/>
-              </a:rPr>
-              <a:t>the</a:t>
-            </a:r>
-            <a:r>
-              <a:rPr lang="ru-RU" altLang="ru-RU" sz="3200" dirty="0">
-                <a:solidFill>
-                  <a:schemeClr val="bg1"/>
-                </a:solidFill>
-                <a:latin typeface="Bahnschrift SemiBold Condensed" panose="020B0502040204020203" pitchFamily="34" charset="0"/>
-              </a:rPr>
-              <a:t> </a:t>
-            </a:r>
-            <a:r>
-              <a:rPr lang="ru-RU" altLang="ru-RU" sz="3200" dirty="0" err="1">
-                <a:solidFill>
-                  <a:schemeClr val="bg1"/>
-                </a:solidFill>
-                <a:latin typeface="Bahnschrift SemiBold Condensed" panose="020B0502040204020203" pitchFamily="34" charset="0"/>
-              </a:rPr>
-              <a:t>news</a:t>
-            </a:r>
-            <a:r>
-              <a:rPr lang="ru-RU" altLang="ru-RU" sz="3200" dirty="0">
-                <a:solidFill>
-                  <a:schemeClr val="bg1"/>
-                </a:solidFill>
-                <a:latin typeface="Bahnschrift SemiBold Condensed" panose="020B0502040204020203" pitchFamily="34" charset="0"/>
-              </a:rPr>
-              <a:t>?</a:t>
-            </a:r>
-            <a:endParaRPr lang="kk-KZ" altLang="ru-RU" sz="3200" dirty="0">
-              <a:solidFill>
-                <a:schemeClr val="bg1"/>
-              </a:solidFill>
-              <a:latin typeface="Bahnschrift SemiBold Condensed" panose="020B0502040204020203" pitchFamily="34" charset="0"/>
-            </a:endParaRPr>
-          </a:p>
-          <a:p>
-            <a:pPr marL="457200" indent="-457200" eaLnBrk="0" fontAlgn="base" hangingPunct="0">
-              <a:spcBef>
-                <a:spcPct val="0"/>
-              </a:spcBef>
-              <a:spcAft>
-                <a:spcPct val="0"/>
-              </a:spcAft>
-              <a:buFont typeface="Wingdings" panose="05000000000000000000" pitchFamily="2" charset="2"/>
-              <a:buChar char="§"/>
-            </a:pPr>
-            <a:r>
-              <a:rPr lang="en-US" altLang="ru-RU" sz="3200" dirty="0">
-                <a:solidFill>
-                  <a:schemeClr val="bg1"/>
-                </a:solidFill>
-                <a:latin typeface="Bahnschrift SemiBold Condensed" panose="020B0502040204020203" pitchFamily="34" charset="0"/>
-              </a:rPr>
-              <a:t>What worries the people of Kazakhstan the most?</a:t>
-            </a:r>
-            <a:endParaRPr lang="ru-RU" altLang="ru-RU" sz="3200" dirty="0">
-              <a:solidFill>
-                <a:schemeClr val="bg1"/>
-              </a:solidFill>
-              <a:latin typeface="Bahnschrift SemiBold Condensed" panose="020B0502040204020203" pitchFamily="34" charset="0"/>
-            </a:endParaRPr>
-          </a:p>
-          <a:p>
-            <a:pPr marL="457200" indent="-457200" eaLnBrk="0" fontAlgn="base" hangingPunct="0">
-              <a:spcBef>
-                <a:spcPct val="0"/>
-              </a:spcBef>
-              <a:spcAft>
-                <a:spcPct val="0"/>
-              </a:spcAft>
-              <a:buFont typeface="Wingdings" panose="05000000000000000000" pitchFamily="2" charset="2"/>
-              <a:buChar char="§"/>
-            </a:pPr>
-            <a:r>
-              <a:rPr kumimoji="0" lang="en-US" altLang="ru-RU" sz="3200" b="0" i="0" u="none" strike="noStrike" cap="none" normalizeH="0" baseline="0" dirty="0">
-                <a:ln>
-                  <a:noFill/>
-                </a:ln>
-                <a:solidFill>
-                  <a:schemeClr val="bg1"/>
-                </a:solidFill>
-                <a:effectLst/>
-                <a:latin typeface="Bahnschrift SemiBold Condensed" panose="020B0502040204020203" pitchFamily="34" charset="0"/>
-              </a:rPr>
-              <a:t>How ident</a:t>
-            </a:r>
-            <a:r>
-              <a:rPr lang="en-US" altLang="ru-RU" sz="3200" dirty="0">
-                <a:solidFill>
-                  <a:schemeClr val="bg1"/>
-                </a:solidFill>
-                <a:latin typeface="Bahnschrift SemiBold Condensed" panose="020B0502040204020203" pitchFamily="34" charset="0"/>
-              </a:rPr>
-              <a:t>ify fake news? </a:t>
-            </a:r>
-            <a:endParaRPr kumimoji="0" lang="en-US" altLang="ru-RU" sz="3200" b="0" i="0" u="none" strike="noStrike" cap="none" normalizeH="0" baseline="0" dirty="0">
-              <a:ln>
-                <a:noFill/>
-              </a:ln>
-              <a:solidFill>
-                <a:schemeClr val="bg1"/>
-              </a:solidFill>
-              <a:effectLst/>
-              <a:latin typeface="Bahnschrift SemiBold Condensed" panose="020B0502040204020203" pitchFamily="34" charset="0"/>
-            </a:endParaRPr>
-          </a:p>
-          <a:p>
-            <a:pPr marL="457200" lvl="0" indent="-457200" eaLnBrk="0" fontAlgn="base" hangingPunct="0">
-              <a:spcBef>
-                <a:spcPct val="0"/>
-              </a:spcBef>
-              <a:spcAft>
-                <a:spcPct val="0"/>
-              </a:spcAft>
-              <a:buFont typeface="Wingdings" panose="05000000000000000000" pitchFamily="2" charset="2"/>
-              <a:buChar char="§"/>
-            </a:pPr>
-            <a:endParaRPr lang="ru-RU" altLang="ru-RU" sz="3200" dirty="0">
-              <a:solidFill>
-                <a:schemeClr val="bg1"/>
-              </a:solidFill>
-              <a:latin typeface="Bahnschrift SemiBold Condensed" panose="020B0502040204020203" pitchFamily="34" charset="0"/>
-            </a:endParaRPr>
-          </a:p>
-          <a:p>
-            <a:pPr marL="457200" lvl="0" indent="-457200" eaLnBrk="0" fontAlgn="base" hangingPunct="0">
-              <a:spcBef>
-                <a:spcPct val="0"/>
-              </a:spcBef>
-              <a:spcAft>
-                <a:spcPct val="0"/>
-              </a:spcAft>
-              <a:buFont typeface="Wingdings" panose="05000000000000000000" pitchFamily="2" charset="2"/>
-              <a:buChar char="§"/>
-            </a:pPr>
-            <a:endParaRPr lang="ru-RU" altLang="ru-RU" sz="3200" dirty="0">
-              <a:solidFill>
-                <a:schemeClr val="bg1"/>
-              </a:solidFill>
-              <a:latin typeface="Bahnschrift SemiBold Condensed" panose="020B0502040204020203" pitchFamily="34" charset="0"/>
-            </a:endParaRPr>
-          </a:p>
-        </p:txBody>
-      </p:sp>
-      <p:sp>
-        <p:nvSpPr>
-          <p:cNvPr id="4" name="Rectangle 1">
-            <a:extLst>
-              <a:ext uri="{FF2B5EF4-FFF2-40B4-BE49-F238E27FC236}">
-                <a16:creationId xmlns:a16="http://schemas.microsoft.com/office/drawing/2014/main" id="{DCED81E1-9AB7-4346-87A8-C136E0988BA8}"/>
-              </a:ext>
-            </a:extLst>
-          </p:cNvPr>
-          <p:cNvSpPr>
-            <a:spLocks noChangeArrowheads="1"/>
-          </p:cNvSpPr>
-          <p:nvPr/>
-        </p:nvSpPr>
-        <p:spPr bwMode="auto">
-          <a:xfrm>
-            <a:off x="0" y="102920"/>
-            <a:ext cx="65" cy="251359"/>
-          </a:xfrm>
-          <a:prstGeom prst="rect">
-            <a:avLst/>
-          </a:prstGeom>
-          <a:solidFill>
-            <a:srgbClr val="F8F9FA"/>
-          </a:solidFill>
-          <a:ln>
-            <a:noFill/>
-          </a:ln>
-          <a:effectLst/>
-          <a:extLst>
-            <a:ext uri="{91240B29-F687-4F45-9708-019B960494DF}">
-              <a14:hiddenLine xmlns:a14="http://schemas.microsoft.com/office/drawing/2010/main" w="9525">
-                <a:solidFill>
-                  <a:schemeClr val="tx1"/>
-                </a:solidFill>
-                <a:miter lim="800000"/>
-                <a:headEnd/>
-                <a:tailEnd/>
-              </a14:hiddenLine>
-            </a:ext>
-            <a:ext uri="{AF507438-7753-43E0-B8FC-AC1667EBCBE1}">
-              <a14:hiddenEffects xmlns:a14="http://schemas.microsoft.com/office/drawing/2010/main">
-                <a:effectLst>
-                  <a:outerShdw dist="35921" dir="2700000" algn="ctr" rotWithShape="0">
-                    <a:schemeClr val="bg2"/>
-                  </a:outerShdw>
-                </a:effectLst>
-              </a14:hiddenEffects>
-            </a:ext>
-          </a:extLst>
-        </p:spPr>
-        <p:txBody>
-          <a:bodyPr vert="horz" wrap="none" lIns="0" tIns="-12696" rIns="0" bIns="-12696" numCol="1" anchor="ctr" anchorCtr="0" compatLnSpc="1">
-            <a:prstTxWarp prst="textNoShape">
-              <a:avLst/>
-            </a:prstTxWarp>
-            <a:spAutoFit/>
-          </a:bodyPr>
-          <a:lstStyle/>
-          <a:p>
-            <a:pPr marL="0" marR="0" lvl="0" indent="0" algn="l" defTabSz="914400" rtl="0" eaLnBrk="0" fontAlgn="base" latinLnBrk="0" hangingPunct="0">
-              <a:lnSpc>
-                <a:spcPct val="100000"/>
-              </a:lnSpc>
-              <a:spcBef>
-                <a:spcPct val="0"/>
-              </a:spcBef>
-              <a:spcAft>
-                <a:spcPct val="0"/>
-              </a:spcAft>
-              <a:buClrTx/>
-              <a:buSzTx/>
-              <a:buFontTx/>
-              <a:buNone/>
-              <a:tabLst/>
-            </a:pPr>
-            <a:endParaRPr kumimoji="0" lang="ru-RU" altLang="ru-RU" sz="1800" b="0" i="0" u="none" strike="noStrike" cap="none" normalizeH="0" baseline="0" dirty="0">
-              <a:ln>
-                <a:noFill/>
-              </a:ln>
-              <a:solidFill>
-                <a:schemeClr val="tx1"/>
-              </a:solidFill>
-              <a:effectLst/>
-              <a:latin typeface="Arial" panose="020B0604020202020204" pitchFamily="34" charset="0"/>
+              <a:t>Our dataset</a:t>
+            </a:r>
+            <a:endParaRPr lang="ru-RU" sz="4000" b="1" dirty="0">
+              <a:latin typeface="Bahnschrift SemiBold SemiConden" panose="020B0502040204020203" pitchFamily="34" charset="0"/>
             </a:endParaRPr>
           </a:p>
         </p:txBody>
@@ -4201,7 +3401,7 @@
     </p:spTree>
     <p:extLst>
       <p:ext uri="{BB962C8B-B14F-4D97-AF65-F5344CB8AC3E}">
-        <p14:creationId xmlns:p14="http://schemas.microsoft.com/office/powerpoint/2010/main" val="3604479327"/>
+        <p14:creationId xmlns:p14="http://schemas.microsoft.com/office/powerpoint/2010/main" val="1708573847"/>
       </p:ext>
     </p:extLst>
   </p:cSld>
@@ -4214,20 +3414,6 @@
 <file path=ppt/slides/slide2.xml><?xml version="1.0" encoding="utf-8"?>
 <p:sld xmlns:a="http://schemas.openxmlformats.org/drawingml/2006/main" xmlns:r="http://schemas.openxmlformats.org/officeDocument/2006/relationships" xmlns:p="http://schemas.openxmlformats.org/presentationml/2006/main">
   <p:cSld>
-    <p:bg>
-      <p:bgPr>
-        <a:blipFill dpi="0" rotWithShape="1">
-          <a:blip r:embed="rId2">
-            <a:lum/>
-          </a:blip>
-          <a:srcRect/>
-          <a:stretch>
-            <a:fillRect/>
-          </a:stretch>
-        </a:blipFill>
-        <a:effectLst/>
-      </p:bgPr>
-    </p:bg>
     <p:spTree>
       <p:nvGrpSpPr>
         <p:cNvPr id="1" name=""/>
@@ -4244,360 +3430,106 @@
       </p:grpSpPr>
       <p:sp>
         <p:nvSpPr>
-          <p:cNvPr id="6" name="Rectangle 4">
-            <a:extLst>
-              <a:ext uri="{FF2B5EF4-FFF2-40B4-BE49-F238E27FC236}">
-                <a16:creationId xmlns:a16="http://schemas.microsoft.com/office/drawing/2014/main" id="{8F0A814A-A12F-4FF5-BC62-608103AF50A2}"/>
-              </a:ext>
-            </a:extLst>
-          </p:cNvPr>
-          <p:cNvSpPr>
-            <a:spLocks noChangeArrowheads="1"/>
-          </p:cNvSpPr>
+          <p:cNvPr id="2" name="TextBox 1">
+            <a:extLst>
+              <a:ext uri="{FF2B5EF4-FFF2-40B4-BE49-F238E27FC236}">
+                <a16:creationId xmlns:a16="http://schemas.microsoft.com/office/drawing/2014/main" id="{06B46794-CFBB-4892-BA3A-946A33319429}"/>
+              </a:ext>
+            </a:extLst>
+          </p:cNvPr>
+          <p:cNvSpPr txBox="1"/>
           <p:nvPr/>
         </p:nvSpPr>
-        <p:spPr bwMode="auto">
+        <p:spPr>
           <a:xfrm>
-            <a:off x="0" y="102920"/>
-            <a:ext cx="65" cy="251359"/>
+            <a:off x="830425" y="989045"/>
+            <a:ext cx="5430416" cy="3970318"/>
           </a:xfrm>
           <a:prstGeom prst="rect">
             <a:avLst/>
           </a:prstGeom>
-          <a:solidFill>
-            <a:srgbClr val="F8F9FA"/>
-          </a:solidFill>
-          <a:ln>
-            <a:noFill/>
-          </a:ln>
-          <a:effectLst/>
-          <a:extLst>
-            <a:ext uri="{91240B29-F687-4F45-9708-019B960494DF}">
-              <a14:hiddenLine xmlns:a14="http://schemas.microsoft.com/office/drawing/2010/main" w="9525">
-                <a:solidFill>
-                  <a:schemeClr val="tx1"/>
-                </a:solidFill>
-                <a:miter lim="800000"/>
-                <a:headEnd/>
-                <a:tailEnd/>
-              </a14:hiddenLine>
-            </a:ext>
-            <a:ext uri="{AF507438-7753-43E0-B8FC-AC1667EBCBE1}">
-              <a14:hiddenEffects xmlns:a14="http://schemas.microsoft.com/office/drawing/2010/main">
-                <a:effectLst>
-                  <a:outerShdw dist="35921" dir="2700000" algn="ctr" rotWithShape="0">
-                    <a:schemeClr val="bg2"/>
-                  </a:outerShdw>
-                </a:effectLst>
-              </a14:hiddenEffects>
-            </a:ext>
-          </a:extLst>
+          <a:noFill/>
         </p:spPr>
         <p:txBody>
-          <a:bodyPr vert="horz" wrap="none" lIns="0" tIns="-12696" rIns="0" bIns="-12696" numCol="1" anchor="ctr" anchorCtr="0" compatLnSpc="1">
-            <a:prstTxWarp prst="textNoShape">
-              <a:avLst/>
-            </a:prstTxWarp>
+          <a:bodyPr wrap="square" rtlCol="0">
             <a:spAutoFit/>
           </a:bodyPr>
           <a:lstStyle/>
           <a:p>
-            <a:pPr marL="0" marR="0" lvl="0" indent="0" algn="l" defTabSz="914400" rtl="0" eaLnBrk="0" fontAlgn="base" latinLnBrk="0" hangingPunct="0">
-              <a:lnSpc>
-                <a:spcPct val="100000"/>
-              </a:lnSpc>
-              <a:spcBef>
-                <a:spcPct val="0"/>
-              </a:spcBef>
-              <a:spcAft>
-                <a:spcPct val="0"/>
-              </a:spcAft>
-              <a:buClrTx/>
-              <a:buSzTx/>
-              <a:buFontTx/>
-              <a:buNone/>
-              <a:tabLst/>
-            </a:pPr>
-            <a:endParaRPr kumimoji="0" lang="ru-RU" altLang="ru-RU" sz="1800" b="0" i="0" u="none" strike="noStrike" cap="none" normalizeH="0" baseline="0" dirty="0">
-              <a:ln>
-                <a:noFill/>
-              </a:ln>
-              <a:solidFill>
-                <a:schemeClr val="tx1"/>
-              </a:solidFill>
-              <a:effectLst/>
-              <a:latin typeface="Arial" panose="020B0604020202020204" pitchFamily="34" charset="0"/>
+            <a:r>
+              <a:rPr lang="en-US" sz="3600" dirty="0">
+                <a:latin typeface="Bahnschrift SemiBold SemiConden" panose="020B0502040204020203" pitchFamily="34" charset="0"/>
+              </a:rPr>
+              <a:t>Region </a:t>
+            </a:r>
+          </a:p>
+          <a:p>
+            <a:r>
+              <a:rPr lang="en-US" sz="3600" dirty="0">
+                <a:latin typeface="Bahnschrift SemiBold SemiConden" panose="020B0502040204020203" pitchFamily="34" charset="0"/>
+              </a:rPr>
+              <a:t>Services</a:t>
+            </a:r>
+          </a:p>
+          <a:p>
+            <a:r>
+              <a:rPr lang="kk-KZ" sz="3600" dirty="0">
+                <a:latin typeface="Bahnschrift SemiBold SemiConden" panose="020B0502040204020203" pitchFamily="34" charset="0"/>
+              </a:rPr>
+              <a:t>Начисления</a:t>
+            </a:r>
+          </a:p>
+          <a:p>
+            <a:r>
+              <a:rPr lang="kk-KZ" sz="3600" dirty="0">
+                <a:latin typeface="Bahnschrift SemiBold SemiConden" panose="020B0502040204020203" pitchFamily="34" charset="0"/>
+              </a:rPr>
+              <a:t>Задолженность</a:t>
+            </a:r>
+            <a:endParaRPr lang="ru-RU" sz="3600" dirty="0">
+              <a:latin typeface="Bahnschrift SemiBold SemiConden" panose="020B0502040204020203" pitchFamily="34" charset="0"/>
             </a:endParaRPr>
           </a:p>
-        </p:txBody>
-      </p:sp>
-      <p:sp>
-        <p:nvSpPr>
-          <p:cNvPr id="7" name="Прямоугольник 6">
-            <a:extLst>
-              <a:ext uri="{FF2B5EF4-FFF2-40B4-BE49-F238E27FC236}">
-                <a16:creationId xmlns:a16="http://schemas.microsoft.com/office/drawing/2014/main" id="{E6365DC9-6068-4088-8164-3C7517A9F740}"/>
-              </a:ext>
-            </a:extLst>
-          </p:cNvPr>
-          <p:cNvSpPr/>
-          <p:nvPr/>
-        </p:nvSpPr>
-        <p:spPr>
-          <a:xfrm>
-            <a:off x="448411" y="1285825"/>
-            <a:ext cx="11463128" cy="3416320"/>
-          </a:xfrm>
-          <a:prstGeom prst="rect">
-            <a:avLst/>
-          </a:prstGeom>
-        </p:spPr>
-        <p:txBody>
-          <a:bodyPr wrap="square">
-            <a:spAutoFit/>
-          </a:bodyPr>
-          <a:lstStyle/>
-          <a:p>
-            <a:pPr eaLnBrk="0" fontAlgn="base" hangingPunct="0">
-              <a:spcBef>
-                <a:spcPct val="0"/>
-              </a:spcBef>
-              <a:spcAft>
-                <a:spcPct val="0"/>
-              </a:spcAft>
-            </a:pPr>
-            <a:r>
-              <a:rPr lang="en-US" altLang="ru-RU" sz="3600" dirty="0">
-                <a:solidFill>
-                  <a:schemeClr val="bg1"/>
-                </a:solidFill>
-                <a:latin typeface="Bahnschrift SemiBold Condensed" panose="020B0502040204020203" pitchFamily="34" charset="0"/>
+          <a:p>
+            <a:r>
+              <a:rPr lang="ru-RU" sz="3600" dirty="0">
+                <a:latin typeface="Bahnschrift SemiBold SemiConden" panose="020B0502040204020203" pitchFamily="34" charset="0"/>
               </a:rPr>
-              <a:t>(H) Has there been more negative news than in the past in Kazakhstan? (by years)</a:t>
-            </a:r>
-            <a:endParaRPr lang="ru-RU" altLang="ru-RU" sz="3600" dirty="0">
-              <a:solidFill>
-                <a:schemeClr val="bg1"/>
-              </a:solidFill>
-              <a:latin typeface="Bahnschrift SemiBold Condensed" panose="020B0502040204020203" pitchFamily="34" charset="0"/>
+              <a:t>Сколько раз он повторялся в всплеске</a:t>
+            </a:r>
+            <a:r>
+              <a:rPr lang="en-US" sz="3600" dirty="0">
+                <a:latin typeface="Bahnschrift SemiBold SemiConden" panose="020B0502040204020203" pitchFamily="34" charset="0"/>
+              </a:rPr>
+              <a:t>?</a:t>
+            </a:r>
+            <a:endParaRPr lang="kk-KZ" sz="3600" dirty="0">
+              <a:latin typeface="Bahnschrift SemiBold SemiConden" panose="020B0502040204020203" pitchFamily="34" charset="0"/>
             </a:endParaRPr>
           </a:p>
           <a:p>
-            <a:pPr eaLnBrk="0" fontAlgn="base" hangingPunct="0">
-              <a:spcBef>
-                <a:spcPct val="0"/>
-              </a:spcBef>
-              <a:spcAft>
-                <a:spcPct val="0"/>
-              </a:spcAft>
-            </a:pPr>
-            <a:r>
-              <a:rPr lang="en-US" altLang="ru-RU" sz="3600" dirty="0">
-                <a:solidFill>
-                  <a:schemeClr val="bg1"/>
-                </a:solidFill>
-                <a:latin typeface="Bahnschrift SemiBold Condensed" panose="020B0502040204020203" pitchFamily="34" charset="0"/>
+            <a:r>
+              <a:rPr lang="en-US" sz="3600" b="1" dirty="0">
+                <a:latin typeface="Bahnschrift SemiBold SemiConden" panose="020B0502040204020203" pitchFamily="34" charset="0"/>
               </a:rPr>
-              <a:t>(H) Are negative news more interesting than positive news and do they get more views?</a:t>
-            </a:r>
-            <a:r>
-              <a:rPr kumimoji="0" lang="ru-RU" altLang="ru-RU" sz="3600" b="0" i="0" u="none" strike="noStrike" cap="none" normalizeH="0" baseline="0" dirty="0">
-                <a:ln>
-                  <a:noFill/>
-                </a:ln>
-                <a:solidFill>
-                  <a:schemeClr val="bg1"/>
-                </a:solidFill>
-                <a:effectLst/>
-                <a:latin typeface="Bahnschrift SemiBold Condensed" panose="020B0502040204020203" pitchFamily="34" charset="0"/>
+              <a:t>Events or </a:t>
+            </a:r>
+            <a:r>
+              <a:rPr lang="kk-KZ" sz="3600" b="1" dirty="0">
+                <a:latin typeface="Bahnschrift SemiBold SemiConden" panose="020B0502040204020203" pitchFamily="34" charset="0"/>
               </a:rPr>
-              <a:t> </a:t>
-            </a:r>
-            <a:r>
-              <a:rPr kumimoji="0" lang="en-US" altLang="ru-RU" sz="3600" b="0" i="0" u="none" strike="noStrike" cap="none" normalizeH="0" baseline="0" dirty="0">
-                <a:ln>
-                  <a:noFill/>
-                </a:ln>
-                <a:solidFill>
-                  <a:schemeClr val="bg1"/>
-                </a:solidFill>
-                <a:effectLst/>
-                <a:latin typeface="Bahnschrift SemiBold Condensed" panose="020B0502040204020203" pitchFamily="34" charset="0"/>
-              </a:rPr>
-              <a:t>If yes, why?</a:t>
-            </a:r>
-            <a:endParaRPr kumimoji="0" lang="ru-RU" altLang="ru-RU" sz="3600" b="0" i="0" u="none" strike="noStrike" cap="none" normalizeH="0" baseline="0" dirty="0">
-              <a:ln>
-                <a:noFill/>
-              </a:ln>
-              <a:solidFill>
-                <a:schemeClr val="bg1"/>
-              </a:solidFill>
-              <a:effectLst/>
-              <a:latin typeface="Bahnschrift SemiBold Condensed" panose="020B0502040204020203" pitchFamily="34" charset="0"/>
+              <a:t>Акция</a:t>
+            </a:r>
+            <a:endParaRPr lang="en-US" sz="3600" b="1" dirty="0">
+              <a:latin typeface="Bahnschrift SemiBold SemiConden" panose="020B0502040204020203" pitchFamily="34" charset="0"/>
             </a:endParaRPr>
           </a:p>
-          <a:p>
-            <a:pPr eaLnBrk="0" fontAlgn="base" hangingPunct="0">
-              <a:spcBef>
-                <a:spcPct val="0"/>
-              </a:spcBef>
-              <a:spcAft>
-                <a:spcPct val="0"/>
-              </a:spcAft>
-            </a:pPr>
-            <a:endParaRPr lang="ru-RU" altLang="ru-RU" sz="3600" dirty="0">
-              <a:solidFill>
-                <a:schemeClr val="bg1"/>
-              </a:solidFill>
-              <a:latin typeface="Bahnschrift SemiBold Condensed" panose="020B0502040204020203" pitchFamily="34" charset="0"/>
-            </a:endParaRPr>
-          </a:p>
-          <a:p>
-            <a:pPr lvl="0" eaLnBrk="0" fontAlgn="base" hangingPunct="0">
-              <a:spcBef>
-                <a:spcPct val="0"/>
-              </a:spcBef>
-              <a:spcAft>
-                <a:spcPct val="0"/>
-              </a:spcAft>
-            </a:pPr>
-            <a:endParaRPr kumimoji="0" lang="ru-RU" altLang="ru-RU" sz="3600" b="0" i="0" u="none" strike="noStrike" cap="none" normalizeH="0" baseline="0" dirty="0">
-              <a:ln>
-                <a:noFill/>
-              </a:ln>
-              <a:solidFill>
-                <a:schemeClr val="bg1"/>
-              </a:solidFill>
-              <a:effectLst/>
-              <a:latin typeface="Bahnschrift SemiBold Condensed" panose="020B0502040204020203" pitchFamily="34" charset="0"/>
-            </a:endParaRPr>
-          </a:p>
-        </p:txBody>
-      </p:sp>
-      <p:pic>
-        <p:nvPicPr>
-          <p:cNvPr id="11" name="Рисунок 10">
-            <a:extLst>
-              <a:ext uri="{FF2B5EF4-FFF2-40B4-BE49-F238E27FC236}">
-                <a16:creationId xmlns:a16="http://schemas.microsoft.com/office/drawing/2014/main" id="{E7ADBEBA-9A0C-4159-B30F-4D11769EF4F5}"/>
-              </a:ext>
-            </a:extLst>
-          </p:cNvPr>
-          <p:cNvPicPr>
-            <a:picLocks noChangeAspect="1"/>
-          </p:cNvPicPr>
-          <p:nvPr/>
-        </p:nvPicPr>
-        <p:blipFill>
-          <a:blip r:embed="rId3">
-            <a:lum bright="70000" contrast="-70000"/>
-            <a:extLst>
-              <a:ext uri="{28A0092B-C50C-407E-A947-70E740481C1C}">
-                <a14:useLocalDpi xmlns:a14="http://schemas.microsoft.com/office/drawing/2010/main" val="0"/>
-              </a:ext>
-            </a:extLst>
-          </a:blip>
-          <a:stretch>
-            <a:fillRect/>
-          </a:stretch>
-        </p:blipFill>
-        <p:spPr>
-          <a:xfrm>
-            <a:off x="3732788" y="-643848"/>
-            <a:ext cx="2583972" cy="2583972"/>
-          </a:xfrm>
-          <a:prstGeom prst="rect">
-            <a:avLst/>
-          </a:prstGeom>
-        </p:spPr>
-      </p:pic>
-      <p:pic>
-        <p:nvPicPr>
-          <p:cNvPr id="13" name="Рисунок 12">
-            <a:extLst>
-              <a:ext uri="{FF2B5EF4-FFF2-40B4-BE49-F238E27FC236}">
-                <a16:creationId xmlns:a16="http://schemas.microsoft.com/office/drawing/2014/main" id="{0B9B337E-1AAC-4DA3-8377-05BE3078005B}"/>
-              </a:ext>
-            </a:extLst>
-          </p:cNvPr>
-          <p:cNvPicPr>
-            <a:picLocks noChangeAspect="1"/>
-          </p:cNvPicPr>
-          <p:nvPr/>
-        </p:nvPicPr>
-        <p:blipFill>
-          <a:blip r:embed="rId4">
-            <a:extLst>
-              <a:ext uri="{28A0092B-C50C-407E-A947-70E740481C1C}">
-                <a14:useLocalDpi xmlns:a14="http://schemas.microsoft.com/office/drawing/2010/main" val="0"/>
-              </a:ext>
-            </a:extLst>
-          </a:blip>
-          <a:stretch>
-            <a:fillRect/>
-          </a:stretch>
-        </p:blipFill>
-        <p:spPr>
-          <a:xfrm>
-            <a:off x="8453425" y="4229448"/>
-            <a:ext cx="2969803" cy="2294848"/>
-          </a:xfrm>
-          <a:prstGeom prst="rect">
-            <a:avLst/>
-          </a:prstGeom>
-          <a:ln>
-            <a:noFill/>
-          </a:ln>
-          <a:effectLst>
-            <a:outerShdw blurRad="292100" dist="139700" dir="2700000" algn="tl" rotWithShape="0">
-              <a:srgbClr val="333333">
-                <a:alpha val="65000"/>
-              </a:srgbClr>
-            </a:outerShdw>
-          </a:effectLst>
-        </p:spPr>
-      </p:pic>
-      <p:pic>
-        <p:nvPicPr>
-          <p:cNvPr id="15" name="Рисунок 14">
-            <a:extLst>
-              <a:ext uri="{FF2B5EF4-FFF2-40B4-BE49-F238E27FC236}">
-                <a16:creationId xmlns:a16="http://schemas.microsoft.com/office/drawing/2014/main" id="{479AE616-8E46-4F49-860D-C75CB5637B4D}"/>
-              </a:ext>
-            </a:extLst>
-          </p:cNvPr>
-          <p:cNvPicPr>
-            <a:picLocks noChangeAspect="1"/>
-          </p:cNvPicPr>
-          <p:nvPr/>
-        </p:nvPicPr>
-        <p:blipFill>
-          <a:blip r:embed="rId5">
-            <a:extLst>
-              <a:ext uri="{28A0092B-C50C-407E-A947-70E740481C1C}">
-                <a14:useLocalDpi xmlns:a14="http://schemas.microsoft.com/office/drawing/2010/main" val="0"/>
-              </a:ext>
-            </a:extLst>
-          </a:blip>
-          <a:stretch>
-            <a:fillRect/>
-          </a:stretch>
-        </p:blipFill>
-        <p:spPr>
-          <a:xfrm>
-            <a:off x="909791" y="5202533"/>
-            <a:ext cx="1161605" cy="1161605"/>
-          </a:xfrm>
-          <a:prstGeom prst="rect">
-            <a:avLst/>
-          </a:prstGeom>
-        </p:spPr>
-      </p:pic>
+        </p:txBody>
+      </p:sp>
     </p:spTree>
     <p:extLst>
       <p:ext uri="{BB962C8B-B14F-4D97-AF65-F5344CB8AC3E}">
-        <p14:creationId xmlns:p14="http://schemas.microsoft.com/office/powerpoint/2010/main" val="773087565"/>
+        <p14:creationId xmlns:p14="http://schemas.microsoft.com/office/powerpoint/2010/main" val="1501260184"/>
       </p:ext>
     </p:extLst>
   </p:cSld>
@@ -4610,20 +3542,6 @@
 <file path=ppt/slides/slide3.xml><?xml version="1.0" encoding="utf-8"?>
 <p:sld xmlns:a="http://schemas.openxmlformats.org/drawingml/2006/main" xmlns:r="http://schemas.openxmlformats.org/officeDocument/2006/relationships" xmlns:p="http://schemas.openxmlformats.org/presentationml/2006/main">
   <p:cSld>
-    <p:bg>
-      <p:bgPr>
-        <a:blipFill dpi="0" rotWithShape="1">
-          <a:blip r:embed="rId2">
-            <a:lum/>
-          </a:blip>
-          <a:srcRect/>
-          <a:stretch>
-            <a:fillRect/>
-          </a:stretch>
-        </a:blipFill>
-        <a:effectLst/>
-      </p:bgPr>
-    </p:bg>
     <p:spTree>
       <p:nvGrpSpPr>
         <p:cNvPr id="1" name=""/>
@@ -4638,141 +3556,12 @@
           <a:chExt cx="0" cy="0"/>
         </a:xfrm>
       </p:grpSpPr>
-      <p:sp>
-        <p:nvSpPr>
-          <p:cNvPr id="2" name="TextBox 1">
-            <a:extLst>
-              <a:ext uri="{FF2B5EF4-FFF2-40B4-BE49-F238E27FC236}">
-                <a16:creationId xmlns:a16="http://schemas.microsoft.com/office/drawing/2014/main" id="{FBD72E74-9885-44E6-80C8-4DEFADCB5443}"/>
-              </a:ext>
-            </a:extLst>
-          </p:cNvPr>
-          <p:cNvSpPr txBox="1"/>
-          <p:nvPr/>
-        </p:nvSpPr>
-        <p:spPr>
-          <a:xfrm>
-            <a:off x="752737" y="1324956"/>
-            <a:ext cx="4870782" cy="4524315"/>
-          </a:xfrm>
-          <a:prstGeom prst="rect">
-            <a:avLst/>
-          </a:prstGeom>
-          <a:noFill/>
-        </p:spPr>
-        <p:txBody>
-          <a:bodyPr wrap="square" rtlCol="0">
-            <a:spAutoFit/>
-          </a:bodyPr>
-          <a:lstStyle/>
-          <a:p>
-            <a:r>
-              <a:rPr lang="en-US" sz="3600" dirty="0">
-                <a:solidFill>
-                  <a:schemeClr val="bg1"/>
-                </a:solidFill>
-                <a:latin typeface="Bahnschrift SemiBold Condensed" panose="020B0502040204020203" pitchFamily="34" charset="0"/>
-              </a:rPr>
-              <a:t>Dataset sources:</a:t>
-            </a:r>
-            <a:endParaRPr lang="kk-KZ" sz="3600" dirty="0">
-              <a:solidFill>
-                <a:schemeClr val="bg1"/>
-              </a:solidFill>
-              <a:latin typeface="Bahnschrift SemiBold Condensed" panose="020B0502040204020203" pitchFamily="34" charset="0"/>
-            </a:endParaRPr>
-          </a:p>
-          <a:p>
-            <a:r>
-              <a:rPr lang="en-US" sz="3600" dirty="0" err="1">
-                <a:solidFill>
-                  <a:schemeClr val="bg1"/>
-                </a:solidFill>
-                <a:latin typeface="Bahnschrift SemiBold Condensed" panose="020B0502040204020203" pitchFamily="34" charset="0"/>
-              </a:rPr>
-              <a:t>Tengrinews</a:t>
-            </a:r>
-            <a:endParaRPr lang="en-US" sz="3600" dirty="0">
-              <a:solidFill>
-                <a:schemeClr val="bg1"/>
-              </a:solidFill>
-              <a:latin typeface="Bahnschrift SemiBold Condensed" panose="020B0502040204020203" pitchFamily="34" charset="0"/>
-            </a:endParaRPr>
-          </a:p>
-          <a:p>
-            <a:r>
-              <a:rPr lang="en-US" sz="3600" dirty="0" err="1">
-                <a:solidFill>
-                  <a:schemeClr val="bg1"/>
-                </a:solidFill>
-                <a:latin typeface="Bahnschrift SemiBold Condensed" panose="020B0502040204020203" pitchFamily="34" charset="0"/>
-              </a:rPr>
-              <a:t>Informburo</a:t>
-            </a:r>
-            <a:endParaRPr lang="en-US" sz="3600" dirty="0">
-              <a:solidFill>
-                <a:schemeClr val="bg1"/>
-              </a:solidFill>
-              <a:latin typeface="Bahnschrift SemiBold Condensed" panose="020B0502040204020203" pitchFamily="34" charset="0"/>
-            </a:endParaRPr>
-          </a:p>
-          <a:p>
-            <a:r>
-              <a:rPr lang="en-US" sz="3600" dirty="0">
-                <a:solidFill>
-                  <a:schemeClr val="bg1"/>
-                </a:solidFill>
-                <a:latin typeface="Bahnschrift SemiBold Condensed" panose="020B0502040204020203" pitchFamily="34" charset="0"/>
-              </a:rPr>
-              <a:t>Zakon.kz</a:t>
-            </a:r>
-          </a:p>
-          <a:p>
-            <a:r>
-              <a:rPr lang="en-US" sz="3600" dirty="0">
-                <a:solidFill>
-                  <a:schemeClr val="bg1"/>
-                </a:solidFill>
-                <a:latin typeface="Bahnschrift SemiBold Condensed" panose="020B0502040204020203" pitchFamily="34" charset="0"/>
-              </a:rPr>
-              <a:t>Social Networks</a:t>
-            </a:r>
-          </a:p>
-          <a:p>
-            <a:r>
-              <a:rPr lang="en-US" sz="3600" dirty="0">
-                <a:solidFill>
-                  <a:schemeClr val="bg1"/>
-                </a:solidFill>
-                <a:latin typeface="Bahnschrift SemiBold Condensed" panose="020B0502040204020203" pitchFamily="34" charset="0"/>
-              </a:rPr>
-              <a:t>International Resources</a:t>
-            </a:r>
-          </a:p>
-          <a:p>
-            <a:endParaRPr lang="en-US" sz="3600" dirty="0">
-              <a:solidFill>
-                <a:schemeClr val="bg1"/>
-              </a:solidFill>
-              <a:latin typeface="Bahnschrift SemiBold Condensed" panose="020B0502040204020203" pitchFamily="34" charset="0"/>
-            </a:endParaRPr>
-          </a:p>
-          <a:p>
-            <a:endParaRPr lang="en-US" sz="3600" dirty="0">
-              <a:solidFill>
-                <a:schemeClr val="bg1"/>
-              </a:solidFill>
-              <a:latin typeface="Bahnschrift SemiBold Condensed" panose="020B0502040204020203" pitchFamily="34" charset="0"/>
-            </a:endParaRPr>
-          </a:p>
-        </p:txBody>
-      </p:sp>
       <p:pic>
         <p:nvPicPr>
           <p:cNvPr id="4" name="Рисунок 3">
             <a:extLst>
               <a:ext uri="{FF2B5EF4-FFF2-40B4-BE49-F238E27FC236}">
-                <a16:creationId xmlns:a16="http://schemas.microsoft.com/office/drawing/2014/main" id="{B6C76AD4-007C-4A5A-A05D-3792A30D3CB8}"/>
+                <a16:creationId xmlns:a16="http://schemas.microsoft.com/office/drawing/2014/main" id="{2277575D-5453-496C-B64A-EF281E724838}"/>
               </a:ext>
             </a:extLst>
           </p:cNvPr>
@@ -4782,7 +3571,7 @@
           <p:nvPr/>
         </p:nvPicPr>
         <p:blipFill>
-          <a:blip r:embed="rId3">
+          <a:blip r:embed="rId2">
             <a:extLst>
               <a:ext uri="{28A0092B-C50C-407E-A947-70E740481C1C}">
                 <a14:useLocalDpi xmlns:a14="http://schemas.microsoft.com/office/drawing/2010/main" val="0"/>
@@ -4795,102 +3584,69 @@
         </p:blipFill>
         <p:spPr>
           <a:xfrm>
-            <a:off x="4301491" y="1053463"/>
-            <a:ext cx="3589020" cy="1794510"/>
+            <a:off x="1094686" y="311803"/>
+            <a:ext cx="9793067" cy="4629796"/>
           </a:xfrm>
           <a:prstGeom prst="rect">
             <a:avLst/>
           </a:prstGeom>
         </p:spPr>
       </p:pic>
-      <p:pic>
-        <p:nvPicPr>
-          <p:cNvPr id="6" name="Рисунок 5">
-            <a:extLst>
-              <a:ext uri="{FF2B5EF4-FFF2-40B4-BE49-F238E27FC236}">
-                <a16:creationId xmlns:a16="http://schemas.microsoft.com/office/drawing/2014/main" id="{EC9F0DF5-9373-4752-A45C-FE93965C72DB}"/>
-              </a:ext>
-            </a:extLst>
-          </p:cNvPr>
-          <p:cNvPicPr>
-            <a:picLocks noChangeAspect="1"/>
-          </p:cNvPicPr>
+      <p:cxnSp>
+        <p:nvCxnSpPr>
+          <p:cNvPr id="6" name="Прямая со стрелкой 5">
+            <a:extLst>
+              <a:ext uri="{FF2B5EF4-FFF2-40B4-BE49-F238E27FC236}">
+                <a16:creationId xmlns:a16="http://schemas.microsoft.com/office/drawing/2014/main" id="{1BBB0704-58AE-466A-AF81-55E4A7F2CE3E}"/>
+              </a:ext>
+            </a:extLst>
+          </p:cNvPr>
+          <p:cNvCxnSpPr/>
           <p:nvPr/>
-        </p:nvPicPr>
-        <p:blipFill>
-          <a:blip r:embed="rId4">
-            <a:extLst>
-              <a:ext uri="{28A0092B-C50C-407E-A947-70E740481C1C}">
-                <a14:useLocalDpi xmlns:a14="http://schemas.microsoft.com/office/drawing/2010/main" val="0"/>
-              </a:ext>
-            </a:extLst>
-          </a:blip>
-          <a:stretch>
-            <a:fillRect/>
-          </a:stretch>
-        </p:blipFill>
+        </p:nvCxnSpPr>
         <p:spPr>
           <a:xfrm>
-            <a:off x="7890511" y="2108832"/>
-            <a:ext cx="2615423" cy="1478282"/>
+            <a:off x="1692435" y="5984612"/>
+            <a:ext cx="8920066" cy="0"/>
           </a:xfrm>
-          <a:prstGeom prst="rect">
+          <a:prstGeom prst="straightConnector1">
             <a:avLst/>
           </a:prstGeom>
+          <a:ln>
+            <a:tailEnd type="triangle"/>
+          </a:ln>
         </p:spPr>
-      </p:pic>
-      <p:pic>
-        <p:nvPicPr>
-          <p:cNvPr id="8" name="Рисунок 7">
-            <a:extLst>
-              <a:ext uri="{FF2B5EF4-FFF2-40B4-BE49-F238E27FC236}">
-                <a16:creationId xmlns:a16="http://schemas.microsoft.com/office/drawing/2014/main" id="{70849D9F-2AEC-4B63-BDEC-B891BF9842D3}"/>
-              </a:ext>
-            </a:extLst>
-          </p:cNvPr>
-          <p:cNvPicPr>
-            <a:picLocks noChangeAspect="1"/>
-          </p:cNvPicPr>
+        <p:style>
+          <a:lnRef idx="1">
+            <a:schemeClr val="accent1"/>
+          </a:lnRef>
+          <a:fillRef idx="0">
+            <a:schemeClr val="accent1"/>
+          </a:fillRef>
+          <a:effectRef idx="0">
+            <a:schemeClr val="accent1"/>
+          </a:effectRef>
+          <a:fontRef idx="minor">
+            <a:schemeClr val="tx1"/>
+          </a:fontRef>
+        </p:style>
+      </p:cxnSp>
+      <p:sp>
+        <p:nvSpPr>
+          <p:cNvPr id="7" name="TextBox 6">
+            <a:extLst>
+              <a:ext uri="{FF2B5EF4-FFF2-40B4-BE49-F238E27FC236}">
+                <a16:creationId xmlns:a16="http://schemas.microsoft.com/office/drawing/2014/main" id="{74059165-B16E-4D2E-987D-C67FE5F427BC}"/>
+              </a:ext>
+            </a:extLst>
+          </p:cNvPr>
+          <p:cNvSpPr txBox="1"/>
           <p:nvPr/>
-        </p:nvPicPr>
-        <p:blipFill>
-          <a:blip r:embed="rId5">
-            <a:extLst>
-              <a:ext uri="{28A0092B-C50C-407E-A947-70E740481C1C}">
-                <a14:useLocalDpi xmlns:a14="http://schemas.microsoft.com/office/drawing/2010/main" val="0"/>
-              </a:ext>
-            </a:extLst>
-          </a:blip>
-          <a:stretch>
-            <a:fillRect/>
-          </a:stretch>
-        </p:blipFill>
+        </p:nvSpPr>
         <p:spPr>
           <a:xfrm>
-            <a:off x="6096000" y="3854344"/>
-            <a:ext cx="1353316" cy="1351996"/>
-          </a:xfrm>
-          <a:prstGeom prst="rect">
-            <a:avLst/>
-          </a:prstGeom>
-        </p:spPr>
-      </p:pic>
-      <p:sp>
-        <p:nvSpPr>
-          <p:cNvPr id="3" name="TextBox 2">
-            <a:extLst>
-              <a:ext uri="{FF2B5EF4-FFF2-40B4-BE49-F238E27FC236}">
-                <a16:creationId xmlns:a16="http://schemas.microsoft.com/office/drawing/2014/main" id="{52424F7A-34CC-4CE6-95C6-F0ABA71ABCAF}"/>
-              </a:ext>
-            </a:extLst>
-          </p:cNvPr>
-          <p:cNvSpPr txBox="1"/>
-          <p:nvPr/>
-        </p:nvSpPr>
-        <p:spPr>
-          <a:xfrm>
-            <a:off x="1996751" y="6662057"/>
-            <a:ext cx="45719" cy="369332"/>
+            <a:off x="1250302" y="6176865"/>
+            <a:ext cx="1287625" cy="369332"/>
           </a:xfrm>
           <a:prstGeom prst="rect">
             <a:avLst/>
@@ -4903,14 +3659,696 @@
           </a:bodyPr>
           <a:lstStyle/>
           <a:p>
+            <a:r>
+              <a:rPr lang="en-US" dirty="0"/>
+              <a:t>2020</a:t>
+            </a:r>
             <a:endParaRPr lang="ru-RU" dirty="0"/>
           </a:p>
         </p:txBody>
       </p:sp>
+      <p:sp>
+        <p:nvSpPr>
+          <p:cNvPr id="8" name="Овал 7">
+            <a:extLst>
+              <a:ext uri="{FF2B5EF4-FFF2-40B4-BE49-F238E27FC236}">
+                <a16:creationId xmlns:a16="http://schemas.microsoft.com/office/drawing/2014/main" id="{773A869D-A3C9-46DC-A701-1109BA2E1672}"/>
+              </a:ext>
+            </a:extLst>
+          </p:cNvPr>
+          <p:cNvSpPr/>
+          <p:nvPr/>
+        </p:nvSpPr>
+        <p:spPr>
+          <a:xfrm>
+            <a:off x="5952931" y="2032677"/>
+            <a:ext cx="270587" cy="279919"/>
+          </a:xfrm>
+          <a:prstGeom prst="ellipse">
+            <a:avLst/>
+          </a:prstGeom>
+        </p:spPr>
+        <p:style>
+          <a:lnRef idx="2">
+            <a:schemeClr val="dk1">
+              <a:shade val="50000"/>
+            </a:schemeClr>
+          </a:lnRef>
+          <a:fillRef idx="1">
+            <a:schemeClr val="dk1"/>
+          </a:fillRef>
+          <a:effectRef idx="0">
+            <a:schemeClr val="dk1"/>
+          </a:effectRef>
+          <a:fontRef idx="minor">
+            <a:schemeClr val="lt1"/>
+          </a:fontRef>
+        </p:style>
+        <p:txBody>
+          <a:bodyPr rtlCol="0" anchor="ctr"/>
+          <a:lstStyle/>
+          <a:p>
+            <a:pPr algn="ctr"/>
+            <a:endParaRPr lang="ru-RU"/>
+          </a:p>
+        </p:txBody>
+      </p:sp>
+      <p:sp>
+        <p:nvSpPr>
+          <p:cNvPr id="9" name="Овал 8">
+            <a:extLst>
+              <a:ext uri="{FF2B5EF4-FFF2-40B4-BE49-F238E27FC236}">
+                <a16:creationId xmlns:a16="http://schemas.microsoft.com/office/drawing/2014/main" id="{7D476EFB-4D98-4E82-AA2D-28070F176268}"/>
+              </a:ext>
+            </a:extLst>
+          </p:cNvPr>
+          <p:cNvSpPr/>
+          <p:nvPr/>
+        </p:nvSpPr>
+        <p:spPr>
+          <a:xfrm>
+            <a:off x="2789853" y="2761861"/>
+            <a:ext cx="485192" cy="457200"/>
+          </a:xfrm>
+          <a:prstGeom prst="ellipse">
+            <a:avLst/>
+          </a:prstGeom>
+        </p:spPr>
+        <p:style>
+          <a:lnRef idx="2">
+            <a:schemeClr val="accent1">
+              <a:shade val="50000"/>
+            </a:schemeClr>
+          </a:lnRef>
+          <a:fillRef idx="1">
+            <a:schemeClr val="accent1"/>
+          </a:fillRef>
+          <a:effectRef idx="0">
+            <a:schemeClr val="accent1"/>
+          </a:effectRef>
+          <a:fontRef idx="minor">
+            <a:schemeClr val="lt1"/>
+          </a:fontRef>
+        </p:style>
+        <p:txBody>
+          <a:bodyPr rtlCol="0" anchor="ctr"/>
+          <a:lstStyle/>
+          <a:p>
+            <a:pPr algn="ctr"/>
+            <a:endParaRPr lang="ru-RU"/>
+          </a:p>
+        </p:txBody>
+      </p:sp>
+      <p:cxnSp>
+        <p:nvCxnSpPr>
+          <p:cNvPr id="11" name="Прямая соединительная линия 10">
+            <a:extLst>
+              <a:ext uri="{FF2B5EF4-FFF2-40B4-BE49-F238E27FC236}">
+                <a16:creationId xmlns:a16="http://schemas.microsoft.com/office/drawing/2014/main" id="{8D81F070-6BAF-4E15-935B-8FDE44D21302}"/>
+              </a:ext>
+            </a:extLst>
+          </p:cNvPr>
+          <p:cNvCxnSpPr>
+            <a:stCxn id="9" idx="0"/>
+          </p:cNvCxnSpPr>
+          <p:nvPr/>
+        </p:nvCxnSpPr>
+        <p:spPr>
+          <a:xfrm flipH="1" flipV="1">
+            <a:off x="2715208" y="1380931"/>
+            <a:ext cx="317241" cy="1380930"/>
+          </a:xfrm>
+          <a:prstGeom prst="line">
+            <a:avLst/>
+          </a:prstGeom>
+        </p:spPr>
+        <p:style>
+          <a:lnRef idx="1">
+            <a:schemeClr val="accent1"/>
+          </a:lnRef>
+          <a:fillRef idx="0">
+            <a:schemeClr val="accent1"/>
+          </a:fillRef>
+          <a:effectRef idx="0">
+            <a:schemeClr val="accent1"/>
+          </a:effectRef>
+          <a:fontRef idx="minor">
+            <a:schemeClr val="tx1"/>
+          </a:fontRef>
+        </p:style>
+      </p:cxnSp>
+      <p:sp>
+        <p:nvSpPr>
+          <p:cNvPr id="12" name="TextBox 11">
+            <a:extLst>
+              <a:ext uri="{FF2B5EF4-FFF2-40B4-BE49-F238E27FC236}">
+                <a16:creationId xmlns:a16="http://schemas.microsoft.com/office/drawing/2014/main" id="{33FC4BE8-A691-42F9-A7FF-80F6E32B526E}"/>
+              </a:ext>
+            </a:extLst>
+          </p:cNvPr>
+          <p:cNvSpPr txBox="1"/>
+          <p:nvPr/>
+        </p:nvSpPr>
+        <p:spPr>
+          <a:xfrm>
+            <a:off x="2323322" y="1045029"/>
+            <a:ext cx="951723" cy="369332"/>
+          </a:xfrm>
+          <a:prstGeom prst="rect">
+            <a:avLst/>
+          </a:prstGeom>
+          <a:noFill/>
+        </p:spPr>
+        <p:txBody>
+          <a:bodyPr wrap="square" rtlCol="0">
+            <a:spAutoFit/>
+          </a:bodyPr>
+          <a:lstStyle/>
+          <a:p>
+            <a:r>
+              <a:rPr lang="en-US" dirty="0">
+                <a:solidFill>
+                  <a:srgbClr val="0070C0"/>
+                </a:solidFill>
+              </a:rPr>
+              <a:t>404</a:t>
+            </a:r>
+            <a:endParaRPr lang="ru-RU" dirty="0">
+              <a:solidFill>
+                <a:srgbClr val="0070C0"/>
+              </a:solidFill>
+            </a:endParaRPr>
+          </a:p>
+        </p:txBody>
+      </p:sp>
+      <p:cxnSp>
+        <p:nvCxnSpPr>
+          <p:cNvPr id="14" name="Прямая со стрелкой 13">
+            <a:extLst>
+              <a:ext uri="{FF2B5EF4-FFF2-40B4-BE49-F238E27FC236}">
+                <a16:creationId xmlns:a16="http://schemas.microsoft.com/office/drawing/2014/main" id="{42565D70-D176-4148-9775-6BF0764DB10E}"/>
+              </a:ext>
+            </a:extLst>
+          </p:cNvPr>
+          <p:cNvCxnSpPr/>
+          <p:nvPr/>
+        </p:nvCxnSpPr>
+        <p:spPr>
+          <a:xfrm>
+            <a:off x="3722914" y="6361531"/>
+            <a:ext cx="1268964" cy="0"/>
+          </a:xfrm>
+          <a:prstGeom prst="straightConnector1">
+            <a:avLst/>
+          </a:prstGeom>
+          <a:ln>
+            <a:tailEnd type="triangle"/>
+          </a:ln>
+        </p:spPr>
+        <p:style>
+          <a:lnRef idx="1">
+            <a:schemeClr val="accent1"/>
+          </a:lnRef>
+          <a:fillRef idx="0">
+            <a:schemeClr val="accent1"/>
+          </a:fillRef>
+          <a:effectRef idx="0">
+            <a:schemeClr val="accent1"/>
+          </a:effectRef>
+          <a:fontRef idx="minor">
+            <a:schemeClr val="tx1"/>
+          </a:fontRef>
+        </p:style>
+      </p:cxnSp>
+      <p:sp>
+        <p:nvSpPr>
+          <p:cNvPr id="16" name="TextBox 15">
+            <a:extLst>
+              <a:ext uri="{FF2B5EF4-FFF2-40B4-BE49-F238E27FC236}">
+                <a16:creationId xmlns:a16="http://schemas.microsoft.com/office/drawing/2014/main" id="{665FA08D-5536-4834-94A4-1E303BE001E4}"/>
+              </a:ext>
+            </a:extLst>
+          </p:cNvPr>
+          <p:cNvSpPr txBox="1"/>
+          <p:nvPr/>
+        </p:nvSpPr>
+        <p:spPr>
+          <a:xfrm>
+            <a:off x="6096000" y="6176865"/>
+            <a:ext cx="1287625" cy="369332"/>
+          </a:xfrm>
+          <a:prstGeom prst="rect">
+            <a:avLst/>
+          </a:prstGeom>
+          <a:noFill/>
+        </p:spPr>
+        <p:txBody>
+          <a:bodyPr wrap="square" rtlCol="0">
+            <a:spAutoFit/>
+          </a:bodyPr>
+          <a:lstStyle/>
+          <a:p>
+            <a:r>
+              <a:rPr lang="en-US" dirty="0"/>
+              <a:t>2021</a:t>
+            </a:r>
+            <a:endParaRPr lang="ru-RU" dirty="0"/>
+          </a:p>
+        </p:txBody>
+      </p:sp>
+      <p:sp>
+        <p:nvSpPr>
+          <p:cNvPr id="17" name="TextBox 16">
+            <a:extLst>
+              <a:ext uri="{FF2B5EF4-FFF2-40B4-BE49-F238E27FC236}">
+                <a16:creationId xmlns:a16="http://schemas.microsoft.com/office/drawing/2014/main" id="{6B102CD0-DF62-483E-869C-5D1B96B171A3}"/>
+              </a:ext>
+            </a:extLst>
+          </p:cNvPr>
+          <p:cNvSpPr txBox="1"/>
+          <p:nvPr/>
+        </p:nvSpPr>
+        <p:spPr>
+          <a:xfrm>
+            <a:off x="1847460" y="5615280"/>
+            <a:ext cx="1026368" cy="369332"/>
+          </a:xfrm>
+          <a:prstGeom prst="rect">
+            <a:avLst/>
+          </a:prstGeom>
+          <a:noFill/>
+        </p:spPr>
+        <p:txBody>
+          <a:bodyPr wrap="square" rtlCol="0">
+            <a:spAutoFit/>
+          </a:bodyPr>
+          <a:lstStyle/>
+          <a:p>
+            <a:r>
+              <a:rPr lang="en-US" dirty="0" err="1"/>
+              <a:t>feb</a:t>
+            </a:r>
+            <a:endParaRPr lang="ru-RU" dirty="0"/>
+          </a:p>
+        </p:txBody>
+      </p:sp>
+      <p:sp>
+        <p:nvSpPr>
+          <p:cNvPr id="18" name="TextBox 17">
+            <a:extLst>
+              <a:ext uri="{FF2B5EF4-FFF2-40B4-BE49-F238E27FC236}">
+                <a16:creationId xmlns:a16="http://schemas.microsoft.com/office/drawing/2014/main" id="{1814BB5C-457B-445F-B12C-D6525471F088}"/>
+              </a:ext>
+            </a:extLst>
+          </p:cNvPr>
+          <p:cNvSpPr txBox="1"/>
+          <p:nvPr/>
+        </p:nvSpPr>
+        <p:spPr>
+          <a:xfrm>
+            <a:off x="2519265" y="5640684"/>
+            <a:ext cx="1026368" cy="369332"/>
+          </a:xfrm>
+          <a:prstGeom prst="rect">
+            <a:avLst/>
+          </a:prstGeom>
+          <a:noFill/>
+        </p:spPr>
+        <p:txBody>
+          <a:bodyPr wrap="square" rtlCol="0">
+            <a:spAutoFit/>
+          </a:bodyPr>
+          <a:lstStyle/>
+          <a:p>
+            <a:r>
+              <a:rPr lang="en-US" dirty="0"/>
+              <a:t>mar</a:t>
+            </a:r>
+            <a:endParaRPr lang="ru-RU" dirty="0"/>
+          </a:p>
+        </p:txBody>
+      </p:sp>
+      <p:sp>
+        <p:nvSpPr>
+          <p:cNvPr id="20" name="TextBox 19">
+            <a:extLst>
+              <a:ext uri="{FF2B5EF4-FFF2-40B4-BE49-F238E27FC236}">
+                <a16:creationId xmlns:a16="http://schemas.microsoft.com/office/drawing/2014/main" id="{3721A3E4-3E9D-40BC-AAE4-B5AAECBA258C}"/>
+              </a:ext>
+            </a:extLst>
+          </p:cNvPr>
+          <p:cNvSpPr txBox="1"/>
+          <p:nvPr/>
+        </p:nvSpPr>
+        <p:spPr>
+          <a:xfrm>
+            <a:off x="6592078" y="865800"/>
+            <a:ext cx="3169298" cy="461665"/>
+          </a:xfrm>
+          <a:prstGeom prst="rect">
+            <a:avLst/>
+          </a:prstGeom>
+          <a:noFill/>
+        </p:spPr>
+        <p:txBody>
+          <a:bodyPr wrap="square" rtlCol="0">
+            <a:spAutoFit/>
+          </a:bodyPr>
+          <a:lstStyle/>
+          <a:p>
+            <a:r>
+              <a:rPr lang="kk-KZ" sz="2400" dirty="0"/>
+              <a:t>Карантин</a:t>
+            </a:r>
+            <a:r>
+              <a:rPr lang="en-US" sz="2400" dirty="0"/>
+              <a:t> </a:t>
+            </a:r>
+            <a:r>
+              <a:rPr lang="kk-KZ" sz="2400" dirty="0"/>
+              <a:t>или</a:t>
+            </a:r>
+            <a:r>
+              <a:rPr lang="en-US" sz="2400" dirty="0"/>
+              <a:t> </a:t>
+            </a:r>
+            <a:r>
+              <a:rPr lang="kk-KZ" sz="2400" dirty="0"/>
+              <a:t>Акция </a:t>
+            </a:r>
+            <a:endParaRPr lang="ru-RU" sz="2400" dirty="0"/>
+          </a:p>
+        </p:txBody>
+      </p:sp>
+      <p:sp>
+        <p:nvSpPr>
+          <p:cNvPr id="21" name="TextBox 20">
+            <a:extLst>
+              <a:ext uri="{FF2B5EF4-FFF2-40B4-BE49-F238E27FC236}">
+                <a16:creationId xmlns:a16="http://schemas.microsoft.com/office/drawing/2014/main" id="{B13BC713-053B-406B-A506-A5B70248756B}"/>
+              </a:ext>
+            </a:extLst>
+          </p:cNvPr>
+          <p:cNvSpPr txBox="1"/>
+          <p:nvPr/>
+        </p:nvSpPr>
+        <p:spPr>
+          <a:xfrm>
+            <a:off x="8978676" y="1847461"/>
+            <a:ext cx="1418253" cy="369332"/>
+          </a:xfrm>
+          <a:prstGeom prst="rect">
+            <a:avLst/>
+          </a:prstGeom>
+          <a:noFill/>
+        </p:spPr>
+        <p:txBody>
+          <a:bodyPr wrap="square" rtlCol="0">
+            <a:spAutoFit/>
+          </a:bodyPr>
+          <a:lstStyle/>
+          <a:p>
+            <a:r>
+              <a:rPr lang="kk-KZ" dirty="0"/>
+              <a:t>Регион </a:t>
+            </a:r>
+            <a:endParaRPr lang="ru-RU" dirty="0"/>
+          </a:p>
+        </p:txBody>
+      </p:sp>
+      <p:sp>
+        <p:nvSpPr>
+          <p:cNvPr id="22" name="TextBox 21">
+            <a:extLst>
+              <a:ext uri="{FF2B5EF4-FFF2-40B4-BE49-F238E27FC236}">
+                <a16:creationId xmlns:a16="http://schemas.microsoft.com/office/drawing/2014/main" id="{AF4FC4BC-84E5-4513-91BD-56C58D33230D}"/>
+              </a:ext>
+            </a:extLst>
+          </p:cNvPr>
+          <p:cNvSpPr txBox="1"/>
+          <p:nvPr/>
+        </p:nvSpPr>
+        <p:spPr>
+          <a:xfrm>
+            <a:off x="8916957" y="2565790"/>
+            <a:ext cx="1424957" cy="369321"/>
+          </a:xfrm>
+          <a:prstGeom prst="rect">
+            <a:avLst/>
+          </a:prstGeom>
+          <a:noFill/>
+        </p:spPr>
+        <p:txBody>
+          <a:bodyPr wrap="square" rtlCol="0">
+            <a:spAutoFit/>
+          </a:bodyPr>
+          <a:lstStyle/>
+          <a:p>
+            <a:r>
+              <a:rPr lang="kk-KZ" dirty="0"/>
+              <a:t>Сервисы</a:t>
+            </a:r>
+            <a:endParaRPr lang="ru-RU" dirty="0"/>
+          </a:p>
+        </p:txBody>
+      </p:sp>
+      <p:sp>
+        <p:nvSpPr>
+          <p:cNvPr id="23" name="TextBox 22">
+            <a:extLst>
+              <a:ext uri="{FF2B5EF4-FFF2-40B4-BE49-F238E27FC236}">
+                <a16:creationId xmlns:a16="http://schemas.microsoft.com/office/drawing/2014/main" id="{5AF243FB-357B-44F7-B3C2-4A90F7BCD78F}"/>
+              </a:ext>
+            </a:extLst>
+          </p:cNvPr>
+          <p:cNvSpPr txBox="1"/>
+          <p:nvPr/>
+        </p:nvSpPr>
+        <p:spPr>
+          <a:xfrm>
+            <a:off x="8978676" y="3216407"/>
+            <a:ext cx="1179253" cy="369279"/>
+          </a:xfrm>
+          <a:prstGeom prst="rect">
+            <a:avLst/>
+          </a:prstGeom>
+          <a:noFill/>
+        </p:spPr>
+        <p:txBody>
+          <a:bodyPr wrap="square" rtlCol="0">
+            <a:spAutoFit/>
+          </a:bodyPr>
+          <a:lstStyle/>
+          <a:p>
+            <a:r>
+              <a:rPr lang="kk-KZ" dirty="0"/>
+              <a:t>Сумма</a:t>
+            </a:r>
+            <a:endParaRPr lang="ru-RU" dirty="0"/>
+          </a:p>
+        </p:txBody>
+      </p:sp>
+      <p:sp>
+        <p:nvSpPr>
+          <p:cNvPr id="24" name="Круг: прозрачная заливка 23">
+            <a:extLst>
+              <a:ext uri="{FF2B5EF4-FFF2-40B4-BE49-F238E27FC236}">
+                <a16:creationId xmlns:a16="http://schemas.microsoft.com/office/drawing/2014/main" id="{F3C35DA1-FD5E-4C14-BE77-40D151CB5331}"/>
+              </a:ext>
+            </a:extLst>
+          </p:cNvPr>
+          <p:cNvSpPr/>
+          <p:nvPr/>
+        </p:nvSpPr>
+        <p:spPr>
+          <a:xfrm>
+            <a:off x="5952931" y="408984"/>
+            <a:ext cx="4295676" cy="1394321"/>
+          </a:xfrm>
+          <a:prstGeom prst="donut">
+            <a:avLst/>
+          </a:prstGeom>
+        </p:spPr>
+        <p:style>
+          <a:lnRef idx="2">
+            <a:schemeClr val="accent1">
+              <a:shade val="50000"/>
+            </a:schemeClr>
+          </a:lnRef>
+          <a:fillRef idx="1">
+            <a:schemeClr val="accent1"/>
+          </a:fillRef>
+          <a:effectRef idx="0">
+            <a:schemeClr val="accent1"/>
+          </a:effectRef>
+          <a:fontRef idx="minor">
+            <a:schemeClr val="lt1"/>
+          </a:fontRef>
+        </p:style>
+        <p:txBody>
+          <a:bodyPr rtlCol="0" anchor="ctr"/>
+          <a:lstStyle/>
+          <a:p>
+            <a:pPr algn="ctr"/>
+            <a:endParaRPr lang="ru-RU">
+              <a:solidFill>
+                <a:schemeClr val="tx1"/>
+              </a:solidFill>
+            </a:endParaRPr>
+          </a:p>
+        </p:txBody>
+      </p:sp>
+      <p:cxnSp>
+        <p:nvCxnSpPr>
+          <p:cNvPr id="28" name="Прямая соединительная линия 27">
+            <a:extLst>
+              <a:ext uri="{FF2B5EF4-FFF2-40B4-BE49-F238E27FC236}">
+                <a16:creationId xmlns:a16="http://schemas.microsoft.com/office/drawing/2014/main" id="{A5ADCECC-E96E-437D-BE6B-C03FF8EECCB8}"/>
+              </a:ext>
+            </a:extLst>
+          </p:cNvPr>
+          <p:cNvCxnSpPr>
+            <a:stCxn id="8" idx="4"/>
+          </p:cNvCxnSpPr>
+          <p:nvPr/>
+        </p:nvCxnSpPr>
+        <p:spPr>
+          <a:xfrm flipH="1" flipV="1">
+            <a:off x="5449078" y="828676"/>
+            <a:ext cx="639147" cy="1483920"/>
+          </a:xfrm>
+          <a:prstGeom prst="line">
+            <a:avLst/>
+          </a:prstGeom>
+        </p:spPr>
+        <p:style>
+          <a:lnRef idx="1">
+            <a:schemeClr val="dk1"/>
+          </a:lnRef>
+          <a:fillRef idx="0">
+            <a:schemeClr val="dk1"/>
+          </a:fillRef>
+          <a:effectRef idx="0">
+            <a:schemeClr val="dk1"/>
+          </a:effectRef>
+          <a:fontRef idx="minor">
+            <a:schemeClr val="tx1"/>
+          </a:fontRef>
+        </p:style>
+      </p:cxnSp>
+      <p:sp>
+        <p:nvSpPr>
+          <p:cNvPr id="29" name="TextBox 28">
+            <a:extLst>
+              <a:ext uri="{FF2B5EF4-FFF2-40B4-BE49-F238E27FC236}">
+                <a16:creationId xmlns:a16="http://schemas.microsoft.com/office/drawing/2014/main" id="{7F4F9A45-2E42-460B-9AF0-7D90A32C3442}"/>
+              </a:ext>
+            </a:extLst>
+          </p:cNvPr>
+          <p:cNvSpPr txBox="1"/>
+          <p:nvPr/>
+        </p:nvSpPr>
+        <p:spPr>
+          <a:xfrm>
+            <a:off x="5225143" y="496468"/>
+            <a:ext cx="592495" cy="369332"/>
+          </a:xfrm>
+          <a:prstGeom prst="rect">
+            <a:avLst/>
+          </a:prstGeom>
+          <a:noFill/>
+        </p:spPr>
+        <p:txBody>
+          <a:bodyPr wrap="square" rtlCol="0">
+            <a:spAutoFit/>
+          </a:bodyPr>
+          <a:lstStyle/>
+          <a:p>
+            <a:r>
+              <a:rPr lang="kk-KZ" dirty="0"/>
+              <a:t>251</a:t>
+            </a:r>
+          </a:p>
+        </p:txBody>
+      </p:sp>
+      <p:cxnSp>
+        <p:nvCxnSpPr>
+          <p:cNvPr id="31" name="Прямая соединительная линия 30">
+            <a:extLst>
+              <a:ext uri="{FF2B5EF4-FFF2-40B4-BE49-F238E27FC236}">
+                <a16:creationId xmlns:a16="http://schemas.microsoft.com/office/drawing/2014/main" id="{29B45FA6-0657-4AC8-8B35-53F13483C7B6}"/>
+              </a:ext>
+            </a:extLst>
+          </p:cNvPr>
+          <p:cNvCxnSpPr/>
+          <p:nvPr/>
+        </p:nvCxnSpPr>
+        <p:spPr>
+          <a:xfrm flipV="1">
+            <a:off x="10196218" y="2284494"/>
+            <a:ext cx="691535" cy="348997"/>
+          </a:xfrm>
+          <a:prstGeom prst="line">
+            <a:avLst/>
+          </a:prstGeom>
+        </p:spPr>
+        <p:style>
+          <a:lnRef idx="1">
+            <a:schemeClr val="accent1"/>
+          </a:lnRef>
+          <a:fillRef idx="0">
+            <a:schemeClr val="accent1"/>
+          </a:fillRef>
+          <a:effectRef idx="0">
+            <a:schemeClr val="accent1"/>
+          </a:effectRef>
+          <a:fontRef idx="minor">
+            <a:schemeClr val="tx1"/>
+          </a:fontRef>
+        </p:style>
+      </p:cxnSp>
+      <p:cxnSp>
+        <p:nvCxnSpPr>
+          <p:cNvPr id="33" name="Прямая соединительная линия 32">
+            <a:extLst>
+              <a:ext uri="{FF2B5EF4-FFF2-40B4-BE49-F238E27FC236}">
+                <a16:creationId xmlns:a16="http://schemas.microsoft.com/office/drawing/2014/main" id="{17F01A44-E8FC-4ECC-8D14-2B49DE5A49E2}"/>
+              </a:ext>
+            </a:extLst>
+          </p:cNvPr>
+          <p:cNvCxnSpPr>
+            <a:cxnSpLocks/>
+          </p:cNvCxnSpPr>
+          <p:nvPr/>
+        </p:nvCxnSpPr>
+        <p:spPr>
+          <a:xfrm>
+            <a:off x="10157929" y="2786250"/>
+            <a:ext cx="1134739" cy="86055"/>
+          </a:xfrm>
+          <a:prstGeom prst="line">
+            <a:avLst/>
+          </a:prstGeom>
+        </p:spPr>
+        <p:style>
+          <a:lnRef idx="1">
+            <a:schemeClr val="accent1"/>
+          </a:lnRef>
+          <a:fillRef idx="0">
+            <a:schemeClr val="accent1"/>
+          </a:fillRef>
+          <a:effectRef idx="0">
+            <a:schemeClr val="accent1"/>
+          </a:effectRef>
+          <a:fontRef idx="minor">
+            <a:schemeClr val="tx1"/>
+          </a:fontRef>
+        </p:style>
+      </p:cxnSp>
     </p:spTree>
     <p:extLst>
       <p:ext uri="{BB962C8B-B14F-4D97-AF65-F5344CB8AC3E}">
-        <p14:creationId xmlns:p14="http://schemas.microsoft.com/office/powerpoint/2010/main" val="3138392685"/>
+        <p14:creationId xmlns:p14="http://schemas.microsoft.com/office/powerpoint/2010/main" val="1815168870"/>
       </p:ext>
     </p:extLst>
   </p:cSld>
@@ -4939,10 +4377,10 @@
       </p:grpSpPr>
       <p:pic>
         <p:nvPicPr>
-          <p:cNvPr id="3" name="Рисунок 2">
-            <a:extLst>
-              <a:ext uri="{FF2B5EF4-FFF2-40B4-BE49-F238E27FC236}">
-                <a16:creationId xmlns:a16="http://schemas.microsoft.com/office/drawing/2014/main" id="{BC9DDA60-2F29-47F6-9283-7602F74A16A2}"/>
+          <p:cNvPr id="4" name="Рисунок 3">
+            <a:extLst>
+              <a:ext uri="{FF2B5EF4-FFF2-40B4-BE49-F238E27FC236}">
+                <a16:creationId xmlns:a16="http://schemas.microsoft.com/office/drawing/2014/main" id="{01C7CD71-9D89-4334-A236-E1642982A68B}"/>
               </a:ext>
             </a:extLst>
           </p:cNvPr>
@@ -4965,8 +4403,8 @@
         </p:blipFill>
         <p:spPr>
           <a:xfrm>
-            <a:off x="0" y="-114255"/>
-            <a:ext cx="12192000" cy="6858000"/>
+            <a:off x="1613879" y="914399"/>
+            <a:ext cx="6462359" cy="4208107"/>
           </a:xfrm>
           <a:prstGeom prst="rect">
             <a:avLst/>
@@ -4975,10 +4413,132 @@
       </p:pic>
       <p:sp>
         <p:nvSpPr>
-          <p:cNvPr id="4" name="TextBox 3">
-            <a:extLst>
-              <a:ext uri="{FF2B5EF4-FFF2-40B4-BE49-F238E27FC236}">
-                <a16:creationId xmlns:a16="http://schemas.microsoft.com/office/drawing/2014/main" id="{35050287-9935-4B2B-8FF5-3BF6CFC9F66F}"/>
+          <p:cNvPr id="5" name="Прямоугольник: скругленные углы 4">
+            <a:extLst>
+              <a:ext uri="{FF2B5EF4-FFF2-40B4-BE49-F238E27FC236}">
+                <a16:creationId xmlns:a16="http://schemas.microsoft.com/office/drawing/2014/main" id="{83114A69-B02E-4BDB-A353-CD39BDD98082}"/>
+              </a:ext>
+            </a:extLst>
+          </p:cNvPr>
+          <p:cNvSpPr/>
+          <p:nvPr/>
+        </p:nvSpPr>
+        <p:spPr>
+          <a:xfrm>
+            <a:off x="1399592" y="550506"/>
+            <a:ext cx="6941975" cy="681135"/>
+          </a:xfrm>
+          <a:prstGeom prst="roundRect">
+            <a:avLst/>
+          </a:prstGeom>
+        </p:spPr>
+        <p:style>
+          <a:lnRef idx="2">
+            <a:schemeClr val="accent1">
+              <a:shade val="50000"/>
+            </a:schemeClr>
+          </a:lnRef>
+          <a:fillRef idx="1">
+            <a:schemeClr val="accent1"/>
+          </a:fillRef>
+          <a:effectRef idx="0">
+            <a:schemeClr val="accent1"/>
+          </a:effectRef>
+          <a:fontRef idx="minor">
+            <a:schemeClr val="lt1"/>
+          </a:fontRef>
+        </p:style>
+        <p:txBody>
+          <a:bodyPr rtlCol="0" anchor="ctr"/>
+          <a:lstStyle/>
+          <a:p>
+            <a:pPr algn="ctr"/>
+            <a:endParaRPr lang="ru-RU"/>
+          </a:p>
+        </p:txBody>
+      </p:sp>
+      <p:sp>
+        <p:nvSpPr>
+          <p:cNvPr id="6" name="Прямоугольник: скругленные углы 5">
+            <a:extLst>
+              <a:ext uri="{FF2B5EF4-FFF2-40B4-BE49-F238E27FC236}">
+                <a16:creationId xmlns:a16="http://schemas.microsoft.com/office/drawing/2014/main" id="{1F28C758-CEF4-469E-9296-FF03CC249B93}"/>
+              </a:ext>
+            </a:extLst>
+          </p:cNvPr>
+          <p:cNvSpPr/>
+          <p:nvPr/>
+        </p:nvSpPr>
+        <p:spPr>
+          <a:xfrm>
+            <a:off x="1399592" y="4767941"/>
+            <a:ext cx="6941975" cy="681135"/>
+          </a:xfrm>
+          <a:prstGeom prst="roundRect">
+            <a:avLst/>
+          </a:prstGeom>
+        </p:spPr>
+        <p:style>
+          <a:lnRef idx="2">
+            <a:schemeClr val="accent1">
+              <a:shade val="50000"/>
+            </a:schemeClr>
+          </a:lnRef>
+          <a:fillRef idx="1">
+            <a:schemeClr val="accent1"/>
+          </a:fillRef>
+          <a:effectRef idx="0">
+            <a:schemeClr val="accent1"/>
+          </a:effectRef>
+          <a:fontRef idx="minor">
+            <a:schemeClr val="lt1"/>
+          </a:fontRef>
+        </p:style>
+        <p:txBody>
+          <a:bodyPr rtlCol="0" anchor="ctr"/>
+          <a:lstStyle/>
+          <a:p>
+            <a:pPr algn="ctr"/>
+            <a:endParaRPr lang="ru-RU"/>
+          </a:p>
+        </p:txBody>
+      </p:sp>
+    </p:spTree>
+    <p:extLst>
+      <p:ext uri="{BB962C8B-B14F-4D97-AF65-F5344CB8AC3E}">
+        <p14:creationId xmlns:p14="http://schemas.microsoft.com/office/powerpoint/2010/main" val="2967077416"/>
+      </p:ext>
+    </p:extLst>
+  </p:cSld>
+  <p:clrMapOvr>
+    <a:masterClrMapping/>
+  </p:clrMapOvr>
+</p:sld>
+</file>
+
+<file path=ppt/slides/slide5.xml><?xml version="1.0" encoding="utf-8"?>
+<p:sld xmlns:a="http://schemas.openxmlformats.org/drawingml/2006/main" xmlns:r="http://schemas.openxmlformats.org/officeDocument/2006/relationships" xmlns:p="http://schemas.openxmlformats.org/presentationml/2006/main">
+  <p:cSld>
+    <p:spTree>
+      <p:nvGrpSpPr>
+        <p:cNvPr id="1" name=""/>
+        <p:cNvGrpSpPr/>
+        <p:nvPr/>
+      </p:nvGrpSpPr>
+      <p:grpSpPr>
+        <a:xfrm>
+          <a:off x="0" y="0"/>
+          <a:ext cx="0" cy="0"/>
+          <a:chOff x="0" y="0"/>
+          <a:chExt cx="0" cy="0"/>
+        </a:xfrm>
+      </p:grpSpPr>
+      <p:sp>
+        <p:nvSpPr>
+          <p:cNvPr id="2" name="TextBox 1">
+            <a:extLst>
+              <a:ext uri="{FF2B5EF4-FFF2-40B4-BE49-F238E27FC236}">
+                <a16:creationId xmlns:a16="http://schemas.microsoft.com/office/drawing/2014/main" id="{760B35E4-AA29-485F-A954-931F547A1D15}"/>
               </a:ext>
             </a:extLst>
           </p:cNvPr>
@@ -4987,8 +4547,8 @@
         </p:nvSpPr>
         <p:spPr>
           <a:xfrm>
-            <a:off x="874388" y="1562851"/>
-            <a:ext cx="10219709" cy="3539430"/>
+            <a:off x="485192" y="1063689"/>
+            <a:ext cx="4208106" cy="1200329"/>
           </a:xfrm>
           <a:prstGeom prst="rect">
             <a:avLst/>
@@ -5002,103 +4562,2610 @@
           <a:lstStyle/>
           <a:p>
             <a:r>
-              <a:rPr lang="en-US" sz="2800" dirty="0">
-                <a:solidFill>
-                  <a:schemeClr val="bg1"/>
-                </a:solidFill>
-                <a:latin typeface="Bahnschrift SemiBold Condensed" panose="020B0502040204020203" pitchFamily="34" charset="0"/>
+              <a:rPr lang="en-US" b="1" dirty="0">
+                <a:latin typeface="Bahnschrift SemiBold SemiConden" panose="020B0502040204020203" pitchFamily="34" charset="0"/>
               </a:rPr>
-              <a:t>Methods: Parse(Title, Comments, Likes, Date, Sources(From another country Medias),Content </a:t>
-            </a:r>
-          </a:p>
-          <a:p>
-            <a:endParaRPr lang="en-US" sz="2800" dirty="0">
-              <a:solidFill>
-                <a:schemeClr val="bg1"/>
-              </a:solidFill>
-              <a:latin typeface="Bahnschrift SemiBold Condensed" panose="020B0502040204020203" pitchFamily="34" charset="0"/>
+              <a:t>Service name: -&gt; Category </a:t>
+            </a:r>
+          </a:p>
+          <a:p>
+            <a:r>
+              <a:rPr lang="en-US" b="1" dirty="0">
+                <a:latin typeface="Bahnschrift SemiBold SemiConden" panose="020B0502040204020203" pitchFamily="34" charset="0"/>
+              </a:rPr>
+              <a:t>FMS and Internet</a:t>
+            </a:r>
+          </a:p>
+          <a:p>
+            <a:endParaRPr lang="en-US" b="1" dirty="0">
+              <a:latin typeface="Bahnschrift SemiBold SemiConden" panose="020B0502040204020203" pitchFamily="34" charset="0"/>
             </a:endParaRPr>
           </a:p>
           <a:p>
             <a:r>
-              <a:rPr lang="en-US" sz="2800" dirty="0">
-                <a:solidFill>
-                  <a:schemeClr val="bg1"/>
-                </a:solidFill>
-                <a:latin typeface="Bahnschrift SemiBold Condensed" panose="020B0502040204020203" pitchFamily="34" charset="0"/>
-              </a:rPr>
-              <a:t>Categorization of News, Show Relations(</a:t>
-            </a:r>
-            <a:r>
-              <a:rPr lang="en-US" sz="2800" dirty="0" err="1">
-                <a:solidFill>
-                  <a:schemeClr val="bg1"/>
-                </a:solidFill>
-                <a:latin typeface="Bahnschrift SemiBold Condensed" panose="020B0502040204020203" pitchFamily="34" charset="0"/>
-              </a:rPr>
-              <a:t>cor</a:t>
-            </a:r>
-            <a:r>
-              <a:rPr lang="en-US" sz="2800" dirty="0">
-                <a:solidFill>
-                  <a:schemeClr val="bg1"/>
-                </a:solidFill>
-                <a:latin typeface="Bahnschrift SemiBold Condensed" panose="020B0502040204020203" pitchFamily="34" charset="0"/>
-              </a:rPr>
-              <a:t>), Most popular topic, Most liked comments, Most Spread Titles, Cosine Function( Function of Similarity</a:t>
-            </a:r>
-            <a:r>
-              <a:rPr lang="ru-RU" sz="2800" dirty="0">
-                <a:solidFill>
-                  <a:schemeClr val="bg1"/>
-                </a:solidFill>
-                <a:latin typeface="Bahnschrift SemiBold Condensed" panose="020B0502040204020203" pitchFamily="34" charset="0"/>
+              <a:rPr lang="en-US" b="1" dirty="0">
+                <a:latin typeface="Bahnschrift SemiBold SemiConden" panose="020B0502040204020203" pitchFamily="34" charset="0"/>
               </a:rPr>
               <a:t> </a:t>
             </a:r>
-            <a:r>
-              <a:rPr lang="en-US" sz="2800" dirty="0">
-                <a:solidFill>
-                  <a:schemeClr val="bg1"/>
-                </a:solidFill>
-                <a:latin typeface="Bahnschrift SemiBold Condensed" panose="020B0502040204020203" pitchFamily="34" charset="0"/>
-              </a:rPr>
-              <a:t>Text) </a:t>
-            </a:r>
-          </a:p>
-          <a:p>
-            <a:endParaRPr lang="en-US" sz="2800" dirty="0">
-              <a:solidFill>
-                <a:schemeClr val="bg1"/>
-              </a:solidFill>
-              <a:latin typeface="Bahnschrift SemiBold Condensed" panose="020B0502040204020203" pitchFamily="34" charset="0"/>
+            <a:endParaRPr lang="ru-RU" b="1" dirty="0">
+              <a:latin typeface="Bahnschrift SemiBold SemiConden" panose="020B0502040204020203" pitchFamily="34" charset="0"/>
             </a:endParaRPr>
           </a:p>
-          <a:p>
-            <a:r>
-              <a:rPr lang="en-US" sz="2800" dirty="0">
-                <a:solidFill>
-                  <a:schemeClr val="bg1"/>
-                </a:solidFill>
-                <a:latin typeface="Bahnschrift SemiBold Condensed" panose="020B0502040204020203" pitchFamily="34" charset="0"/>
-              </a:rPr>
-              <a:t>Main problem(Identify and classify Russian and Kazakh words)</a:t>
-            </a:r>
-          </a:p>
-          <a:p>
-            <a:endParaRPr lang="en-US" sz="2800" dirty="0">
-              <a:solidFill>
-                <a:schemeClr val="bg1"/>
-              </a:solidFill>
-              <a:latin typeface="Bahnschrift SemiBold Condensed" panose="020B0502040204020203" pitchFamily="34" charset="0"/>
-            </a:endParaRPr>
+        </p:txBody>
+      </p:sp>
+      <p:cxnSp>
+        <p:nvCxnSpPr>
+          <p:cNvPr id="4" name="Прямая соединительная линия 3">
+            <a:extLst>
+              <a:ext uri="{FF2B5EF4-FFF2-40B4-BE49-F238E27FC236}">
+                <a16:creationId xmlns:a16="http://schemas.microsoft.com/office/drawing/2014/main" id="{B0F40E35-EB0B-4425-8B07-BFAFE3124055}"/>
+              </a:ext>
+            </a:extLst>
+          </p:cNvPr>
+          <p:cNvCxnSpPr/>
+          <p:nvPr/>
+        </p:nvCxnSpPr>
+        <p:spPr>
+          <a:xfrm>
+            <a:off x="2967135" y="5794310"/>
+            <a:ext cx="6895322" cy="0"/>
+          </a:xfrm>
+          <a:prstGeom prst="line">
+            <a:avLst/>
+          </a:prstGeom>
+        </p:spPr>
+        <p:style>
+          <a:lnRef idx="1">
+            <a:schemeClr val="accent1"/>
+          </a:lnRef>
+          <a:fillRef idx="0">
+            <a:schemeClr val="accent1"/>
+          </a:fillRef>
+          <a:effectRef idx="0">
+            <a:schemeClr val="accent1"/>
+          </a:effectRef>
+          <a:fontRef idx="minor">
+            <a:schemeClr val="tx1"/>
+          </a:fontRef>
+        </p:style>
+      </p:cxnSp>
+      <p:cxnSp>
+        <p:nvCxnSpPr>
+          <p:cNvPr id="6" name="Прямая со стрелкой 5">
+            <a:extLst>
+              <a:ext uri="{FF2B5EF4-FFF2-40B4-BE49-F238E27FC236}">
+                <a16:creationId xmlns:a16="http://schemas.microsoft.com/office/drawing/2014/main" id="{71351EBB-3285-472A-B5F0-902F254D7FC5}"/>
+              </a:ext>
+            </a:extLst>
+          </p:cNvPr>
+          <p:cNvCxnSpPr/>
+          <p:nvPr/>
+        </p:nvCxnSpPr>
+        <p:spPr>
+          <a:xfrm>
+            <a:off x="3144416" y="2360645"/>
+            <a:ext cx="0" cy="3433665"/>
+          </a:xfrm>
+          <a:prstGeom prst="straightConnector1">
+            <a:avLst/>
+          </a:prstGeom>
+          <a:ln>
+            <a:tailEnd type="triangle"/>
+          </a:ln>
+        </p:spPr>
+        <p:style>
+          <a:lnRef idx="1">
+            <a:schemeClr val="accent1"/>
+          </a:lnRef>
+          <a:fillRef idx="0">
+            <a:schemeClr val="accent1"/>
+          </a:fillRef>
+          <a:effectRef idx="0">
+            <a:schemeClr val="accent1"/>
+          </a:effectRef>
+          <a:fontRef idx="minor">
+            <a:schemeClr val="tx1"/>
+          </a:fontRef>
+        </p:style>
+      </p:cxnSp>
+      <p:sp>
+        <p:nvSpPr>
+          <p:cNvPr id="7" name="Полилиния: фигура 6">
+            <a:extLst>
+              <a:ext uri="{FF2B5EF4-FFF2-40B4-BE49-F238E27FC236}">
+                <a16:creationId xmlns:a16="http://schemas.microsoft.com/office/drawing/2014/main" id="{DD7AA72E-0B69-461E-8E58-B3CD304E2EC6}"/>
+              </a:ext>
+            </a:extLst>
+          </p:cNvPr>
+          <p:cNvSpPr/>
+          <p:nvPr/>
+        </p:nvSpPr>
+        <p:spPr>
+          <a:xfrm>
+            <a:off x="3424335" y="2298889"/>
+            <a:ext cx="5421085" cy="3346131"/>
+          </a:xfrm>
+          <a:custGeom>
+            <a:avLst/>
+            <a:gdLst>
+              <a:gd name="connsiteX0" fmla="*/ 0 w 5421085"/>
+              <a:gd name="connsiteY0" fmla="*/ 3346131 h 3346131"/>
+              <a:gd name="connsiteX1" fmla="*/ 37322 w 5421085"/>
+              <a:gd name="connsiteY1" fmla="*/ 3224833 h 3346131"/>
+              <a:gd name="connsiteX2" fmla="*/ 74645 w 5421085"/>
+              <a:gd name="connsiteY2" fmla="*/ 3150189 h 3346131"/>
+              <a:gd name="connsiteX3" fmla="*/ 130628 w 5421085"/>
+              <a:gd name="connsiteY3" fmla="*/ 2972907 h 3346131"/>
+              <a:gd name="connsiteX4" fmla="*/ 158620 w 5421085"/>
+              <a:gd name="connsiteY4" fmla="*/ 2879601 h 3346131"/>
+              <a:gd name="connsiteX5" fmla="*/ 195943 w 5421085"/>
+              <a:gd name="connsiteY5" fmla="*/ 2776964 h 3346131"/>
+              <a:gd name="connsiteX6" fmla="*/ 214604 w 5421085"/>
+              <a:gd name="connsiteY6" fmla="*/ 2683658 h 3346131"/>
+              <a:gd name="connsiteX7" fmla="*/ 251926 w 5421085"/>
+              <a:gd name="connsiteY7" fmla="*/ 2599682 h 3346131"/>
+              <a:gd name="connsiteX8" fmla="*/ 317241 w 5421085"/>
+              <a:gd name="connsiteY8" fmla="*/ 2413070 h 3346131"/>
+              <a:gd name="connsiteX9" fmla="*/ 363894 w 5421085"/>
+              <a:gd name="connsiteY9" fmla="*/ 2254450 h 3346131"/>
+              <a:gd name="connsiteX10" fmla="*/ 410547 w 5421085"/>
+              <a:gd name="connsiteY10" fmla="*/ 2105160 h 3346131"/>
+              <a:gd name="connsiteX11" fmla="*/ 438538 w 5421085"/>
+              <a:gd name="connsiteY11" fmla="*/ 2049176 h 3346131"/>
+              <a:gd name="connsiteX12" fmla="*/ 457200 w 5421085"/>
+              <a:gd name="connsiteY12" fmla="*/ 1983862 h 3346131"/>
+              <a:gd name="connsiteX13" fmla="*/ 494522 w 5421085"/>
+              <a:gd name="connsiteY13" fmla="*/ 1946540 h 3346131"/>
+              <a:gd name="connsiteX14" fmla="*/ 522514 w 5421085"/>
+              <a:gd name="connsiteY14" fmla="*/ 1899887 h 3346131"/>
+              <a:gd name="connsiteX15" fmla="*/ 550506 w 5421085"/>
+              <a:gd name="connsiteY15" fmla="*/ 1862564 h 3346131"/>
+              <a:gd name="connsiteX16" fmla="*/ 587828 w 5421085"/>
+              <a:gd name="connsiteY16" fmla="*/ 1806580 h 3346131"/>
+              <a:gd name="connsiteX17" fmla="*/ 606489 w 5421085"/>
+              <a:gd name="connsiteY17" fmla="*/ 1778589 h 3346131"/>
+              <a:gd name="connsiteX18" fmla="*/ 634481 w 5421085"/>
+              <a:gd name="connsiteY18" fmla="*/ 1759927 h 3346131"/>
+              <a:gd name="connsiteX19" fmla="*/ 653143 w 5421085"/>
+              <a:gd name="connsiteY19" fmla="*/ 1741266 h 3346131"/>
+              <a:gd name="connsiteX20" fmla="*/ 727787 w 5421085"/>
+              <a:gd name="connsiteY20" fmla="*/ 1713274 h 3346131"/>
+              <a:gd name="connsiteX21" fmla="*/ 821094 w 5421085"/>
+              <a:gd name="connsiteY21" fmla="*/ 1722605 h 3346131"/>
+              <a:gd name="connsiteX22" fmla="*/ 951722 w 5421085"/>
+              <a:gd name="connsiteY22" fmla="*/ 1797250 h 3346131"/>
+              <a:gd name="connsiteX23" fmla="*/ 1054359 w 5421085"/>
+              <a:gd name="connsiteY23" fmla="*/ 1825242 h 3346131"/>
+              <a:gd name="connsiteX24" fmla="*/ 1091681 w 5421085"/>
+              <a:gd name="connsiteY24" fmla="*/ 1834572 h 3346131"/>
+              <a:gd name="connsiteX25" fmla="*/ 1212979 w 5421085"/>
+              <a:gd name="connsiteY25" fmla="*/ 1769258 h 3346131"/>
+              <a:gd name="connsiteX26" fmla="*/ 1231641 w 5421085"/>
+              <a:gd name="connsiteY26" fmla="*/ 1731935 h 3346131"/>
+              <a:gd name="connsiteX27" fmla="*/ 1287624 w 5421085"/>
+              <a:gd name="connsiteY27" fmla="*/ 1694613 h 3346131"/>
+              <a:gd name="connsiteX28" fmla="*/ 1362269 w 5421085"/>
+              <a:gd name="connsiteY28" fmla="*/ 1657291 h 3346131"/>
+              <a:gd name="connsiteX29" fmla="*/ 1399592 w 5421085"/>
+              <a:gd name="connsiteY29" fmla="*/ 1619968 h 3346131"/>
+              <a:gd name="connsiteX30" fmla="*/ 1408922 w 5421085"/>
+              <a:gd name="connsiteY30" fmla="*/ 1591976 h 3346131"/>
+              <a:gd name="connsiteX31" fmla="*/ 1483567 w 5421085"/>
+              <a:gd name="connsiteY31" fmla="*/ 1545323 h 3346131"/>
+              <a:gd name="connsiteX32" fmla="*/ 1511559 w 5421085"/>
+              <a:gd name="connsiteY32" fmla="*/ 1526662 h 3346131"/>
+              <a:gd name="connsiteX33" fmla="*/ 1567543 w 5421085"/>
+              <a:gd name="connsiteY33" fmla="*/ 1517331 h 3346131"/>
+              <a:gd name="connsiteX34" fmla="*/ 1726163 w 5421085"/>
+              <a:gd name="connsiteY34" fmla="*/ 1498670 h 3346131"/>
+              <a:gd name="connsiteX35" fmla="*/ 1791477 w 5421085"/>
+              <a:gd name="connsiteY35" fmla="*/ 1461348 h 3346131"/>
+              <a:gd name="connsiteX36" fmla="*/ 1810138 w 5421085"/>
+              <a:gd name="connsiteY36" fmla="*/ 1433356 h 3346131"/>
+              <a:gd name="connsiteX37" fmla="*/ 1866122 w 5421085"/>
+              <a:gd name="connsiteY37" fmla="*/ 1368042 h 3346131"/>
+              <a:gd name="connsiteX38" fmla="*/ 1894114 w 5421085"/>
+              <a:gd name="connsiteY38" fmla="*/ 1312058 h 3346131"/>
+              <a:gd name="connsiteX39" fmla="*/ 1931436 w 5421085"/>
+              <a:gd name="connsiteY39" fmla="*/ 1246744 h 3346131"/>
+              <a:gd name="connsiteX40" fmla="*/ 1968759 w 5421085"/>
+              <a:gd name="connsiteY40" fmla="*/ 1172099 h 3346131"/>
+              <a:gd name="connsiteX41" fmla="*/ 2006081 w 5421085"/>
+              <a:gd name="connsiteY41" fmla="*/ 1106784 h 3346131"/>
+              <a:gd name="connsiteX42" fmla="*/ 2024743 w 5421085"/>
+              <a:gd name="connsiteY42" fmla="*/ 1041470 h 3346131"/>
+              <a:gd name="connsiteX43" fmla="*/ 2099387 w 5421085"/>
+              <a:gd name="connsiteY43" fmla="*/ 901511 h 3346131"/>
+              <a:gd name="connsiteX44" fmla="*/ 2118049 w 5421085"/>
+              <a:gd name="connsiteY44" fmla="*/ 882850 h 3346131"/>
+              <a:gd name="connsiteX45" fmla="*/ 2220685 w 5421085"/>
+              <a:gd name="connsiteY45" fmla="*/ 836197 h 3346131"/>
+              <a:gd name="connsiteX46" fmla="*/ 2295330 w 5421085"/>
+              <a:gd name="connsiteY46" fmla="*/ 817535 h 3346131"/>
+              <a:gd name="connsiteX47" fmla="*/ 2379306 w 5421085"/>
+              <a:gd name="connsiteY47" fmla="*/ 789544 h 3346131"/>
+              <a:gd name="connsiteX48" fmla="*/ 2472612 w 5421085"/>
+              <a:gd name="connsiteY48" fmla="*/ 761552 h 3346131"/>
+              <a:gd name="connsiteX49" fmla="*/ 2537926 w 5421085"/>
+              <a:gd name="connsiteY49" fmla="*/ 733560 h 3346131"/>
+              <a:gd name="connsiteX50" fmla="*/ 2659224 w 5421085"/>
+              <a:gd name="connsiteY50" fmla="*/ 696238 h 3346131"/>
+              <a:gd name="connsiteX51" fmla="*/ 2724538 w 5421085"/>
+              <a:gd name="connsiteY51" fmla="*/ 658915 h 3346131"/>
+              <a:gd name="connsiteX52" fmla="*/ 2780522 w 5421085"/>
+              <a:gd name="connsiteY52" fmla="*/ 640254 h 3346131"/>
+              <a:gd name="connsiteX53" fmla="*/ 2836506 w 5421085"/>
+              <a:gd name="connsiteY53" fmla="*/ 602931 h 3346131"/>
+              <a:gd name="connsiteX54" fmla="*/ 2892489 w 5421085"/>
+              <a:gd name="connsiteY54" fmla="*/ 574940 h 3346131"/>
+              <a:gd name="connsiteX55" fmla="*/ 2929812 w 5421085"/>
+              <a:gd name="connsiteY55" fmla="*/ 537617 h 3346131"/>
+              <a:gd name="connsiteX56" fmla="*/ 2957804 w 5421085"/>
+              <a:gd name="connsiteY56" fmla="*/ 518956 h 3346131"/>
+              <a:gd name="connsiteX57" fmla="*/ 3004457 w 5421085"/>
+              <a:gd name="connsiteY57" fmla="*/ 472303 h 3346131"/>
+              <a:gd name="connsiteX58" fmla="*/ 3097763 w 5421085"/>
+              <a:gd name="connsiteY58" fmla="*/ 434980 h 3346131"/>
+              <a:gd name="connsiteX59" fmla="*/ 3256383 w 5421085"/>
+              <a:gd name="connsiteY59" fmla="*/ 406989 h 3346131"/>
+              <a:gd name="connsiteX60" fmla="*/ 3377681 w 5421085"/>
+              <a:gd name="connsiteY60" fmla="*/ 360335 h 3346131"/>
+              <a:gd name="connsiteX61" fmla="*/ 3452326 w 5421085"/>
+              <a:gd name="connsiteY61" fmla="*/ 323013 h 3346131"/>
+              <a:gd name="connsiteX62" fmla="*/ 3498979 w 5421085"/>
+              <a:gd name="connsiteY62" fmla="*/ 304352 h 3346131"/>
+              <a:gd name="connsiteX63" fmla="*/ 3582955 w 5421085"/>
+              <a:gd name="connsiteY63" fmla="*/ 248368 h 3346131"/>
+              <a:gd name="connsiteX64" fmla="*/ 3620277 w 5421085"/>
+              <a:gd name="connsiteY64" fmla="*/ 229707 h 3346131"/>
+              <a:gd name="connsiteX65" fmla="*/ 3685592 w 5421085"/>
+              <a:gd name="connsiteY65" fmla="*/ 192384 h 3346131"/>
+              <a:gd name="connsiteX66" fmla="*/ 3722914 w 5421085"/>
+              <a:gd name="connsiteY66" fmla="*/ 183054 h 3346131"/>
+              <a:gd name="connsiteX67" fmla="*/ 4012163 w 5421085"/>
+              <a:gd name="connsiteY67" fmla="*/ 164393 h 3346131"/>
+              <a:gd name="connsiteX68" fmla="*/ 4133461 w 5421085"/>
+              <a:gd name="connsiteY68" fmla="*/ 136401 h 3346131"/>
+              <a:gd name="connsiteX69" fmla="*/ 4236098 w 5421085"/>
+              <a:gd name="connsiteY69" fmla="*/ 117740 h 3346131"/>
+              <a:gd name="connsiteX70" fmla="*/ 4627983 w 5421085"/>
+              <a:gd name="connsiteY70" fmla="*/ 136401 h 3346131"/>
+              <a:gd name="connsiteX71" fmla="*/ 4711959 w 5421085"/>
+              <a:gd name="connsiteY71" fmla="*/ 155062 h 3346131"/>
+              <a:gd name="connsiteX72" fmla="*/ 4777273 w 5421085"/>
+              <a:gd name="connsiteY72" fmla="*/ 164393 h 3346131"/>
+              <a:gd name="connsiteX73" fmla="*/ 4823926 w 5421085"/>
+              <a:gd name="connsiteY73" fmla="*/ 173723 h 3346131"/>
+              <a:gd name="connsiteX74" fmla="*/ 5010538 w 5421085"/>
+              <a:gd name="connsiteY74" fmla="*/ 155062 h 3346131"/>
+              <a:gd name="connsiteX75" fmla="*/ 5057192 w 5421085"/>
+              <a:gd name="connsiteY75" fmla="*/ 136401 h 3346131"/>
+              <a:gd name="connsiteX76" fmla="*/ 5113175 w 5421085"/>
+              <a:gd name="connsiteY76" fmla="*/ 117740 h 3346131"/>
+              <a:gd name="connsiteX77" fmla="*/ 5206481 w 5421085"/>
+              <a:gd name="connsiteY77" fmla="*/ 89748 h 3346131"/>
+              <a:gd name="connsiteX78" fmla="*/ 5243804 w 5421085"/>
+              <a:gd name="connsiteY78" fmla="*/ 61756 h 3346131"/>
+              <a:gd name="connsiteX79" fmla="*/ 5271796 w 5421085"/>
+              <a:gd name="connsiteY79" fmla="*/ 43095 h 3346131"/>
+              <a:gd name="connsiteX80" fmla="*/ 5299787 w 5421085"/>
+              <a:gd name="connsiteY80" fmla="*/ 5772 h 3346131"/>
+              <a:gd name="connsiteX81" fmla="*/ 5402424 w 5421085"/>
+              <a:gd name="connsiteY81" fmla="*/ 33764 h 3346131"/>
+              <a:gd name="connsiteX82" fmla="*/ 5421085 w 5421085"/>
+              <a:gd name="connsiteY82" fmla="*/ 24433 h 3346131"/>
+            </a:gdLst>
+            <a:ahLst/>
+            <a:cxnLst>
+              <a:cxn ang="0">
+                <a:pos x="connsiteX0" y="connsiteY0"/>
+              </a:cxn>
+              <a:cxn ang="0">
+                <a:pos x="connsiteX1" y="connsiteY1"/>
+              </a:cxn>
+              <a:cxn ang="0">
+                <a:pos x="connsiteX2" y="connsiteY2"/>
+              </a:cxn>
+              <a:cxn ang="0">
+                <a:pos x="connsiteX3" y="connsiteY3"/>
+              </a:cxn>
+              <a:cxn ang="0">
+                <a:pos x="connsiteX4" y="connsiteY4"/>
+              </a:cxn>
+              <a:cxn ang="0">
+                <a:pos x="connsiteX5" y="connsiteY5"/>
+              </a:cxn>
+              <a:cxn ang="0">
+                <a:pos x="connsiteX6" y="connsiteY6"/>
+              </a:cxn>
+              <a:cxn ang="0">
+                <a:pos x="connsiteX7" y="connsiteY7"/>
+              </a:cxn>
+              <a:cxn ang="0">
+                <a:pos x="connsiteX8" y="connsiteY8"/>
+              </a:cxn>
+              <a:cxn ang="0">
+                <a:pos x="connsiteX9" y="connsiteY9"/>
+              </a:cxn>
+              <a:cxn ang="0">
+                <a:pos x="connsiteX10" y="connsiteY10"/>
+              </a:cxn>
+              <a:cxn ang="0">
+                <a:pos x="connsiteX11" y="connsiteY11"/>
+              </a:cxn>
+              <a:cxn ang="0">
+                <a:pos x="connsiteX12" y="connsiteY12"/>
+              </a:cxn>
+              <a:cxn ang="0">
+                <a:pos x="connsiteX13" y="connsiteY13"/>
+              </a:cxn>
+              <a:cxn ang="0">
+                <a:pos x="connsiteX14" y="connsiteY14"/>
+              </a:cxn>
+              <a:cxn ang="0">
+                <a:pos x="connsiteX15" y="connsiteY15"/>
+              </a:cxn>
+              <a:cxn ang="0">
+                <a:pos x="connsiteX16" y="connsiteY16"/>
+              </a:cxn>
+              <a:cxn ang="0">
+                <a:pos x="connsiteX17" y="connsiteY17"/>
+              </a:cxn>
+              <a:cxn ang="0">
+                <a:pos x="connsiteX18" y="connsiteY18"/>
+              </a:cxn>
+              <a:cxn ang="0">
+                <a:pos x="connsiteX19" y="connsiteY19"/>
+              </a:cxn>
+              <a:cxn ang="0">
+                <a:pos x="connsiteX20" y="connsiteY20"/>
+              </a:cxn>
+              <a:cxn ang="0">
+                <a:pos x="connsiteX21" y="connsiteY21"/>
+              </a:cxn>
+              <a:cxn ang="0">
+                <a:pos x="connsiteX22" y="connsiteY22"/>
+              </a:cxn>
+              <a:cxn ang="0">
+                <a:pos x="connsiteX23" y="connsiteY23"/>
+              </a:cxn>
+              <a:cxn ang="0">
+                <a:pos x="connsiteX24" y="connsiteY24"/>
+              </a:cxn>
+              <a:cxn ang="0">
+                <a:pos x="connsiteX25" y="connsiteY25"/>
+              </a:cxn>
+              <a:cxn ang="0">
+                <a:pos x="connsiteX26" y="connsiteY26"/>
+              </a:cxn>
+              <a:cxn ang="0">
+                <a:pos x="connsiteX27" y="connsiteY27"/>
+              </a:cxn>
+              <a:cxn ang="0">
+                <a:pos x="connsiteX28" y="connsiteY28"/>
+              </a:cxn>
+              <a:cxn ang="0">
+                <a:pos x="connsiteX29" y="connsiteY29"/>
+              </a:cxn>
+              <a:cxn ang="0">
+                <a:pos x="connsiteX30" y="connsiteY30"/>
+              </a:cxn>
+              <a:cxn ang="0">
+                <a:pos x="connsiteX31" y="connsiteY31"/>
+              </a:cxn>
+              <a:cxn ang="0">
+                <a:pos x="connsiteX32" y="connsiteY32"/>
+              </a:cxn>
+              <a:cxn ang="0">
+                <a:pos x="connsiteX33" y="connsiteY33"/>
+              </a:cxn>
+              <a:cxn ang="0">
+                <a:pos x="connsiteX34" y="connsiteY34"/>
+              </a:cxn>
+              <a:cxn ang="0">
+                <a:pos x="connsiteX35" y="connsiteY35"/>
+              </a:cxn>
+              <a:cxn ang="0">
+                <a:pos x="connsiteX36" y="connsiteY36"/>
+              </a:cxn>
+              <a:cxn ang="0">
+                <a:pos x="connsiteX37" y="connsiteY37"/>
+              </a:cxn>
+              <a:cxn ang="0">
+                <a:pos x="connsiteX38" y="connsiteY38"/>
+              </a:cxn>
+              <a:cxn ang="0">
+                <a:pos x="connsiteX39" y="connsiteY39"/>
+              </a:cxn>
+              <a:cxn ang="0">
+                <a:pos x="connsiteX40" y="connsiteY40"/>
+              </a:cxn>
+              <a:cxn ang="0">
+                <a:pos x="connsiteX41" y="connsiteY41"/>
+              </a:cxn>
+              <a:cxn ang="0">
+                <a:pos x="connsiteX42" y="connsiteY42"/>
+              </a:cxn>
+              <a:cxn ang="0">
+                <a:pos x="connsiteX43" y="connsiteY43"/>
+              </a:cxn>
+              <a:cxn ang="0">
+                <a:pos x="connsiteX44" y="connsiteY44"/>
+              </a:cxn>
+              <a:cxn ang="0">
+                <a:pos x="connsiteX45" y="connsiteY45"/>
+              </a:cxn>
+              <a:cxn ang="0">
+                <a:pos x="connsiteX46" y="connsiteY46"/>
+              </a:cxn>
+              <a:cxn ang="0">
+                <a:pos x="connsiteX47" y="connsiteY47"/>
+              </a:cxn>
+              <a:cxn ang="0">
+                <a:pos x="connsiteX48" y="connsiteY48"/>
+              </a:cxn>
+              <a:cxn ang="0">
+                <a:pos x="connsiteX49" y="connsiteY49"/>
+              </a:cxn>
+              <a:cxn ang="0">
+                <a:pos x="connsiteX50" y="connsiteY50"/>
+              </a:cxn>
+              <a:cxn ang="0">
+                <a:pos x="connsiteX51" y="connsiteY51"/>
+              </a:cxn>
+              <a:cxn ang="0">
+                <a:pos x="connsiteX52" y="connsiteY52"/>
+              </a:cxn>
+              <a:cxn ang="0">
+                <a:pos x="connsiteX53" y="connsiteY53"/>
+              </a:cxn>
+              <a:cxn ang="0">
+                <a:pos x="connsiteX54" y="connsiteY54"/>
+              </a:cxn>
+              <a:cxn ang="0">
+                <a:pos x="connsiteX55" y="connsiteY55"/>
+              </a:cxn>
+              <a:cxn ang="0">
+                <a:pos x="connsiteX56" y="connsiteY56"/>
+              </a:cxn>
+              <a:cxn ang="0">
+                <a:pos x="connsiteX57" y="connsiteY57"/>
+              </a:cxn>
+              <a:cxn ang="0">
+                <a:pos x="connsiteX58" y="connsiteY58"/>
+              </a:cxn>
+              <a:cxn ang="0">
+                <a:pos x="connsiteX59" y="connsiteY59"/>
+              </a:cxn>
+              <a:cxn ang="0">
+                <a:pos x="connsiteX60" y="connsiteY60"/>
+              </a:cxn>
+              <a:cxn ang="0">
+                <a:pos x="connsiteX61" y="connsiteY61"/>
+              </a:cxn>
+              <a:cxn ang="0">
+                <a:pos x="connsiteX62" y="connsiteY62"/>
+              </a:cxn>
+              <a:cxn ang="0">
+                <a:pos x="connsiteX63" y="connsiteY63"/>
+              </a:cxn>
+              <a:cxn ang="0">
+                <a:pos x="connsiteX64" y="connsiteY64"/>
+              </a:cxn>
+              <a:cxn ang="0">
+                <a:pos x="connsiteX65" y="connsiteY65"/>
+              </a:cxn>
+              <a:cxn ang="0">
+                <a:pos x="connsiteX66" y="connsiteY66"/>
+              </a:cxn>
+              <a:cxn ang="0">
+                <a:pos x="connsiteX67" y="connsiteY67"/>
+              </a:cxn>
+              <a:cxn ang="0">
+                <a:pos x="connsiteX68" y="connsiteY68"/>
+              </a:cxn>
+              <a:cxn ang="0">
+                <a:pos x="connsiteX69" y="connsiteY69"/>
+              </a:cxn>
+              <a:cxn ang="0">
+                <a:pos x="connsiteX70" y="connsiteY70"/>
+              </a:cxn>
+              <a:cxn ang="0">
+                <a:pos x="connsiteX71" y="connsiteY71"/>
+              </a:cxn>
+              <a:cxn ang="0">
+                <a:pos x="connsiteX72" y="connsiteY72"/>
+              </a:cxn>
+              <a:cxn ang="0">
+                <a:pos x="connsiteX73" y="connsiteY73"/>
+              </a:cxn>
+              <a:cxn ang="0">
+                <a:pos x="connsiteX74" y="connsiteY74"/>
+              </a:cxn>
+              <a:cxn ang="0">
+                <a:pos x="connsiteX75" y="connsiteY75"/>
+              </a:cxn>
+              <a:cxn ang="0">
+                <a:pos x="connsiteX76" y="connsiteY76"/>
+              </a:cxn>
+              <a:cxn ang="0">
+                <a:pos x="connsiteX77" y="connsiteY77"/>
+              </a:cxn>
+              <a:cxn ang="0">
+                <a:pos x="connsiteX78" y="connsiteY78"/>
+              </a:cxn>
+              <a:cxn ang="0">
+                <a:pos x="connsiteX79" y="connsiteY79"/>
+              </a:cxn>
+              <a:cxn ang="0">
+                <a:pos x="connsiteX80" y="connsiteY80"/>
+              </a:cxn>
+              <a:cxn ang="0">
+                <a:pos x="connsiteX81" y="connsiteY81"/>
+              </a:cxn>
+              <a:cxn ang="0">
+                <a:pos x="connsiteX82" y="connsiteY82"/>
+              </a:cxn>
+            </a:cxnLst>
+            <a:rect l="l" t="t" r="r" b="b"/>
+            <a:pathLst>
+              <a:path w="5421085" h="3346131">
+                <a:moveTo>
+                  <a:pt x="0" y="3346131"/>
+                </a:moveTo>
+                <a:cubicBezTo>
+                  <a:pt x="7080" y="3321352"/>
+                  <a:pt x="26257" y="3250651"/>
+                  <a:pt x="37322" y="3224833"/>
+                </a:cubicBezTo>
+                <a:cubicBezTo>
+                  <a:pt x="48280" y="3199264"/>
+                  <a:pt x="62204" y="3175070"/>
+                  <a:pt x="74645" y="3150189"/>
+                </a:cubicBezTo>
+                <a:cubicBezTo>
+                  <a:pt x="109499" y="2993344"/>
+                  <a:pt x="72229" y="3139762"/>
+                  <a:pt x="130628" y="2972907"/>
+                </a:cubicBezTo>
+                <a:cubicBezTo>
+                  <a:pt x="141355" y="2942259"/>
+                  <a:pt x="148352" y="2910406"/>
+                  <a:pt x="158620" y="2879601"/>
+                </a:cubicBezTo>
+                <a:cubicBezTo>
+                  <a:pt x="170132" y="2845065"/>
+                  <a:pt x="185942" y="2811967"/>
+                  <a:pt x="195943" y="2776964"/>
+                </a:cubicBezTo>
+                <a:cubicBezTo>
+                  <a:pt x="204657" y="2746466"/>
+                  <a:pt x="205053" y="2713904"/>
+                  <a:pt x="214604" y="2683658"/>
+                </a:cubicBezTo>
+                <a:cubicBezTo>
+                  <a:pt x="223828" y="2654448"/>
+                  <a:pt x="241062" y="2628323"/>
+                  <a:pt x="251926" y="2599682"/>
+                </a:cubicBezTo>
+                <a:cubicBezTo>
+                  <a:pt x="275299" y="2538062"/>
+                  <a:pt x="301257" y="2477006"/>
+                  <a:pt x="317241" y="2413070"/>
+                </a:cubicBezTo>
+                <a:cubicBezTo>
+                  <a:pt x="350905" y="2278413"/>
+                  <a:pt x="318764" y="2398865"/>
+                  <a:pt x="363894" y="2254450"/>
+                </a:cubicBezTo>
+                <a:cubicBezTo>
+                  <a:pt x="382869" y="2193731"/>
+                  <a:pt x="385549" y="2167657"/>
+                  <a:pt x="410547" y="2105160"/>
+                </a:cubicBezTo>
+                <a:cubicBezTo>
+                  <a:pt x="418296" y="2085788"/>
+                  <a:pt x="431048" y="2068649"/>
+                  <a:pt x="438538" y="2049176"/>
+                </a:cubicBezTo>
+                <a:cubicBezTo>
+                  <a:pt x="446666" y="2028043"/>
+                  <a:pt x="446357" y="2003740"/>
+                  <a:pt x="457200" y="1983862"/>
+                </a:cubicBezTo>
+                <a:cubicBezTo>
+                  <a:pt x="465625" y="1968417"/>
+                  <a:pt x="483720" y="1960428"/>
+                  <a:pt x="494522" y="1946540"/>
+                </a:cubicBezTo>
+                <a:cubicBezTo>
+                  <a:pt x="505656" y="1932225"/>
+                  <a:pt x="512454" y="1914977"/>
+                  <a:pt x="522514" y="1899887"/>
+                </a:cubicBezTo>
+                <a:cubicBezTo>
+                  <a:pt x="531140" y="1886948"/>
+                  <a:pt x="541588" y="1875304"/>
+                  <a:pt x="550506" y="1862564"/>
+                </a:cubicBezTo>
+                <a:cubicBezTo>
+                  <a:pt x="563367" y="1844190"/>
+                  <a:pt x="575387" y="1825241"/>
+                  <a:pt x="587828" y="1806580"/>
+                </a:cubicBezTo>
+                <a:cubicBezTo>
+                  <a:pt x="594048" y="1797250"/>
+                  <a:pt x="597159" y="1784809"/>
+                  <a:pt x="606489" y="1778589"/>
+                </a:cubicBezTo>
+                <a:cubicBezTo>
+                  <a:pt x="615820" y="1772368"/>
+                  <a:pt x="625724" y="1766932"/>
+                  <a:pt x="634481" y="1759927"/>
+                </a:cubicBezTo>
+                <a:cubicBezTo>
+                  <a:pt x="641350" y="1754432"/>
+                  <a:pt x="645823" y="1746146"/>
+                  <a:pt x="653143" y="1741266"/>
+                </a:cubicBezTo>
+                <a:cubicBezTo>
+                  <a:pt x="682418" y="1721750"/>
+                  <a:pt x="694965" y="1721480"/>
+                  <a:pt x="727787" y="1713274"/>
+                </a:cubicBezTo>
+                <a:cubicBezTo>
+                  <a:pt x="758889" y="1716384"/>
+                  <a:pt x="790977" y="1714239"/>
+                  <a:pt x="821094" y="1722605"/>
+                </a:cubicBezTo>
+                <a:cubicBezTo>
+                  <a:pt x="894707" y="1743053"/>
+                  <a:pt x="889597" y="1766188"/>
+                  <a:pt x="951722" y="1797250"/>
+                </a:cubicBezTo>
+                <a:cubicBezTo>
+                  <a:pt x="986673" y="1814725"/>
+                  <a:pt x="1017505" y="1817052"/>
+                  <a:pt x="1054359" y="1825242"/>
+                </a:cubicBezTo>
+                <a:cubicBezTo>
+                  <a:pt x="1066877" y="1828024"/>
+                  <a:pt x="1079240" y="1831462"/>
+                  <a:pt x="1091681" y="1834572"/>
+                </a:cubicBezTo>
+                <a:cubicBezTo>
+                  <a:pt x="1144813" y="1814647"/>
+                  <a:pt x="1175672" y="1811894"/>
+                  <a:pt x="1212979" y="1769258"/>
+                </a:cubicBezTo>
+                <a:cubicBezTo>
+                  <a:pt x="1222139" y="1758790"/>
+                  <a:pt x="1221805" y="1741771"/>
+                  <a:pt x="1231641" y="1731935"/>
+                </a:cubicBezTo>
+                <a:cubicBezTo>
+                  <a:pt x="1247500" y="1716076"/>
+                  <a:pt x="1267564" y="1704643"/>
+                  <a:pt x="1287624" y="1694613"/>
+                </a:cubicBezTo>
+                <a:lnTo>
+                  <a:pt x="1362269" y="1657291"/>
+                </a:lnTo>
+                <a:cubicBezTo>
+                  <a:pt x="1374710" y="1644850"/>
+                  <a:pt x="1394029" y="1636659"/>
+                  <a:pt x="1399592" y="1619968"/>
+                </a:cubicBezTo>
+                <a:cubicBezTo>
+                  <a:pt x="1402702" y="1610637"/>
+                  <a:pt x="1402626" y="1599532"/>
+                  <a:pt x="1408922" y="1591976"/>
+                </a:cubicBezTo>
+                <a:cubicBezTo>
+                  <a:pt x="1429194" y="1567649"/>
+                  <a:pt x="1457538" y="1560197"/>
+                  <a:pt x="1483567" y="1545323"/>
+                </a:cubicBezTo>
+                <a:cubicBezTo>
+                  <a:pt x="1493304" y="1539759"/>
+                  <a:pt x="1500920" y="1530208"/>
+                  <a:pt x="1511559" y="1526662"/>
+                </a:cubicBezTo>
+                <a:cubicBezTo>
+                  <a:pt x="1529507" y="1520679"/>
+                  <a:pt x="1548992" y="1521041"/>
+                  <a:pt x="1567543" y="1517331"/>
+                </a:cubicBezTo>
+                <a:cubicBezTo>
+                  <a:pt x="1675345" y="1495771"/>
+                  <a:pt x="1493608" y="1516560"/>
+                  <a:pt x="1726163" y="1498670"/>
+                </a:cubicBezTo>
+                <a:cubicBezTo>
+                  <a:pt x="1740798" y="1491352"/>
+                  <a:pt x="1778290" y="1474535"/>
+                  <a:pt x="1791477" y="1461348"/>
+                </a:cubicBezTo>
+                <a:cubicBezTo>
+                  <a:pt x="1799406" y="1453419"/>
+                  <a:pt x="1802959" y="1441971"/>
+                  <a:pt x="1810138" y="1433356"/>
+                </a:cubicBezTo>
+                <a:cubicBezTo>
+                  <a:pt x="1844070" y="1392637"/>
+                  <a:pt x="1836171" y="1417960"/>
+                  <a:pt x="1866122" y="1368042"/>
+                </a:cubicBezTo>
+                <a:cubicBezTo>
+                  <a:pt x="1876856" y="1350151"/>
+                  <a:pt x="1884222" y="1330428"/>
+                  <a:pt x="1894114" y="1312058"/>
+                </a:cubicBezTo>
+                <a:cubicBezTo>
+                  <a:pt x="1906002" y="1289980"/>
+                  <a:pt x="1919636" y="1268869"/>
+                  <a:pt x="1931436" y="1246744"/>
+                </a:cubicBezTo>
+                <a:cubicBezTo>
+                  <a:pt x="1944527" y="1222198"/>
+                  <a:pt x="1955668" y="1196645"/>
+                  <a:pt x="1968759" y="1172099"/>
+                </a:cubicBezTo>
+                <a:cubicBezTo>
+                  <a:pt x="1980559" y="1149974"/>
+                  <a:pt x="1996203" y="1129832"/>
+                  <a:pt x="2006081" y="1106784"/>
+                </a:cubicBezTo>
+                <a:cubicBezTo>
+                  <a:pt x="2015000" y="1085972"/>
+                  <a:pt x="2015956" y="1062338"/>
+                  <a:pt x="2024743" y="1041470"/>
+                </a:cubicBezTo>
+                <a:cubicBezTo>
+                  <a:pt x="2030834" y="1027004"/>
+                  <a:pt x="2072336" y="935324"/>
+                  <a:pt x="2099387" y="901511"/>
+                </a:cubicBezTo>
+                <a:cubicBezTo>
+                  <a:pt x="2104883" y="894642"/>
+                  <a:pt x="2110506" y="887376"/>
+                  <a:pt x="2118049" y="882850"/>
+                </a:cubicBezTo>
+                <a:cubicBezTo>
+                  <a:pt x="2147518" y="865169"/>
+                  <a:pt x="2185384" y="845825"/>
+                  <a:pt x="2220685" y="836197"/>
+                </a:cubicBezTo>
+                <a:cubicBezTo>
+                  <a:pt x="2245429" y="829449"/>
+                  <a:pt x="2270448" y="823755"/>
+                  <a:pt x="2295330" y="817535"/>
+                </a:cubicBezTo>
+                <a:cubicBezTo>
+                  <a:pt x="2384778" y="795173"/>
+                  <a:pt x="2273890" y="824683"/>
+                  <a:pt x="2379306" y="789544"/>
+                </a:cubicBezTo>
+                <a:cubicBezTo>
+                  <a:pt x="2482932" y="755002"/>
+                  <a:pt x="2332029" y="815622"/>
+                  <a:pt x="2472612" y="761552"/>
+                </a:cubicBezTo>
+                <a:cubicBezTo>
+                  <a:pt x="2494720" y="753049"/>
+                  <a:pt x="2515818" y="742063"/>
+                  <a:pt x="2537926" y="733560"/>
+                </a:cubicBezTo>
+                <a:cubicBezTo>
+                  <a:pt x="2575220" y="719216"/>
+                  <a:pt x="2621235" y="707092"/>
+                  <a:pt x="2659224" y="696238"/>
+                </a:cubicBezTo>
+                <a:cubicBezTo>
+                  <a:pt x="2680995" y="683797"/>
+                  <a:pt x="2701771" y="669423"/>
+                  <a:pt x="2724538" y="658915"/>
+                </a:cubicBezTo>
+                <a:cubicBezTo>
+                  <a:pt x="2742398" y="650672"/>
+                  <a:pt x="2762928" y="649051"/>
+                  <a:pt x="2780522" y="640254"/>
+                </a:cubicBezTo>
+                <a:cubicBezTo>
+                  <a:pt x="2800582" y="630224"/>
+                  <a:pt x="2817133" y="614232"/>
+                  <a:pt x="2836506" y="602931"/>
+                </a:cubicBezTo>
+                <a:cubicBezTo>
+                  <a:pt x="2854528" y="592418"/>
+                  <a:pt x="2873828" y="584270"/>
+                  <a:pt x="2892489" y="574940"/>
+                </a:cubicBezTo>
+                <a:cubicBezTo>
+                  <a:pt x="2904930" y="562499"/>
+                  <a:pt x="2916453" y="549067"/>
+                  <a:pt x="2929812" y="537617"/>
+                </a:cubicBezTo>
+                <a:cubicBezTo>
+                  <a:pt x="2938326" y="530319"/>
+                  <a:pt x="2949875" y="526885"/>
+                  <a:pt x="2957804" y="518956"/>
+                </a:cubicBezTo>
+                <a:cubicBezTo>
+                  <a:pt x="2991574" y="485186"/>
+                  <a:pt x="2958246" y="493631"/>
+                  <a:pt x="3004457" y="472303"/>
+                </a:cubicBezTo>
+                <a:cubicBezTo>
+                  <a:pt x="3034872" y="458265"/>
+                  <a:pt x="3064721" y="440487"/>
+                  <a:pt x="3097763" y="434980"/>
+                </a:cubicBezTo>
+                <a:cubicBezTo>
+                  <a:pt x="3225373" y="413712"/>
+                  <a:pt x="3172628" y="423739"/>
+                  <a:pt x="3256383" y="406989"/>
+                </a:cubicBezTo>
+                <a:cubicBezTo>
+                  <a:pt x="3422521" y="323920"/>
+                  <a:pt x="3194740" y="433512"/>
+                  <a:pt x="3377681" y="360335"/>
+                </a:cubicBezTo>
+                <a:cubicBezTo>
+                  <a:pt x="3403510" y="350003"/>
+                  <a:pt x="3427068" y="334670"/>
+                  <a:pt x="3452326" y="323013"/>
+                </a:cubicBezTo>
+                <a:cubicBezTo>
+                  <a:pt x="3467533" y="315994"/>
+                  <a:pt x="3483998" y="311842"/>
+                  <a:pt x="3498979" y="304352"/>
+                </a:cubicBezTo>
+                <a:cubicBezTo>
+                  <a:pt x="3571417" y="268133"/>
+                  <a:pt x="3520448" y="287435"/>
+                  <a:pt x="3582955" y="248368"/>
+                </a:cubicBezTo>
+                <a:cubicBezTo>
+                  <a:pt x="3594750" y="240996"/>
+                  <a:pt x="3608201" y="236608"/>
+                  <a:pt x="3620277" y="229707"/>
+                </a:cubicBezTo>
+                <a:cubicBezTo>
+                  <a:pt x="3654728" y="210021"/>
+                  <a:pt x="3644583" y="207762"/>
+                  <a:pt x="3685592" y="192384"/>
+                </a:cubicBezTo>
+                <a:cubicBezTo>
+                  <a:pt x="3697599" y="187881"/>
+                  <a:pt x="3710297" y="185348"/>
+                  <a:pt x="3722914" y="183054"/>
+                </a:cubicBezTo>
+                <a:cubicBezTo>
+                  <a:pt x="3823478" y="164770"/>
+                  <a:pt x="3897751" y="169160"/>
+                  <a:pt x="4012163" y="164393"/>
+                </a:cubicBezTo>
+                <a:cubicBezTo>
+                  <a:pt x="4120381" y="146356"/>
+                  <a:pt x="4014171" y="166224"/>
+                  <a:pt x="4133461" y="136401"/>
+                </a:cubicBezTo>
+                <a:cubicBezTo>
+                  <a:pt x="4159554" y="129878"/>
+                  <a:pt x="4211127" y="121901"/>
+                  <a:pt x="4236098" y="117740"/>
+                </a:cubicBezTo>
+                <a:cubicBezTo>
+                  <a:pt x="4366726" y="123960"/>
+                  <a:pt x="4497607" y="126176"/>
+                  <a:pt x="4627983" y="136401"/>
+                </a:cubicBezTo>
+                <a:cubicBezTo>
+                  <a:pt x="4656570" y="138643"/>
+                  <a:pt x="4683775" y="149778"/>
+                  <a:pt x="4711959" y="155062"/>
+                </a:cubicBezTo>
+                <a:cubicBezTo>
+                  <a:pt x="4733575" y="159115"/>
+                  <a:pt x="4755580" y="160778"/>
+                  <a:pt x="4777273" y="164393"/>
+                </a:cubicBezTo>
+                <a:cubicBezTo>
+                  <a:pt x="4792916" y="167000"/>
+                  <a:pt x="4808375" y="170613"/>
+                  <a:pt x="4823926" y="173723"/>
+                </a:cubicBezTo>
+                <a:cubicBezTo>
+                  <a:pt x="4853025" y="171645"/>
+                  <a:pt x="4963674" y="167843"/>
+                  <a:pt x="5010538" y="155062"/>
+                </a:cubicBezTo>
+                <a:cubicBezTo>
+                  <a:pt x="5026697" y="150655"/>
+                  <a:pt x="5041451" y="142125"/>
+                  <a:pt x="5057192" y="136401"/>
+                </a:cubicBezTo>
+                <a:cubicBezTo>
+                  <a:pt x="5075678" y="129679"/>
+                  <a:pt x="5094198" y="122916"/>
+                  <a:pt x="5113175" y="117740"/>
+                </a:cubicBezTo>
+                <a:cubicBezTo>
+                  <a:pt x="5160506" y="104831"/>
+                  <a:pt x="5161733" y="114608"/>
+                  <a:pt x="5206481" y="89748"/>
+                </a:cubicBezTo>
+                <a:cubicBezTo>
+                  <a:pt x="5220075" y="82196"/>
+                  <a:pt x="5231149" y="70795"/>
+                  <a:pt x="5243804" y="61756"/>
+                </a:cubicBezTo>
+                <a:cubicBezTo>
+                  <a:pt x="5252929" y="55238"/>
+                  <a:pt x="5262465" y="49315"/>
+                  <a:pt x="5271796" y="43095"/>
+                </a:cubicBezTo>
+                <a:cubicBezTo>
+                  <a:pt x="5281126" y="30654"/>
+                  <a:pt x="5284892" y="10241"/>
+                  <a:pt x="5299787" y="5772"/>
+                </a:cubicBezTo>
+                <a:cubicBezTo>
+                  <a:pt x="5368191" y="-14749"/>
+                  <a:pt x="5352186" y="25391"/>
+                  <a:pt x="5402424" y="33764"/>
+                </a:cubicBezTo>
+                <a:cubicBezTo>
+                  <a:pt x="5409284" y="34907"/>
+                  <a:pt x="5414865" y="27543"/>
+                  <a:pt x="5421085" y="24433"/>
+                </a:cubicBezTo>
+              </a:path>
+            </a:pathLst>
+          </a:custGeom>
+          <a:noFill/>
+        </p:spPr>
+        <p:style>
+          <a:lnRef idx="2">
+            <a:schemeClr val="accent1">
+              <a:shade val="50000"/>
+            </a:schemeClr>
+          </a:lnRef>
+          <a:fillRef idx="1">
+            <a:schemeClr val="accent1"/>
+          </a:fillRef>
+          <a:effectRef idx="0">
+            <a:schemeClr val="accent1"/>
+          </a:effectRef>
+          <a:fontRef idx="minor">
+            <a:schemeClr val="lt1"/>
+          </a:fontRef>
+        </p:style>
+        <p:txBody>
+          <a:bodyPr rtlCol="0" anchor="ctr"/>
+          <a:lstStyle/>
+          <a:p>
+            <a:pPr algn="ctr"/>
+            <a:endParaRPr lang="ru-RU"/>
+          </a:p>
+        </p:txBody>
+      </p:sp>
+      <p:sp>
+        <p:nvSpPr>
+          <p:cNvPr id="8" name="Полилиния: фигура 7">
+            <a:extLst>
+              <a:ext uri="{FF2B5EF4-FFF2-40B4-BE49-F238E27FC236}">
+                <a16:creationId xmlns:a16="http://schemas.microsoft.com/office/drawing/2014/main" id="{6B8A4220-99C1-4F82-8F66-DB195EC9EDCB}"/>
+              </a:ext>
+            </a:extLst>
+          </p:cNvPr>
+          <p:cNvSpPr/>
+          <p:nvPr/>
+        </p:nvSpPr>
+        <p:spPr>
+          <a:xfrm>
+            <a:off x="3284376" y="1744753"/>
+            <a:ext cx="5924938" cy="4077549"/>
+          </a:xfrm>
+          <a:custGeom>
+            <a:avLst/>
+            <a:gdLst>
+              <a:gd name="connsiteX0" fmla="*/ 0 w 5924938"/>
+              <a:gd name="connsiteY0" fmla="*/ 4077549 h 4077549"/>
+              <a:gd name="connsiteX1" fmla="*/ 18661 w 5924938"/>
+              <a:gd name="connsiteY1" fmla="*/ 3611018 h 4077549"/>
+              <a:gd name="connsiteX2" fmla="*/ 46653 w 5924938"/>
+              <a:gd name="connsiteY2" fmla="*/ 3545704 h 4077549"/>
+              <a:gd name="connsiteX3" fmla="*/ 65314 w 5924938"/>
+              <a:gd name="connsiteY3" fmla="*/ 3480390 h 4077549"/>
+              <a:gd name="connsiteX4" fmla="*/ 74644 w 5924938"/>
+              <a:gd name="connsiteY4" fmla="*/ 3424406 h 4077549"/>
+              <a:gd name="connsiteX5" fmla="*/ 93306 w 5924938"/>
+              <a:gd name="connsiteY5" fmla="*/ 3387084 h 4077549"/>
+              <a:gd name="connsiteX6" fmla="*/ 139959 w 5924938"/>
+              <a:gd name="connsiteY6" fmla="*/ 3284447 h 4077549"/>
+              <a:gd name="connsiteX7" fmla="*/ 279918 w 5924938"/>
+              <a:gd name="connsiteY7" fmla="*/ 3135157 h 4077549"/>
+              <a:gd name="connsiteX8" fmla="*/ 429208 w 5924938"/>
+              <a:gd name="connsiteY8" fmla="*/ 3079174 h 4077549"/>
+              <a:gd name="connsiteX9" fmla="*/ 513183 w 5924938"/>
+              <a:gd name="connsiteY9" fmla="*/ 3069843 h 4077549"/>
+              <a:gd name="connsiteX10" fmla="*/ 578497 w 5924938"/>
+              <a:gd name="connsiteY10" fmla="*/ 3060512 h 4077549"/>
+              <a:gd name="connsiteX11" fmla="*/ 811763 w 5924938"/>
+              <a:gd name="connsiteY11" fmla="*/ 3116496 h 4077549"/>
+              <a:gd name="connsiteX12" fmla="*/ 923730 w 5924938"/>
+              <a:gd name="connsiteY12" fmla="*/ 3200471 h 4077549"/>
+              <a:gd name="connsiteX13" fmla="*/ 1166326 w 5924938"/>
+              <a:gd name="connsiteY13" fmla="*/ 3340431 h 4077549"/>
+              <a:gd name="connsiteX14" fmla="*/ 1408922 w 5924938"/>
+              <a:gd name="connsiteY14" fmla="*/ 3415076 h 4077549"/>
+              <a:gd name="connsiteX15" fmla="*/ 1492897 w 5924938"/>
+              <a:gd name="connsiteY15" fmla="*/ 3424406 h 4077549"/>
+              <a:gd name="connsiteX16" fmla="*/ 1567542 w 5924938"/>
+              <a:gd name="connsiteY16" fmla="*/ 3433737 h 4077549"/>
+              <a:gd name="connsiteX17" fmla="*/ 1987420 w 5924938"/>
+              <a:gd name="connsiteY17" fmla="*/ 3424406 h 4077549"/>
+              <a:gd name="connsiteX18" fmla="*/ 2071395 w 5924938"/>
+              <a:gd name="connsiteY18" fmla="*/ 3405745 h 4077549"/>
+              <a:gd name="connsiteX19" fmla="*/ 2099387 w 5924938"/>
+              <a:gd name="connsiteY19" fmla="*/ 3387084 h 4077549"/>
+              <a:gd name="connsiteX20" fmla="*/ 2183363 w 5924938"/>
+              <a:gd name="connsiteY20" fmla="*/ 3349761 h 4077549"/>
+              <a:gd name="connsiteX21" fmla="*/ 2220685 w 5924938"/>
+              <a:gd name="connsiteY21" fmla="*/ 3340431 h 4077549"/>
+              <a:gd name="connsiteX22" fmla="*/ 2248677 w 5924938"/>
+              <a:gd name="connsiteY22" fmla="*/ 3331100 h 4077549"/>
+              <a:gd name="connsiteX23" fmla="*/ 2705877 w 5924938"/>
+              <a:gd name="connsiteY23" fmla="*/ 3321769 h 4077549"/>
+              <a:gd name="connsiteX24" fmla="*/ 3060440 w 5924938"/>
+              <a:gd name="connsiteY24" fmla="*/ 3312439 h 4077549"/>
+              <a:gd name="connsiteX25" fmla="*/ 3097763 w 5924938"/>
+              <a:gd name="connsiteY25" fmla="*/ 3303108 h 4077549"/>
+              <a:gd name="connsiteX26" fmla="*/ 3153746 w 5924938"/>
+              <a:gd name="connsiteY26" fmla="*/ 3284447 h 4077549"/>
+              <a:gd name="connsiteX27" fmla="*/ 3200400 w 5924938"/>
+              <a:gd name="connsiteY27" fmla="*/ 3275116 h 4077549"/>
+              <a:gd name="connsiteX28" fmla="*/ 3256383 w 5924938"/>
+              <a:gd name="connsiteY28" fmla="*/ 3247125 h 4077549"/>
+              <a:gd name="connsiteX29" fmla="*/ 3321697 w 5924938"/>
+              <a:gd name="connsiteY29" fmla="*/ 3228463 h 4077549"/>
+              <a:gd name="connsiteX30" fmla="*/ 3424334 w 5924938"/>
+              <a:gd name="connsiteY30" fmla="*/ 3181810 h 4077549"/>
+              <a:gd name="connsiteX31" fmla="*/ 3461657 w 5924938"/>
+              <a:gd name="connsiteY31" fmla="*/ 3163149 h 4077549"/>
+              <a:gd name="connsiteX32" fmla="*/ 3508310 w 5924938"/>
+              <a:gd name="connsiteY32" fmla="*/ 3144488 h 4077549"/>
+              <a:gd name="connsiteX33" fmla="*/ 3554963 w 5924938"/>
+              <a:gd name="connsiteY33" fmla="*/ 3088504 h 4077549"/>
+              <a:gd name="connsiteX34" fmla="*/ 3573624 w 5924938"/>
+              <a:gd name="connsiteY34" fmla="*/ 3013859 h 4077549"/>
+              <a:gd name="connsiteX35" fmla="*/ 3582955 w 5924938"/>
+              <a:gd name="connsiteY35" fmla="*/ 2976537 h 4077549"/>
+              <a:gd name="connsiteX36" fmla="*/ 3610946 w 5924938"/>
+              <a:gd name="connsiteY36" fmla="*/ 2855239 h 4077549"/>
+              <a:gd name="connsiteX37" fmla="*/ 3629608 w 5924938"/>
+              <a:gd name="connsiteY37" fmla="*/ 2836578 h 4077549"/>
+              <a:gd name="connsiteX38" fmla="*/ 3638938 w 5924938"/>
+              <a:gd name="connsiteY38" fmla="*/ 2733941 h 4077549"/>
+              <a:gd name="connsiteX39" fmla="*/ 3657600 w 5924938"/>
+              <a:gd name="connsiteY39" fmla="*/ 2659296 h 4077549"/>
+              <a:gd name="connsiteX40" fmla="*/ 3666930 w 5924938"/>
+              <a:gd name="connsiteY40" fmla="*/ 2612643 h 4077549"/>
+              <a:gd name="connsiteX41" fmla="*/ 3694922 w 5924938"/>
+              <a:gd name="connsiteY41" fmla="*/ 2286071 h 4077549"/>
+              <a:gd name="connsiteX42" fmla="*/ 3834881 w 5924938"/>
+              <a:gd name="connsiteY42" fmla="*/ 2295402 h 4077549"/>
+              <a:gd name="connsiteX43" fmla="*/ 4040155 w 5924938"/>
+              <a:gd name="connsiteY43" fmla="*/ 2314063 h 4077549"/>
+              <a:gd name="connsiteX44" fmla="*/ 4292081 w 5924938"/>
+              <a:gd name="connsiteY44" fmla="*/ 2295402 h 4077549"/>
+              <a:gd name="connsiteX45" fmla="*/ 4348065 w 5924938"/>
+              <a:gd name="connsiteY45" fmla="*/ 2164774 h 4077549"/>
+              <a:gd name="connsiteX46" fmla="*/ 4357395 w 5924938"/>
+              <a:gd name="connsiteY46" fmla="*/ 2127451 h 4077549"/>
+              <a:gd name="connsiteX47" fmla="*/ 4404048 w 5924938"/>
+              <a:gd name="connsiteY47" fmla="*/ 2024814 h 4077549"/>
+              <a:gd name="connsiteX48" fmla="*/ 4422710 w 5924938"/>
+              <a:gd name="connsiteY48" fmla="*/ 1987492 h 4077549"/>
+              <a:gd name="connsiteX49" fmla="*/ 4441371 w 5924938"/>
+              <a:gd name="connsiteY49" fmla="*/ 1931508 h 4077549"/>
+              <a:gd name="connsiteX50" fmla="*/ 4450702 w 5924938"/>
+              <a:gd name="connsiteY50" fmla="*/ 1903516 h 4077549"/>
+              <a:gd name="connsiteX51" fmla="*/ 4478693 w 5924938"/>
+              <a:gd name="connsiteY51" fmla="*/ 1838202 h 4077549"/>
+              <a:gd name="connsiteX52" fmla="*/ 4497355 w 5924938"/>
+              <a:gd name="connsiteY52" fmla="*/ 1819541 h 4077549"/>
+              <a:gd name="connsiteX53" fmla="*/ 4544008 w 5924938"/>
+              <a:gd name="connsiteY53" fmla="*/ 1660920 h 4077549"/>
+              <a:gd name="connsiteX54" fmla="*/ 4553338 w 5924938"/>
+              <a:gd name="connsiteY54" fmla="*/ 1604937 h 4077549"/>
+              <a:gd name="connsiteX55" fmla="*/ 4581330 w 5924938"/>
+              <a:gd name="connsiteY55" fmla="*/ 1558284 h 4077549"/>
+              <a:gd name="connsiteX56" fmla="*/ 4627983 w 5924938"/>
+              <a:gd name="connsiteY56" fmla="*/ 1492969 h 4077549"/>
+              <a:gd name="connsiteX57" fmla="*/ 4665306 w 5924938"/>
+              <a:gd name="connsiteY57" fmla="*/ 1436986 h 4077549"/>
+              <a:gd name="connsiteX58" fmla="*/ 4674636 w 5924938"/>
+              <a:gd name="connsiteY58" fmla="*/ 1408994 h 4077549"/>
+              <a:gd name="connsiteX59" fmla="*/ 4702628 w 5924938"/>
+              <a:gd name="connsiteY59" fmla="*/ 1371671 h 4077549"/>
+              <a:gd name="connsiteX60" fmla="*/ 4749281 w 5924938"/>
+              <a:gd name="connsiteY60" fmla="*/ 1315688 h 4077549"/>
+              <a:gd name="connsiteX61" fmla="*/ 4795934 w 5924938"/>
+              <a:gd name="connsiteY61" fmla="*/ 1241043 h 4077549"/>
+              <a:gd name="connsiteX62" fmla="*/ 4851918 w 5924938"/>
+              <a:gd name="connsiteY62" fmla="*/ 1157067 h 4077549"/>
+              <a:gd name="connsiteX63" fmla="*/ 4861248 w 5924938"/>
+              <a:gd name="connsiteY63" fmla="*/ 1129076 h 4077549"/>
+              <a:gd name="connsiteX64" fmla="*/ 4907902 w 5924938"/>
+              <a:gd name="connsiteY64" fmla="*/ 1073092 h 4077549"/>
+              <a:gd name="connsiteX65" fmla="*/ 4935893 w 5924938"/>
+              <a:gd name="connsiteY65" fmla="*/ 1054431 h 4077549"/>
+              <a:gd name="connsiteX66" fmla="*/ 4973216 w 5924938"/>
+              <a:gd name="connsiteY66" fmla="*/ 1026439 h 4077549"/>
+              <a:gd name="connsiteX67" fmla="*/ 4991877 w 5924938"/>
+              <a:gd name="connsiteY67" fmla="*/ 979786 h 4077549"/>
+              <a:gd name="connsiteX68" fmla="*/ 5029200 w 5924938"/>
+              <a:gd name="connsiteY68" fmla="*/ 905141 h 4077549"/>
+              <a:gd name="connsiteX69" fmla="*/ 5047861 w 5924938"/>
+              <a:gd name="connsiteY69" fmla="*/ 839827 h 4077549"/>
+              <a:gd name="connsiteX70" fmla="*/ 5057191 w 5924938"/>
+              <a:gd name="connsiteY70" fmla="*/ 793174 h 4077549"/>
+              <a:gd name="connsiteX71" fmla="*/ 5075853 w 5924938"/>
+              <a:gd name="connsiteY71" fmla="*/ 737190 h 4077549"/>
+              <a:gd name="connsiteX72" fmla="*/ 5085183 w 5924938"/>
+              <a:gd name="connsiteY72" fmla="*/ 699867 h 4077549"/>
+              <a:gd name="connsiteX73" fmla="*/ 5131836 w 5924938"/>
+              <a:gd name="connsiteY73" fmla="*/ 653214 h 4077549"/>
+              <a:gd name="connsiteX74" fmla="*/ 5159828 w 5924938"/>
+              <a:gd name="connsiteY74" fmla="*/ 615892 h 4077549"/>
+              <a:gd name="connsiteX75" fmla="*/ 5178489 w 5924938"/>
+              <a:gd name="connsiteY75" fmla="*/ 541247 h 4077549"/>
+              <a:gd name="connsiteX76" fmla="*/ 5187820 w 5924938"/>
+              <a:gd name="connsiteY76" fmla="*/ 289320 h 4077549"/>
+              <a:gd name="connsiteX77" fmla="*/ 5271795 w 5924938"/>
+              <a:gd name="connsiteY77" fmla="*/ 242667 h 4077549"/>
+              <a:gd name="connsiteX78" fmla="*/ 5309118 w 5924938"/>
+              <a:gd name="connsiteY78" fmla="*/ 224006 h 4077549"/>
+              <a:gd name="connsiteX79" fmla="*/ 5365102 w 5924938"/>
+              <a:gd name="connsiteY79" fmla="*/ 205345 h 4077549"/>
+              <a:gd name="connsiteX80" fmla="*/ 5393093 w 5924938"/>
+              <a:gd name="connsiteY80" fmla="*/ 186684 h 4077549"/>
+              <a:gd name="connsiteX81" fmla="*/ 5449077 w 5924938"/>
+              <a:gd name="connsiteY81" fmla="*/ 177353 h 4077549"/>
+              <a:gd name="connsiteX82" fmla="*/ 5477069 w 5924938"/>
+              <a:gd name="connsiteY82" fmla="*/ 168023 h 4077549"/>
+              <a:gd name="connsiteX83" fmla="*/ 5570375 w 5924938"/>
+              <a:gd name="connsiteY83" fmla="*/ 158692 h 4077549"/>
+              <a:gd name="connsiteX84" fmla="*/ 5617028 w 5924938"/>
+              <a:gd name="connsiteY84" fmla="*/ 140031 h 4077549"/>
+              <a:gd name="connsiteX85" fmla="*/ 5654351 w 5924938"/>
+              <a:gd name="connsiteY85" fmla="*/ 121369 h 4077549"/>
+              <a:gd name="connsiteX86" fmla="*/ 5691673 w 5924938"/>
+              <a:gd name="connsiteY86" fmla="*/ 112039 h 4077549"/>
+              <a:gd name="connsiteX87" fmla="*/ 5784979 w 5924938"/>
+              <a:gd name="connsiteY87" fmla="*/ 56055 h 4077549"/>
+              <a:gd name="connsiteX88" fmla="*/ 5822302 w 5924938"/>
+              <a:gd name="connsiteY88" fmla="*/ 37394 h 4077549"/>
+              <a:gd name="connsiteX89" fmla="*/ 5868955 w 5924938"/>
+              <a:gd name="connsiteY89" fmla="*/ 9402 h 4077549"/>
+              <a:gd name="connsiteX90" fmla="*/ 5924938 w 5924938"/>
+              <a:gd name="connsiteY90" fmla="*/ 71 h 4077549"/>
+            </a:gdLst>
+            <a:ahLst/>
+            <a:cxnLst>
+              <a:cxn ang="0">
+                <a:pos x="connsiteX0" y="connsiteY0"/>
+              </a:cxn>
+              <a:cxn ang="0">
+                <a:pos x="connsiteX1" y="connsiteY1"/>
+              </a:cxn>
+              <a:cxn ang="0">
+                <a:pos x="connsiteX2" y="connsiteY2"/>
+              </a:cxn>
+              <a:cxn ang="0">
+                <a:pos x="connsiteX3" y="connsiteY3"/>
+              </a:cxn>
+              <a:cxn ang="0">
+                <a:pos x="connsiteX4" y="connsiteY4"/>
+              </a:cxn>
+              <a:cxn ang="0">
+                <a:pos x="connsiteX5" y="connsiteY5"/>
+              </a:cxn>
+              <a:cxn ang="0">
+                <a:pos x="connsiteX6" y="connsiteY6"/>
+              </a:cxn>
+              <a:cxn ang="0">
+                <a:pos x="connsiteX7" y="connsiteY7"/>
+              </a:cxn>
+              <a:cxn ang="0">
+                <a:pos x="connsiteX8" y="connsiteY8"/>
+              </a:cxn>
+              <a:cxn ang="0">
+                <a:pos x="connsiteX9" y="connsiteY9"/>
+              </a:cxn>
+              <a:cxn ang="0">
+                <a:pos x="connsiteX10" y="connsiteY10"/>
+              </a:cxn>
+              <a:cxn ang="0">
+                <a:pos x="connsiteX11" y="connsiteY11"/>
+              </a:cxn>
+              <a:cxn ang="0">
+                <a:pos x="connsiteX12" y="connsiteY12"/>
+              </a:cxn>
+              <a:cxn ang="0">
+                <a:pos x="connsiteX13" y="connsiteY13"/>
+              </a:cxn>
+              <a:cxn ang="0">
+                <a:pos x="connsiteX14" y="connsiteY14"/>
+              </a:cxn>
+              <a:cxn ang="0">
+                <a:pos x="connsiteX15" y="connsiteY15"/>
+              </a:cxn>
+              <a:cxn ang="0">
+                <a:pos x="connsiteX16" y="connsiteY16"/>
+              </a:cxn>
+              <a:cxn ang="0">
+                <a:pos x="connsiteX17" y="connsiteY17"/>
+              </a:cxn>
+              <a:cxn ang="0">
+                <a:pos x="connsiteX18" y="connsiteY18"/>
+              </a:cxn>
+              <a:cxn ang="0">
+                <a:pos x="connsiteX19" y="connsiteY19"/>
+              </a:cxn>
+              <a:cxn ang="0">
+                <a:pos x="connsiteX20" y="connsiteY20"/>
+              </a:cxn>
+              <a:cxn ang="0">
+                <a:pos x="connsiteX21" y="connsiteY21"/>
+              </a:cxn>
+              <a:cxn ang="0">
+                <a:pos x="connsiteX22" y="connsiteY22"/>
+              </a:cxn>
+              <a:cxn ang="0">
+                <a:pos x="connsiteX23" y="connsiteY23"/>
+              </a:cxn>
+              <a:cxn ang="0">
+                <a:pos x="connsiteX24" y="connsiteY24"/>
+              </a:cxn>
+              <a:cxn ang="0">
+                <a:pos x="connsiteX25" y="connsiteY25"/>
+              </a:cxn>
+              <a:cxn ang="0">
+                <a:pos x="connsiteX26" y="connsiteY26"/>
+              </a:cxn>
+              <a:cxn ang="0">
+                <a:pos x="connsiteX27" y="connsiteY27"/>
+              </a:cxn>
+              <a:cxn ang="0">
+                <a:pos x="connsiteX28" y="connsiteY28"/>
+              </a:cxn>
+              <a:cxn ang="0">
+                <a:pos x="connsiteX29" y="connsiteY29"/>
+              </a:cxn>
+              <a:cxn ang="0">
+                <a:pos x="connsiteX30" y="connsiteY30"/>
+              </a:cxn>
+              <a:cxn ang="0">
+                <a:pos x="connsiteX31" y="connsiteY31"/>
+              </a:cxn>
+              <a:cxn ang="0">
+                <a:pos x="connsiteX32" y="connsiteY32"/>
+              </a:cxn>
+              <a:cxn ang="0">
+                <a:pos x="connsiteX33" y="connsiteY33"/>
+              </a:cxn>
+              <a:cxn ang="0">
+                <a:pos x="connsiteX34" y="connsiteY34"/>
+              </a:cxn>
+              <a:cxn ang="0">
+                <a:pos x="connsiteX35" y="connsiteY35"/>
+              </a:cxn>
+              <a:cxn ang="0">
+                <a:pos x="connsiteX36" y="connsiteY36"/>
+              </a:cxn>
+              <a:cxn ang="0">
+                <a:pos x="connsiteX37" y="connsiteY37"/>
+              </a:cxn>
+              <a:cxn ang="0">
+                <a:pos x="connsiteX38" y="connsiteY38"/>
+              </a:cxn>
+              <a:cxn ang="0">
+                <a:pos x="connsiteX39" y="connsiteY39"/>
+              </a:cxn>
+              <a:cxn ang="0">
+                <a:pos x="connsiteX40" y="connsiteY40"/>
+              </a:cxn>
+              <a:cxn ang="0">
+                <a:pos x="connsiteX41" y="connsiteY41"/>
+              </a:cxn>
+              <a:cxn ang="0">
+                <a:pos x="connsiteX42" y="connsiteY42"/>
+              </a:cxn>
+              <a:cxn ang="0">
+                <a:pos x="connsiteX43" y="connsiteY43"/>
+              </a:cxn>
+              <a:cxn ang="0">
+                <a:pos x="connsiteX44" y="connsiteY44"/>
+              </a:cxn>
+              <a:cxn ang="0">
+                <a:pos x="connsiteX45" y="connsiteY45"/>
+              </a:cxn>
+              <a:cxn ang="0">
+                <a:pos x="connsiteX46" y="connsiteY46"/>
+              </a:cxn>
+              <a:cxn ang="0">
+                <a:pos x="connsiteX47" y="connsiteY47"/>
+              </a:cxn>
+              <a:cxn ang="0">
+                <a:pos x="connsiteX48" y="connsiteY48"/>
+              </a:cxn>
+              <a:cxn ang="0">
+                <a:pos x="connsiteX49" y="connsiteY49"/>
+              </a:cxn>
+              <a:cxn ang="0">
+                <a:pos x="connsiteX50" y="connsiteY50"/>
+              </a:cxn>
+              <a:cxn ang="0">
+                <a:pos x="connsiteX51" y="connsiteY51"/>
+              </a:cxn>
+              <a:cxn ang="0">
+                <a:pos x="connsiteX52" y="connsiteY52"/>
+              </a:cxn>
+              <a:cxn ang="0">
+                <a:pos x="connsiteX53" y="connsiteY53"/>
+              </a:cxn>
+              <a:cxn ang="0">
+                <a:pos x="connsiteX54" y="connsiteY54"/>
+              </a:cxn>
+              <a:cxn ang="0">
+                <a:pos x="connsiteX55" y="connsiteY55"/>
+              </a:cxn>
+              <a:cxn ang="0">
+                <a:pos x="connsiteX56" y="connsiteY56"/>
+              </a:cxn>
+              <a:cxn ang="0">
+                <a:pos x="connsiteX57" y="connsiteY57"/>
+              </a:cxn>
+              <a:cxn ang="0">
+                <a:pos x="connsiteX58" y="connsiteY58"/>
+              </a:cxn>
+              <a:cxn ang="0">
+                <a:pos x="connsiteX59" y="connsiteY59"/>
+              </a:cxn>
+              <a:cxn ang="0">
+                <a:pos x="connsiteX60" y="connsiteY60"/>
+              </a:cxn>
+              <a:cxn ang="0">
+                <a:pos x="connsiteX61" y="connsiteY61"/>
+              </a:cxn>
+              <a:cxn ang="0">
+                <a:pos x="connsiteX62" y="connsiteY62"/>
+              </a:cxn>
+              <a:cxn ang="0">
+                <a:pos x="connsiteX63" y="connsiteY63"/>
+              </a:cxn>
+              <a:cxn ang="0">
+                <a:pos x="connsiteX64" y="connsiteY64"/>
+              </a:cxn>
+              <a:cxn ang="0">
+                <a:pos x="connsiteX65" y="connsiteY65"/>
+              </a:cxn>
+              <a:cxn ang="0">
+                <a:pos x="connsiteX66" y="connsiteY66"/>
+              </a:cxn>
+              <a:cxn ang="0">
+                <a:pos x="connsiteX67" y="connsiteY67"/>
+              </a:cxn>
+              <a:cxn ang="0">
+                <a:pos x="connsiteX68" y="connsiteY68"/>
+              </a:cxn>
+              <a:cxn ang="0">
+                <a:pos x="connsiteX69" y="connsiteY69"/>
+              </a:cxn>
+              <a:cxn ang="0">
+                <a:pos x="connsiteX70" y="connsiteY70"/>
+              </a:cxn>
+              <a:cxn ang="0">
+                <a:pos x="connsiteX71" y="connsiteY71"/>
+              </a:cxn>
+              <a:cxn ang="0">
+                <a:pos x="connsiteX72" y="connsiteY72"/>
+              </a:cxn>
+              <a:cxn ang="0">
+                <a:pos x="connsiteX73" y="connsiteY73"/>
+              </a:cxn>
+              <a:cxn ang="0">
+                <a:pos x="connsiteX74" y="connsiteY74"/>
+              </a:cxn>
+              <a:cxn ang="0">
+                <a:pos x="connsiteX75" y="connsiteY75"/>
+              </a:cxn>
+              <a:cxn ang="0">
+                <a:pos x="connsiteX76" y="connsiteY76"/>
+              </a:cxn>
+              <a:cxn ang="0">
+                <a:pos x="connsiteX77" y="connsiteY77"/>
+              </a:cxn>
+              <a:cxn ang="0">
+                <a:pos x="connsiteX78" y="connsiteY78"/>
+              </a:cxn>
+              <a:cxn ang="0">
+                <a:pos x="connsiteX79" y="connsiteY79"/>
+              </a:cxn>
+              <a:cxn ang="0">
+                <a:pos x="connsiteX80" y="connsiteY80"/>
+              </a:cxn>
+              <a:cxn ang="0">
+                <a:pos x="connsiteX81" y="connsiteY81"/>
+              </a:cxn>
+              <a:cxn ang="0">
+                <a:pos x="connsiteX82" y="connsiteY82"/>
+              </a:cxn>
+              <a:cxn ang="0">
+                <a:pos x="connsiteX83" y="connsiteY83"/>
+              </a:cxn>
+              <a:cxn ang="0">
+                <a:pos x="connsiteX84" y="connsiteY84"/>
+              </a:cxn>
+              <a:cxn ang="0">
+                <a:pos x="connsiteX85" y="connsiteY85"/>
+              </a:cxn>
+              <a:cxn ang="0">
+                <a:pos x="connsiteX86" y="connsiteY86"/>
+              </a:cxn>
+              <a:cxn ang="0">
+                <a:pos x="connsiteX87" y="connsiteY87"/>
+              </a:cxn>
+              <a:cxn ang="0">
+                <a:pos x="connsiteX88" y="connsiteY88"/>
+              </a:cxn>
+              <a:cxn ang="0">
+                <a:pos x="connsiteX89" y="connsiteY89"/>
+              </a:cxn>
+              <a:cxn ang="0">
+                <a:pos x="connsiteX90" y="connsiteY90"/>
+              </a:cxn>
+            </a:cxnLst>
+            <a:rect l="l" t="t" r="r" b="b"/>
+            <a:pathLst>
+              <a:path w="5924938" h="4077549">
+                <a:moveTo>
+                  <a:pt x="0" y="4077549"/>
+                </a:moveTo>
+                <a:cubicBezTo>
+                  <a:pt x="41171" y="3871679"/>
+                  <a:pt x="-29756" y="4240433"/>
+                  <a:pt x="18661" y="3611018"/>
+                </a:cubicBezTo>
+                <a:cubicBezTo>
+                  <a:pt x="20478" y="3587401"/>
+                  <a:pt x="38686" y="3568011"/>
+                  <a:pt x="46653" y="3545704"/>
+                </a:cubicBezTo>
+                <a:cubicBezTo>
+                  <a:pt x="54269" y="3524381"/>
+                  <a:pt x="60223" y="3502453"/>
+                  <a:pt x="65314" y="3480390"/>
+                </a:cubicBezTo>
+                <a:cubicBezTo>
+                  <a:pt x="69568" y="3461956"/>
+                  <a:pt x="69208" y="3442527"/>
+                  <a:pt x="74644" y="3424406"/>
+                </a:cubicBezTo>
+                <a:cubicBezTo>
+                  <a:pt x="78641" y="3411083"/>
+                  <a:pt x="88140" y="3399998"/>
+                  <a:pt x="93306" y="3387084"/>
+                </a:cubicBezTo>
+                <a:cubicBezTo>
+                  <a:pt x="146339" y="3254504"/>
+                  <a:pt x="75445" y="3402723"/>
+                  <a:pt x="139959" y="3284447"/>
+                </a:cubicBezTo>
+                <a:cubicBezTo>
+                  <a:pt x="179739" y="3211518"/>
+                  <a:pt x="175066" y="3180094"/>
+                  <a:pt x="279918" y="3135157"/>
+                </a:cubicBezTo>
+                <a:cubicBezTo>
+                  <a:pt x="326345" y="3115260"/>
+                  <a:pt x="380072" y="3090093"/>
+                  <a:pt x="429208" y="3079174"/>
+                </a:cubicBezTo>
+                <a:cubicBezTo>
+                  <a:pt x="456701" y="3073064"/>
+                  <a:pt x="485237" y="3073336"/>
+                  <a:pt x="513183" y="3069843"/>
+                </a:cubicBezTo>
+                <a:cubicBezTo>
+                  <a:pt x="535006" y="3067115"/>
+                  <a:pt x="556726" y="3063622"/>
+                  <a:pt x="578497" y="3060512"/>
+                </a:cubicBezTo>
+                <a:cubicBezTo>
+                  <a:pt x="616312" y="3067602"/>
+                  <a:pt x="761620" y="3087843"/>
+                  <a:pt x="811763" y="3116496"/>
+                </a:cubicBezTo>
+                <a:cubicBezTo>
+                  <a:pt x="852269" y="3139642"/>
+                  <a:pt x="885660" y="3173505"/>
+                  <a:pt x="923730" y="3200471"/>
+                </a:cubicBezTo>
+                <a:cubicBezTo>
+                  <a:pt x="1013326" y="3263935"/>
+                  <a:pt x="1063819" y="3296499"/>
+                  <a:pt x="1166326" y="3340431"/>
+                </a:cubicBezTo>
+                <a:cubicBezTo>
+                  <a:pt x="1236004" y="3370293"/>
+                  <a:pt x="1332958" y="3400607"/>
+                  <a:pt x="1408922" y="3415076"/>
+                </a:cubicBezTo>
+                <a:cubicBezTo>
+                  <a:pt x="1436588" y="3420346"/>
+                  <a:pt x="1464926" y="3421115"/>
+                  <a:pt x="1492897" y="3424406"/>
+                </a:cubicBezTo>
+                <a:lnTo>
+                  <a:pt x="1567542" y="3433737"/>
+                </a:lnTo>
+                <a:lnTo>
+                  <a:pt x="1987420" y="3424406"/>
+                </a:lnTo>
+                <a:cubicBezTo>
+                  <a:pt x="2001528" y="3423842"/>
+                  <a:pt x="2055171" y="3409801"/>
+                  <a:pt x="2071395" y="3405745"/>
+                </a:cubicBezTo>
+                <a:cubicBezTo>
+                  <a:pt x="2080726" y="3399525"/>
+                  <a:pt x="2089650" y="3392648"/>
+                  <a:pt x="2099387" y="3387084"/>
+                </a:cubicBezTo>
+                <a:cubicBezTo>
+                  <a:pt x="2122144" y="3374080"/>
+                  <a:pt x="2159375" y="3357757"/>
+                  <a:pt x="2183363" y="3349761"/>
+                </a:cubicBezTo>
+                <a:cubicBezTo>
+                  <a:pt x="2195528" y="3345706"/>
+                  <a:pt x="2208355" y="3343954"/>
+                  <a:pt x="2220685" y="3340431"/>
+                </a:cubicBezTo>
+                <a:cubicBezTo>
+                  <a:pt x="2230142" y="3337729"/>
+                  <a:pt x="2238849" y="3331478"/>
+                  <a:pt x="2248677" y="3331100"/>
+                </a:cubicBezTo>
+                <a:cubicBezTo>
+                  <a:pt x="2400996" y="3325241"/>
+                  <a:pt x="2553486" y="3325272"/>
+                  <a:pt x="2705877" y="3321769"/>
+                </a:cubicBezTo>
+                <a:lnTo>
+                  <a:pt x="3060440" y="3312439"/>
+                </a:lnTo>
+                <a:cubicBezTo>
+                  <a:pt x="3072881" y="3309329"/>
+                  <a:pt x="3085480" y="3306793"/>
+                  <a:pt x="3097763" y="3303108"/>
+                </a:cubicBezTo>
+                <a:cubicBezTo>
+                  <a:pt x="3116604" y="3297456"/>
+                  <a:pt x="3134769" y="3289623"/>
+                  <a:pt x="3153746" y="3284447"/>
+                </a:cubicBezTo>
+                <a:cubicBezTo>
+                  <a:pt x="3169046" y="3280274"/>
+                  <a:pt x="3184849" y="3278226"/>
+                  <a:pt x="3200400" y="3275116"/>
+                </a:cubicBezTo>
+                <a:cubicBezTo>
+                  <a:pt x="3219061" y="3265786"/>
+                  <a:pt x="3236910" y="3254615"/>
+                  <a:pt x="3256383" y="3247125"/>
+                </a:cubicBezTo>
+                <a:cubicBezTo>
+                  <a:pt x="3277516" y="3238997"/>
+                  <a:pt x="3301138" y="3237952"/>
+                  <a:pt x="3321697" y="3228463"/>
+                </a:cubicBezTo>
+                <a:cubicBezTo>
+                  <a:pt x="3445132" y="3171492"/>
+                  <a:pt x="3317324" y="3203213"/>
+                  <a:pt x="3424334" y="3181810"/>
+                </a:cubicBezTo>
+                <a:cubicBezTo>
+                  <a:pt x="3436775" y="3175590"/>
+                  <a:pt x="3448946" y="3168798"/>
+                  <a:pt x="3461657" y="3163149"/>
+                </a:cubicBezTo>
+                <a:cubicBezTo>
+                  <a:pt x="3476962" y="3156347"/>
+                  <a:pt x="3495231" y="3154951"/>
+                  <a:pt x="3508310" y="3144488"/>
+                </a:cubicBezTo>
+                <a:cubicBezTo>
+                  <a:pt x="3527278" y="3129313"/>
+                  <a:pt x="3539412" y="3107165"/>
+                  <a:pt x="3554963" y="3088504"/>
+                </a:cubicBezTo>
+                <a:cubicBezTo>
+                  <a:pt x="3571636" y="3038481"/>
+                  <a:pt x="3558610" y="3081420"/>
+                  <a:pt x="3573624" y="3013859"/>
+                </a:cubicBezTo>
+                <a:cubicBezTo>
+                  <a:pt x="3576406" y="3001341"/>
+                  <a:pt x="3580661" y="2989154"/>
+                  <a:pt x="3582955" y="2976537"/>
+                </a:cubicBezTo>
+                <a:cubicBezTo>
+                  <a:pt x="3586376" y="2957720"/>
+                  <a:pt x="3593104" y="2873080"/>
+                  <a:pt x="3610946" y="2855239"/>
+                </a:cubicBezTo>
+                <a:lnTo>
+                  <a:pt x="3629608" y="2836578"/>
+                </a:lnTo>
+                <a:cubicBezTo>
+                  <a:pt x="3632718" y="2802366"/>
+                  <a:pt x="3634677" y="2768029"/>
+                  <a:pt x="3638938" y="2733941"/>
+                </a:cubicBezTo>
+                <a:cubicBezTo>
+                  <a:pt x="3647536" y="2665155"/>
+                  <a:pt x="3644905" y="2710078"/>
+                  <a:pt x="3657600" y="2659296"/>
+                </a:cubicBezTo>
+                <a:cubicBezTo>
+                  <a:pt x="3661446" y="2643911"/>
+                  <a:pt x="3663820" y="2628194"/>
+                  <a:pt x="3666930" y="2612643"/>
+                </a:cubicBezTo>
+                <a:cubicBezTo>
+                  <a:pt x="3676261" y="2503786"/>
+                  <a:pt x="3643802" y="2382631"/>
+                  <a:pt x="3694922" y="2286071"/>
+                </a:cubicBezTo>
+                <a:cubicBezTo>
+                  <a:pt x="3716799" y="2244748"/>
+                  <a:pt x="3788277" y="2291623"/>
+                  <a:pt x="3834881" y="2295402"/>
+                </a:cubicBezTo>
+                <a:lnTo>
+                  <a:pt x="4040155" y="2314063"/>
+                </a:lnTo>
+                <a:cubicBezTo>
+                  <a:pt x="4124130" y="2307843"/>
+                  <a:pt x="4208614" y="2306531"/>
+                  <a:pt x="4292081" y="2295402"/>
+                </a:cubicBezTo>
+                <a:cubicBezTo>
+                  <a:pt x="4343807" y="2288505"/>
+                  <a:pt x="4345745" y="2174053"/>
+                  <a:pt x="4348065" y="2164774"/>
+                </a:cubicBezTo>
+                <a:cubicBezTo>
+                  <a:pt x="4351175" y="2152333"/>
+                  <a:pt x="4351660" y="2138921"/>
+                  <a:pt x="4357395" y="2127451"/>
+                </a:cubicBezTo>
+                <a:cubicBezTo>
+                  <a:pt x="4425791" y="1990658"/>
+                  <a:pt x="4351216" y="2143683"/>
+                  <a:pt x="4404048" y="2024814"/>
+                </a:cubicBezTo>
+                <a:cubicBezTo>
+                  <a:pt x="4409697" y="2012104"/>
+                  <a:pt x="4417544" y="2000406"/>
+                  <a:pt x="4422710" y="1987492"/>
+                </a:cubicBezTo>
+                <a:cubicBezTo>
+                  <a:pt x="4430016" y="1969228"/>
+                  <a:pt x="4435151" y="1950169"/>
+                  <a:pt x="4441371" y="1931508"/>
+                </a:cubicBezTo>
+                <a:lnTo>
+                  <a:pt x="4450702" y="1903516"/>
+                </a:lnTo>
+                <a:cubicBezTo>
+                  <a:pt x="4458996" y="1878635"/>
+                  <a:pt x="4463320" y="1861262"/>
+                  <a:pt x="4478693" y="1838202"/>
+                </a:cubicBezTo>
+                <a:cubicBezTo>
+                  <a:pt x="4483573" y="1830882"/>
+                  <a:pt x="4491134" y="1825761"/>
+                  <a:pt x="4497355" y="1819541"/>
+                </a:cubicBezTo>
+                <a:cubicBezTo>
+                  <a:pt x="4513651" y="1770651"/>
+                  <a:pt x="4535405" y="1712542"/>
+                  <a:pt x="4544008" y="1660920"/>
+                </a:cubicBezTo>
+                <a:cubicBezTo>
+                  <a:pt x="4547118" y="1642259"/>
+                  <a:pt x="4546873" y="1622716"/>
+                  <a:pt x="4553338" y="1604937"/>
+                </a:cubicBezTo>
+                <a:cubicBezTo>
+                  <a:pt x="4559536" y="1587893"/>
+                  <a:pt x="4572523" y="1574137"/>
+                  <a:pt x="4581330" y="1558284"/>
+                </a:cubicBezTo>
+                <a:cubicBezTo>
+                  <a:pt x="4612034" y="1503017"/>
+                  <a:pt x="4584329" y="1536623"/>
+                  <a:pt x="4627983" y="1492969"/>
+                </a:cubicBezTo>
+                <a:cubicBezTo>
+                  <a:pt x="4650171" y="1426409"/>
+                  <a:pt x="4618708" y="1506884"/>
+                  <a:pt x="4665306" y="1436986"/>
+                </a:cubicBezTo>
+                <a:cubicBezTo>
+                  <a:pt x="4670762" y="1428802"/>
+                  <a:pt x="4669756" y="1417533"/>
+                  <a:pt x="4674636" y="1408994"/>
+                </a:cubicBezTo>
+                <a:cubicBezTo>
+                  <a:pt x="4682351" y="1395492"/>
+                  <a:pt x="4693589" y="1384326"/>
+                  <a:pt x="4702628" y="1371671"/>
+                </a:cubicBezTo>
+                <a:cubicBezTo>
+                  <a:pt x="4735102" y="1326207"/>
+                  <a:pt x="4705718" y="1359251"/>
+                  <a:pt x="4749281" y="1315688"/>
+                </a:cubicBezTo>
+                <a:cubicBezTo>
+                  <a:pt x="4785729" y="1242790"/>
+                  <a:pt x="4747485" y="1313716"/>
+                  <a:pt x="4795934" y="1241043"/>
+                </a:cubicBezTo>
+                <a:cubicBezTo>
+                  <a:pt x="4867928" y="1133054"/>
+                  <a:pt x="4782174" y="1250060"/>
+                  <a:pt x="4851918" y="1157067"/>
+                </a:cubicBezTo>
+                <a:cubicBezTo>
+                  <a:pt x="4855028" y="1147737"/>
+                  <a:pt x="4856369" y="1137615"/>
+                  <a:pt x="4861248" y="1129076"/>
+                </a:cubicBezTo>
+                <a:cubicBezTo>
+                  <a:pt x="4868891" y="1115700"/>
+                  <a:pt x="4892740" y="1085221"/>
+                  <a:pt x="4907902" y="1073092"/>
+                </a:cubicBezTo>
+                <a:cubicBezTo>
+                  <a:pt x="4916658" y="1066087"/>
+                  <a:pt x="4926768" y="1060949"/>
+                  <a:pt x="4935893" y="1054431"/>
+                </a:cubicBezTo>
+                <a:cubicBezTo>
+                  <a:pt x="4948548" y="1045392"/>
+                  <a:pt x="4960775" y="1035770"/>
+                  <a:pt x="4973216" y="1026439"/>
+                </a:cubicBezTo>
+                <a:cubicBezTo>
+                  <a:pt x="4979436" y="1010888"/>
+                  <a:pt x="4984858" y="994993"/>
+                  <a:pt x="4991877" y="979786"/>
+                </a:cubicBezTo>
+                <a:cubicBezTo>
+                  <a:pt x="5003535" y="954528"/>
+                  <a:pt x="5021558" y="931889"/>
+                  <a:pt x="5029200" y="905141"/>
+                </a:cubicBezTo>
+                <a:cubicBezTo>
+                  <a:pt x="5035420" y="883370"/>
+                  <a:pt x="5042370" y="861794"/>
+                  <a:pt x="5047861" y="839827"/>
+                </a:cubicBezTo>
+                <a:cubicBezTo>
+                  <a:pt x="5051707" y="824442"/>
+                  <a:pt x="5053018" y="808474"/>
+                  <a:pt x="5057191" y="793174"/>
+                </a:cubicBezTo>
+                <a:cubicBezTo>
+                  <a:pt x="5062367" y="774196"/>
+                  <a:pt x="5070201" y="756031"/>
+                  <a:pt x="5075853" y="737190"/>
+                </a:cubicBezTo>
+                <a:cubicBezTo>
+                  <a:pt x="5079538" y="724907"/>
+                  <a:pt x="5078070" y="710537"/>
+                  <a:pt x="5085183" y="699867"/>
+                </a:cubicBezTo>
+                <a:cubicBezTo>
+                  <a:pt x="5097382" y="681568"/>
+                  <a:pt x="5118640" y="670808"/>
+                  <a:pt x="5131836" y="653214"/>
+                </a:cubicBezTo>
+                <a:lnTo>
+                  <a:pt x="5159828" y="615892"/>
+                </a:lnTo>
+                <a:cubicBezTo>
+                  <a:pt x="5166048" y="591010"/>
+                  <a:pt x="5177540" y="566877"/>
+                  <a:pt x="5178489" y="541247"/>
+                </a:cubicBezTo>
+                <a:cubicBezTo>
+                  <a:pt x="5181599" y="457271"/>
+                  <a:pt x="5176714" y="372616"/>
+                  <a:pt x="5187820" y="289320"/>
+                </a:cubicBezTo>
+                <a:cubicBezTo>
+                  <a:pt x="5191907" y="258670"/>
+                  <a:pt x="5259665" y="248732"/>
+                  <a:pt x="5271795" y="242667"/>
+                </a:cubicBezTo>
+                <a:cubicBezTo>
+                  <a:pt x="5284236" y="236447"/>
+                  <a:pt x="5296203" y="229172"/>
+                  <a:pt x="5309118" y="224006"/>
+                </a:cubicBezTo>
+                <a:cubicBezTo>
+                  <a:pt x="5327382" y="216701"/>
+                  <a:pt x="5348735" y="216256"/>
+                  <a:pt x="5365102" y="205345"/>
+                </a:cubicBezTo>
+                <a:cubicBezTo>
+                  <a:pt x="5374432" y="199125"/>
+                  <a:pt x="5382455" y="190230"/>
+                  <a:pt x="5393093" y="186684"/>
+                </a:cubicBezTo>
+                <a:cubicBezTo>
+                  <a:pt x="5411041" y="180701"/>
+                  <a:pt x="5430609" y="181457"/>
+                  <a:pt x="5449077" y="177353"/>
+                </a:cubicBezTo>
+                <a:cubicBezTo>
+                  <a:pt x="5458678" y="175219"/>
+                  <a:pt x="5467348" y="169519"/>
+                  <a:pt x="5477069" y="168023"/>
+                </a:cubicBezTo>
+                <a:cubicBezTo>
+                  <a:pt x="5507963" y="163270"/>
+                  <a:pt x="5539273" y="161802"/>
+                  <a:pt x="5570375" y="158692"/>
+                </a:cubicBezTo>
+                <a:cubicBezTo>
+                  <a:pt x="5585926" y="152472"/>
+                  <a:pt x="5601723" y="146833"/>
+                  <a:pt x="5617028" y="140031"/>
+                </a:cubicBezTo>
+                <a:cubicBezTo>
+                  <a:pt x="5629739" y="134382"/>
+                  <a:pt x="5641327" y="126253"/>
+                  <a:pt x="5654351" y="121369"/>
+                </a:cubicBezTo>
+                <a:cubicBezTo>
+                  <a:pt x="5666358" y="116866"/>
+                  <a:pt x="5679232" y="115149"/>
+                  <a:pt x="5691673" y="112039"/>
+                </a:cubicBezTo>
+                <a:cubicBezTo>
+                  <a:pt x="5776990" y="69380"/>
+                  <a:pt x="5672378" y="123616"/>
+                  <a:pt x="5784979" y="56055"/>
+                </a:cubicBezTo>
+                <a:cubicBezTo>
+                  <a:pt x="5796906" y="48899"/>
+                  <a:pt x="5810143" y="44149"/>
+                  <a:pt x="5822302" y="37394"/>
+                </a:cubicBezTo>
+                <a:cubicBezTo>
+                  <a:pt x="5838155" y="28587"/>
+                  <a:pt x="5852383" y="16768"/>
+                  <a:pt x="5868955" y="9402"/>
+                </a:cubicBezTo>
+                <a:cubicBezTo>
+                  <a:pt x="5893344" y="-1438"/>
+                  <a:pt x="5902654" y="71"/>
+                  <a:pt x="5924938" y="71"/>
+                </a:cubicBezTo>
+              </a:path>
+            </a:pathLst>
+          </a:custGeom>
+        </p:spPr>
+        <p:style>
+          <a:lnRef idx="1">
+            <a:schemeClr val="accent2"/>
+          </a:lnRef>
+          <a:fillRef idx="0">
+            <a:schemeClr val="accent2"/>
+          </a:fillRef>
+          <a:effectRef idx="0">
+            <a:schemeClr val="accent2"/>
+          </a:effectRef>
+          <a:fontRef idx="minor">
+            <a:schemeClr val="tx1"/>
+          </a:fontRef>
+        </p:style>
+        <p:txBody>
+          <a:bodyPr rtlCol="0" anchor="ctr"/>
+          <a:lstStyle/>
+          <a:p>
+            <a:pPr algn="ctr"/>
+            <a:endParaRPr lang="ru-RU"/>
+          </a:p>
+        </p:txBody>
+      </p:sp>
+      <p:sp>
+        <p:nvSpPr>
+          <p:cNvPr id="9" name="TextBox 8">
+            <a:extLst>
+              <a:ext uri="{FF2B5EF4-FFF2-40B4-BE49-F238E27FC236}">
+                <a16:creationId xmlns:a16="http://schemas.microsoft.com/office/drawing/2014/main" id="{4FB624F2-A829-4129-8F9D-5A117D1756D1}"/>
+              </a:ext>
+            </a:extLst>
+          </p:cNvPr>
+          <p:cNvSpPr txBox="1"/>
+          <p:nvPr/>
+        </p:nvSpPr>
+        <p:spPr>
+          <a:xfrm>
+            <a:off x="2010776" y="3059668"/>
+            <a:ext cx="877059" cy="369332"/>
+          </a:xfrm>
+          <a:prstGeom prst="rect">
+            <a:avLst/>
+          </a:prstGeom>
+          <a:noFill/>
+        </p:spPr>
+        <p:txBody>
+          <a:bodyPr wrap="square" rtlCol="0">
+            <a:spAutoFit/>
+          </a:bodyPr>
+          <a:lstStyle/>
+          <a:p>
+            <a:r>
+              <a:rPr lang="en-US" dirty="0"/>
+              <a:t>Num</a:t>
+            </a:r>
+          </a:p>
+        </p:txBody>
+      </p:sp>
+      <p:sp>
+        <p:nvSpPr>
+          <p:cNvPr id="10" name="TextBox 9">
+            <a:extLst>
+              <a:ext uri="{FF2B5EF4-FFF2-40B4-BE49-F238E27FC236}">
+                <a16:creationId xmlns:a16="http://schemas.microsoft.com/office/drawing/2014/main" id="{C30E488E-5D36-4D68-8A3E-0EAE2D950BE7}"/>
+              </a:ext>
+            </a:extLst>
+          </p:cNvPr>
+          <p:cNvSpPr txBox="1"/>
+          <p:nvPr/>
+        </p:nvSpPr>
+        <p:spPr>
+          <a:xfrm>
+            <a:off x="4292082" y="6053272"/>
+            <a:ext cx="2369976" cy="646331"/>
+          </a:xfrm>
+          <a:prstGeom prst="rect">
+            <a:avLst/>
+          </a:prstGeom>
+          <a:noFill/>
+        </p:spPr>
+        <p:txBody>
+          <a:bodyPr wrap="square" rtlCol="0">
+            <a:spAutoFit/>
+          </a:bodyPr>
+          <a:lstStyle/>
+          <a:p>
+            <a:r>
+              <a:rPr lang="en-US" dirty="0"/>
+              <a:t>Year</a:t>
+            </a:r>
+          </a:p>
+          <a:p>
+            <a:endParaRPr lang="ru-RU" dirty="0"/>
           </a:p>
         </p:txBody>
       </p:sp>
     </p:spTree>
     <p:extLst>
       <p:ext uri="{BB962C8B-B14F-4D97-AF65-F5344CB8AC3E}">
-        <p14:creationId xmlns:p14="http://schemas.microsoft.com/office/powerpoint/2010/main" val="2853583685"/>
+        <p14:creationId xmlns:p14="http://schemas.microsoft.com/office/powerpoint/2010/main" val="3494915284"/>
+      </p:ext>
+    </p:extLst>
+  </p:cSld>
+  <p:clrMapOvr>
+    <a:masterClrMapping/>
+  </p:clrMapOvr>
+</p:sld>
+</file>
+
+<file path=ppt/slides/slide6.xml><?xml version="1.0" encoding="utf-8"?>
+<p:sld xmlns:a="http://schemas.openxmlformats.org/drawingml/2006/main" xmlns:r="http://schemas.openxmlformats.org/officeDocument/2006/relationships" xmlns:p="http://schemas.openxmlformats.org/presentationml/2006/main">
+  <p:cSld>
+    <p:spTree>
+      <p:nvGrpSpPr>
+        <p:cNvPr id="1" name=""/>
+        <p:cNvGrpSpPr/>
+        <p:nvPr/>
+      </p:nvGrpSpPr>
+      <p:grpSpPr>
+        <a:xfrm>
+          <a:off x="0" y="0"/>
+          <a:ext cx="0" cy="0"/>
+          <a:chOff x="0" y="0"/>
+          <a:chExt cx="0" cy="0"/>
+        </a:xfrm>
+      </p:grpSpPr>
+      <p:pic>
+        <p:nvPicPr>
+          <p:cNvPr id="4" name="Рисунок 3">
+            <a:extLst>
+              <a:ext uri="{FF2B5EF4-FFF2-40B4-BE49-F238E27FC236}">
+                <a16:creationId xmlns:a16="http://schemas.microsoft.com/office/drawing/2014/main" id="{35C61DD7-4898-4DF2-AD11-71622062797D}"/>
+              </a:ext>
+            </a:extLst>
+          </p:cNvPr>
+          <p:cNvPicPr>
+            <a:picLocks noChangeAspect="1"/>
+          </p:cNvPicPr>
+          <p:nvPr/>
+        </p:nvPicPr>
+        <p:blipFill>
+          <a:blip r:embed="rId2">
+            <a:extLst>
+              <a:ext uri="{28A0092B-C50C-407E-A947-70E740481C1C}">
+                <a14:useLocalDpi xmlns:a14="http://schemas.microsoft.com/office/drawing/2010/main" val="0"/>
+              </a:ext>
+            </a:extLst>
+          </a:blip>
+          <a:stretch>
+            <a:fillRect/>
+          </a:stretch>
+        </p:blipFill>
+        <p:spPr>
+          <a:xfrm>
+            <a:off x="1035600" y="1045514"/>
+            <a:ext cx="8481623" cy="4571514"/>
+          </a:xfrm>
+          <a:prstGeom prst="rect">
+            <a:avLst/>
+          </a:prstGeom>
+        </p:spPr>
+      </p:pic>
+      <p:sp>
+        <p:nvSpPr>
+          <p:cNvPr id="5" name="Прямоугольник: скругленные углы 4">
+            <a:extLst>
+              <a:ext uri="{FF2B5EF4-FFF2-40B4-BE49-F238E27FC236}">
+                <a16:creationId xmlns:a16="http://schemas.microsoft.com/office/drawing/2014/main" id="{6F278295-3E91-4602-9B94-FCD28FC49B35}"/>
+              </a:ext>
+            </a:extLst>
+          </p:cNvPr>
+          <p:cNvSpPr/>
+          <p:nvPr/>
+        </p:nvSpPr>
+        <p:spPr>
+          <a:xfrm>
+            <a:off x="615821" y="531845"/>
+            <a:ext cx="5094514" cy="5421086"/>
+          </a:xfrm>
+          <a:prstGeom prst="roundRect">
+            <a:avLst/>
+          </a:prstGeom>
+        </p:spPr>
+        <p:style>
+          <a:lnRef idx="2">
+            <a:schemeClr val="accent6"/>
+          </a:lnRef>
+          <a:fillRef idx="1">
+            <a:schemeClr val="lt1"/>
+          </a:fillRef>
+          <a:effectRef idx="0">
+            <a:schemeClr val="accent6"/>
+          </a:effectRef>
+          <a:fontRef idx="minor">
+            <a:schemeClr val="dk1"/>
+          </a:fontRef>
+        </p:style>
+        <p:txBody>
+          <a:bodyPr rtlCol="0" anchor="ctr"/>
+          <a:lstStyle/>
+          <a:p>
+            <a:pPr algn="ctr"/>
+            <a:endParaRPr lang="ru-RU"/>
+          </a:p>
+        </p:txBody>
+      </p:sp>
+      <p:sp>
+        <p:nvSpPr>
+          <p:cNvPr id="6" name="TextBox 5">
+            <a:extLst>
+              <a:ext uri="{FF2B5EF4-FFF2-40B4-BE49-F238E27FC236}">
+                <a16:creationId xmlns:a16="http://schemas.microsoft.com/office/drawing/2014/main" id="{7A6453EC-93AE-46D0-87BF-374DD617B293}"/>
+              </a:ext>
+            </a:extLst>
+          </p:cNvPr>
+          <p:cNvSpPr txBox="1"/>
+          <p:nvPr/>
+        </p:nvSpPr>
+        <p:spPr>
+          <a:xfrm>
+            <a:off x="1478853" y="905069"/>
+            <a:ext cx="3620277" cy="4524315"/>
+          </a:xfrm>
+          <a:prstGeom prst="rect">
+            <a:avLst/>
+          </a:prstGeom>
+          <a:noFill/>
+        </p:spPr>
+        <p:txBody>
+          <a:bodyPr wrap="square" rtlCol="0">
+            <a:spAutoFit/>
+          </a:bodyPr>
+          <a:lstStyle/>
+          <a:p>
+            <a:r>
+              <a:rPr lang="kk-KZ" sz="3200" dirty="0"/>
+              <a:t>По сервисам</a:t>
+            </a:r>
+          </a:p>
+          <a:p>
+            <a:r>
+              <a:rPr lang="kk-KZ" sz="3200" dirty="0"/>
+              <a:t>ШПД Акция</a:t>
+            </a:r>
+          </a:p>
+          <a:p>
+            <a:r>
+              <a:rPr lang="kk-KZ" sz="3200" dirty="0"/>
+              <a:t>Мобильные Роуминг</a:t>
+            </a:r>
+          </a:p>
+          <a:p>
+            <a:endParaRPr lang="kk-KZ" sz="3200" dirty="0"/>
+          </a:p>
+          <a:p>
+            <a:endParaRPr lang="kk-KZ" sz="3200" dirty="0"/>
+          </a:p>
+          <a:p>
+            <a:r>
+              <a:rPr lang="en-US" sz="3200" dirty="0"/>
+              <a:t>VARNOVA </a:t>
+            </a:r>
+            <a:r>
+              <a:rPr lang="kk-KZ" sz="3200" dirty="0"/>
+              <a:t>интерактивная</a:t>
+            </a:r>
+          </a:p>
+          <a:p>
+            <a:r>
+              <a:rPr lang="kk-KZ" sz="3200" dirty="0"/>
+              <a:t>+ еще что то </a:t>
+            </a:r>
+          </a:p>
+        </p:txBody>
+      </p:sp>
+      <p:sp>
+        <p:nvSpPr>
+          <p:cNvPr id="8" name="Прямоугольник: скругленные углы 7">
+            <a:extLst>
+              <a:ext uri="{FF2B5EF4-FFF2-40B4-BE49-F238E27FC236}">
+                <a16:creationId xmlns:a16="http://schemas.microsoft.com/office/drawing/2014/main" id="{63422002-177A-4117-8B1A-9DBD6099C85F}"/>
+              </a:ext>
+            </a:extLst>
+          </p:cNvPr>
+          <p:cNvSpPr/>
+          <p:nvPr/>
+        </p:nvSpPr>
+        <p:spPr>
+          <a:xfrm>
+            <a:off x="6372808" y="877078"/>
+            <a:ext cx="3144415" cy="1054359"/>
+          </a:xfrm>
+          <a:prstGeom prst="roundRect">
+            <a:avLst/>
+          </a:prstGeom>
+        </p:spPr>
+        <p:style>
+          <a:lnRef idx="2">
+            <a:schemeClr val="accent6"/>
+          </a:lnRef>
+          <a:fillRef idx="1">
+            <a:schemeClr val="lt1"/>
+          </a:fillRef>
+          <a:effectRef idx="0">
+            <a:schemeClr val="accent6"/>
+          </a:effectRef>
+          <a:fontRef idx="minor">
+            <a:schemeClr val="dk1"/>
+          </a:fontRef>
+        </p:style>
+        <p:txBody>
+          <a:bodyPr rtlCol="0" anchor="ctr"/>
+          <a:lstStyle/>
+          <a:p>
+            <a:pPr algn="ctr"/>
+            <a:endParaRPr lang="ru-RU"/>
+          </a:p>
+        </p:txBody>
+      </p:sp>
+      <p:sp>
+        <p:nvSpPr>
+          <p:cNvPr id="9" name="TextBox 8">
+            <a:extLst>
+              <a:ext uri="{FF2B5EF4-FFF2-40B4-BE49-F238E27FC236}">
+                <a16:creationId xmlns:a16="http://schemas.microsoft.com/office/drawing/2014/main" id="{CDE1ED8A-7F3D-4B28-919D-135BEE088205}"/>
+              </a:ext>
+            </a:extLst>
+          </p:cNvPr>
+          <p:cNvSpPr txBox="1"/>
+          <p:nvPr/>
+        </p:nvSpPr>
+        <p:spPr>
+          <a:xfrm>
+            <a:off x="6596741" y="1129892"/>
+            <a:ext cx="2696547" cy="646331"/>
+          </a:xfrm>
+          <a:prstGeom prst="rect">
+            <a:avLst/>
+          </a:prstGeom>
+          <a:noFill/>
+        </p:spPr>
+        <p:txBody>
+          <a:bodyPr wrap="square" rtlCol="0">
+            <a:spAutoFit/>
+          </a:bodyPr>
+          <a:lstStyle/>
+          <a:p>
+            <a:pPr algn="ctr"/>
+            <a:r>
+              <a:rPr lang="kk-KZ" dirty="0"/>
+              <a:t>Классификация по сервисам</a:t>
+            </a:r>
+            <a:endParaRPr lang="ru-RU" dirty="0"/>
+          </a:p>
+        </p:txBody>
+      </p:sp>
+    </p:spTree>
+    <p:extLst>
+      <p:ext uri="{BB962C8B-B14F-4D97-AF65-F5344CB8AC3E}">
+        <p14:creationId xmlns:p14="http://schemas.microsoft.com/office/powerpoint/2010/main" val="93220189"/>
+      </p:ext>
+    </p:extLst>
+  </p:cSld>
+  <p:clrMapOvr>
+    <a:masterClrMapping/>
+  </p:clrMapOvr>
+</p:sld>
+</file>
+
+<file path=ppt/slides/slide7.xml><?xml version="1.0" encoding="utf-8"?>
+<p:sld xmlns:a="http://schemas.openxmlformats.org/drawingml/2006/main" xmlns:r="http://schemas.openxmlformats.org/officeDocument/2006/relationships" xmlns:p="http://schemas.openxmlformats.org/presentationml/2006/main">
+  <p:cSld>
+    <p:spTree>
+      <p:nvGrpSpPr>
+        <p:cNvPr id="1" name=""/>
+        <p:cNvGrpSpPr/>
+        <p:nvPr/>
+      </p:nvGrpSpPr>
+      <p:grpSpPr>
+        <a:xfrm>
+          <a:off x="0" y="0"/>
+          <a:ext cx="0" cy="0"/>
+          <a:chOff x="0" y="0"/>
+          <a:chExt cx="0" cy="0"/>
+        </a:xfrm>
+      </p:grpSpPr>
+      <p:sp>
+        <p:nvSpPr>
+          <p:cNvPr id="2" name="TextBox 1">
+            <a:extLst>
+              <a:ext uri="{FF2B5EF4-FFF2-40B4-BE49-F238E27FC236}">
+                <a16:creationId xmlns:a16="http://schemas.microsoft.com/office/drawing/2014/main" id="{64356FA7-8060-4E5F-94F4-512E8897E650}"/>
+              </a:ext>
+            </a:extLst>
+          </p:cNvPr>
+          <p:cNvSpPr txBox="1"/>
+          <p:nvPr/>
+        </p:nvSpPr>
+        <p:spPr>
+          <a:xfrm>
+            <a:off x="1259633" y="1007705"/>
+            <a:ext cx="3508310" cy="369332"/>
+          </a:xfrm>
+          <a:prstGeom prst="rect">
+            <a:avLst/>
+          </a:prstGeom>
+          <a:noFill/>
+        </p:spPr>
+        <p:txBody>
+          <a:bodyPr wrap="square" rtlCol="0">
+            <a:spAutoFit/>
+          </a:bodyPr>
+          <a:lstStyle/>
+          <a:p>
+            <a:r>
+              <a:rPr lang="en-US" dirty="0"/>
+              <a:t>Prediction:  </a:t>
+            </a:r>
+            <a:endParaRPr lang="ru-RU" dirty="0"/>
+          </a:p>
+        </p:txBody>
+      </p:sp>
+      <p:sp>
+        <p:nvSpPr>
+          <p:cNvPr id="3" name="Прямоугольник: скругленные углы 2">
+            <a:extLst>
+              <a:ext uri="{FF2B5EF4-FFF2-40B4-BE49-F238E27FC236}">
+                <a16:creationId xmlns:a16="http://schemas.microsoft.com/office/drawing/2014/main" id="{06C2E526-553A-48B4-BA58-B771AFF4F60D}"/>
+              </a:ext>
+            </a:extLst>
+          </p:cNvPr>
+          <p:cNvSpPr/>
+          <p:nvPr/>
+        </p:nvSpPr>
+        <p:spPr>
+          <a:xfrm>
+            <a:off x="2948473" y="727788"/>
+            <a:ext cx="1819470" cy="858416"/>
+          </a:xfrm>
+          <a:prstGeom prst="roundRect">
+            <a:avLst/>
+          </a:prstGeom>
+        </p:spPr>
+        <p:style>
+          <a:lnRef idx="2">
+            <a:schemeClr val="accent1">
+              <a:shade val="50000"/>
+            </a:schemeClr>
+          </a:lnRef>
+          <a:fillRef idx="1">
+            <a:schemeClr val="accent1"/>
+          </a:fillRef>
+          <a:effectRef idx="0">
+            <a:schemeClr val="accent1"/>
+          </a:effectRef>
+          <a:fontRef idx="minor">
+            <a:schemeClr val="lt1"/>
+          </a:fontRef>
+        </p:style>
+        <p:txBody>
+          <a:bodyPr rtlCol="0" anchor="ctr"/>
+          <a:lstStyle/>
+          <a:p>
+            <a:pPr algn="ctr"/>
+            <a:endParaRPr lang="ru-RU"/>
+          </a:p>
+        </p:txBody>
+      </p:sp>
+      <p:sp>
+        <p:nvSpPr>
+          <p:cNvPr id="4" name="Прямоугольник: скругленные углы 3">
+            <a:extLst>
+              <a:ext uri="{FF2B5EF4-FFF2-40B4-BE49-F238E27FC236}">
+                <a16:creationId xmlns:a16="http://schemas.microsoft.com/office/drawing/2014/main" id="{404D6DA7-C7DA-49DB-8817-370A8B6FC26D}"/>
+              </a:ext>
+            </a:extLst>
+          </p:cNvPr>
+          <p:cNvSpPr/>
+          <p:nvPr/>
+        </p:nvSpPr>
+        <p:spPr>
+          <a:xfrm>
+            <a:off x="5284236" y="727788"/>
+            <a:ext cx="1819470" cy="858416"/>
+          </a:xfrm>
+          <a:prstGeom prst="roundRect">
+            <a:avLst/>
+          </a:prstGeom>
+        </p:spPr>
+        <p:style>
+          <a:lnRef idx="2">
+            <a:schemeClr val="accent1">
+              <a:shade val="50000"/>
+            </a:schemeClr>
+          </a:lnRef>
+          <a:fillRef idx="1">
+            <a:schemeClr val="accent1"/>
+          </a:fillRef>
+          <a:effectRef idx="0">
+            <a:schemeClr val="accent1"/>
+          </a:effectRef>
+          <a:fontRef idx="minor">
+            <a:schemeClr val="lt1"/>
+          </a:fontRef>
+        </p:style>
+        <p:txBody>
+          <a:bodyPr rtlCol="0" anchor="ctr"/>
+          <a:lstStyle/>
+          <a:p>
+            <a:pPr algn="ctr"/>
+            <a:endParaRPr lang="ru-RU"/>
+          </a:p>
+        </p:txBody>
+      </p:sp>
+      <p:sp>
+        <p:nvSpPr>
+          <p:cNvPr id="5" name="Прямоугольник: скругленные углы 4">
+            <a:extLst>
+              <a:ext uri="{FF2B5EF4-FFF2-40B4-BE49-F238E27FC236}">
+                <a16:creationId xmlns:a16="http://schemas.microsoft.com/office/drawing/2014/main" id="{F96E88B0-D82F-4D48-B52A-6EA6393E6F8F}"/>
+              </a:ext>
+            </a:extLst>
+          </p:cNvPr>
+          <p:cNvSpPr/>
+          <p:nvPr/>
+        </p:nvSpPr>
+        <p:spPr>
+          <a:xfrm>
+            <a:off x="7784840" y="727788"/>
+            <a:ext cx="1819470" cy="858416"/>
+          </a:xfrm>
+          <a:prstGeom prst="roundRect">
+            <a:avLst/>
+          </a:prstGeom>
+        </p:spPr>
+        <p:style>
+          <a:lnRef idx="2">
+            <a:schemeClr val="accent1">
+              <a:shade val="50000"/>
+            </a:schemeClr>
+          </a:lnRef>
+          <a:fillRef idx="1">
+            <a:schemeClr val="accent1"/>
+          </a:fillRef>
+          <a:effectRef idx="0">
+            <a:schemeClr val="accent1"/>
+          </a:effectRef>
+          <a:fontRef idx="minor">
+            <a:schemeClr val="lt1"/>
+          </a:fontRef>
+        </p:style>
+        <p:txBody>
+          <a:bodyPr rtlCol="0" anchor="ctr"/>
+          <a:lstStyle/>
+          <a:p>
+            <a:pPr algn="ctr"/>
+            <a:endParaRPr lang="ru-RU"/>
+          </a:p>
+        </p:txBody>
+      </p:sp>
+      <p:sp>
+        <p:nvSpPr>
+          <p:cNvPr id="6" name="TextBox 5">
+            <a:extLst>
+              <a:ext uri="{FF2B5EF4-FFF2-40B4-BE49-F238E27FC236}">
+                <a16:creationId xmlns:a16="http://schemas.microsoft.com/office/drawing/2014/main" id="{3ECC7EDD-9C15-4CD5-8497-773A9DFDD885}"/>
+              </a:ext>
+            </a:extLst>
+          </p:cNvPr>
+          <p:cNvSpPr txBox="1"/>
+          <p:nvPr/>
+        </p:nvSpPr>
+        <p:spPr>
+          <a:xfrm>
+            <a:off x="1142999" y="2110665"/>
+            <a:ext cx="3144417" cy="369332"/>
+          </a:xfrm>
+          <a:prstGeom prst="rect">
+            <a:avLst/>
+          </a:prstGeom>
+          <a:noFill/>
+        </p:spPr>
+        <p:txBody>
+          <a:bodyPr wrap="square" rtlCol="0">
+            <a:spAutoFit/>
+          </a:bodyPr>
+          <a:lstStyle/>
+          <a:p>
+            <a:r>
+              <a:rPr lang="en-US" dirty="0"/>
+              <a:t>Prob of </a:t>
+            </a:r>
+            <a:r>
+              <a:rPr lang="kk-KZ" dirty="0"/>
+              <a:t>Всплеск? </a:t>
+            </a:r>
+          </a:p>
+        </p:txBody>
+      </p:sp>
+      <p:sp>
+        <p:nvSpPr>
+          <p:cNvPr id="7" name="TextBox 6">
+            <a:extLst>
+              <a:ext uri="{FF2B5EF4-FFF2-40B4-BE49-F238E27FC236}">
+                <a16:creationId xmlns:a16="http://schemas.microsoft.com/office/drawing/2014/main" id="{EA4D886D-82E3-4D63-866B-D1C27A436820}"/>
+              </a:ext>
+            </a:extLst>
+          </p:cNvPr>
+          <p:cNvSpPr txBox="1"/>
+          <p:nvPr/>
+        </p:nvSpPr>
+        <p:spPr>
+          <a:xfrm>
+            <a:off x="961053" y="3429000"/>
+            <a:ext cx="8388220" cy="646331"/>
+          </a:xfrm>
+          <a:prstGeom prst="rect">
+            <a:avLst/>
+          </a:prstGeom>
+          <a:noFill/>
+        </p:spPr>
+        <p:txBody>
+          <a:bodyPr wrap="square" rtlCol="0">
+            <a:spAutoFit/>
+          </a:bodyPr>
+          <a:lstStyle/>
+          <a:p>
+            <a:r>
+              <a:rPr lang="ru-RU" dirty="0"/>
+              <a:t>По каждому региону Вероятность по </a:t>
+            </a:r>
+            <a:r>
+              <a:rPr lang="ru-RU" dirty="0" err="1"/>
+              <a:t>областя</a:t>
+            </a:r>
+            <a:r>
+              <a:rPr lang="kk-KZ" dirty="0"/>
+              <a:t>м на основе предыдущих месяцев?</a:t>
+            </a:r>
+            <a:r>
+              <a:rPr lang="ru-RU" dirty="0"/>
+              <a:t> </a:t>
+            </a:r>
+          </a:p>
+          <a:p>
+            <a:endParaRPr lang="ru-RU" dirty="0"/>
+          </a:p>
+        </p:txBody>
+      </p:sp>
+      <p:sp>
+        <p:nvSpPr>
+          <p:cNvPr id="8" name="TextBox 7">
+            <a:extLst>
+              <a:ext uri="{FF2B5EF4-FFF2-40B4-BE49-F238E27FC236}">
+                <a16:creationId xmlns:a16="http://schemas.microsoft.com/office/drawing/2014/main" id="{1C5796D8-8D98-45D9-B050-7CD5818D6978}"/>
+              </a:ext>
+            </a:extLst>
+          </p:cNvPr>
+          <p:cNvSpPr txBox="1"/>
+          <p:nvPr/>
+        </p:nvSpPr>
+        <p:spPr>
+          <a:xfrm>
+            <a:off x="5677678" y="195169"/>
+            <a:ext cx="1426028" cy="369332"/>
+          </a:xfrm>
+          <a:prstGeom prst="rect">
+            <a:avLst/>
+          </a:prstGeom>
+          <a:noFill/>
+        </p:spPr>
+        <p:txBody>
+          <a:bodyPr wrap="square" rtlCol="0">
+            <a:spAutoFit/>
+          </a:bodyPr>
+          <a:lstStyle/>
+          <a:p>
+            <a:r>
+              <a:rPr lang="en-US" dirty="0"/>
+              <a:t>Input - Select</a:t>
+            </a:r>
+            <a:endParaRPr lang="ru-RU" dirty="0"/>
+          </a:p>
+        </p:txBody>
+      </p:sp>
+    </p:spTree>
+    <p:extLst>
+      <p:ext uri="{BB962C8B-B14F-4D97-AF65-F5344CB8AC3E}">
+        <p14:creationId xmlns:p14="http://schemas.microsoft.com/office/powerpoint/2010/main" val="1097358266"/>
       </p:ext>
     </p:extLst>
   </p:cSld>
